--- a/materials/03_Sampling.pptx
+++ b/materials/03_Sampling.pptx
@@ -5,19 +5,28 @@
     <p:sldMasterId id="2147483648" r:id="rId4"/>
   </p:sldMasterIdLst>
   <p:notesMasterIdLst>
-    <p:notesMasterId r:id="rId15"/>
+    <p:notesMasterId r:id="rId24"/>
   </p:notesMasterIdLst>
   <p:sldIdLst>
     <p:sldId id="1046" r:id="rId5"/>
-    <p:sldId id="1052" r:id="rId6"/>
-    <p:sldId id="1080" r:id="rId7"/>
-    <p:sldId id="1084" r:id="rId8"/>
-    <p:sldId id="1085" r:id="rId9"/>
+    <p:sldId id="1080" r:id="rId6"/>
+    <p:sldId id="1084" r:id="rId7"/>
+    <p:sldId id="1085" r:id="rId8"/>
+    <p:sldId id="1099" r:id="rId9"/>
     <p:sldId id="1081" r:id="rId10"/>
     <p:sldId id="1083" r:id="rId11"/>
     <p:sldId id="1087" r:id="rId12"/>
-    <p:sldId id="1086" r:id="rId13"/>
-    <p:sldId id="1079" r:id="rId14"/>
+    <p:sldId id="1089" r:id="rId13"/>
+    <p:sldId id="1091" r:id="rId14"/>
+    <p:sldId id="1090" r:id="rId15"/>
+    <p:sldId id="1092" r:id="rId16"/>
+    <p:sldId id="1086" r:id="rId17"/>
+    <p:sldId id="1093" r:id="rId18"/>
+    <p:sldId id="1094" r:id="rId19"/>
+    <p:sldId id="1095" r:id="rId20"/>
+    <p:sldId id="1096" r:id="rId21"/>
+    <p:sldId id="1097" r:id="rId22"/>
+    <p:sldId id="1079" r:id="rId23"/>
   </p:sldIdLst>
   <p:sldSz cx="12192000" cy="6858000"/>
   <p:notesSz cx="6858000" cy="9144000"/>
@@ -482,6 +491,90 @@
     </a:lvl9pPr>
   </p:notesStyle>
 </p:notesMaster>
+</file>
+
+<file path=ppt/notesSlides/notesSlide1.xml><?xml version="1.0" encoding="utf-8"?>
+<p:notes xmlns:a="http://schemas.openxmlformats.org/drawingml/2006/main" xmlns:r="http://schemas.openxmlformats.org/officeDocument/2006/relationships" xmlns:p="http://schemas.openxmlformats.org/presentationml/2006/main">
+  <p:cSld>
+    <p:spTree>
+      <p:nvGrpSpPr>
+        <p:cNvPr id="1" name=""/>
+        <p:cNvGrpSpPr/>
+        <p:nvPr/>
+      </p:nvGrpSpPr>
+      <p:grpSpPr>
+        <a:xfrm>
+          <a:off x="0" y="0"/>
+          <a:ext cx="0" cy="0"/>
+          <a:chOff x="0" y="0"/>
+          <a:chExt cx="0" cy="0"/>
+        </a:xfrm>
+      </p:grpSpPr>
+      <p:sp>
+        <p:nvSpPr>
+          <p:cNvPr id="2" name="Slide Image Placeholder 1"/>
+          <p:cNvSpPr>
+            <a:spLocks noGrp="1" noRot="1" noChangeAspect="1"/>
+          </p:cNvSpPr>
+          <p:nvPr>
+            <p:ph type="sldImg"/>
+          </p:nvPr>
+        </p:nvSpPr>
+        <p:spPr/>
+      </p:sp>
+      <p:sp>
+        <p:nvSpPr>
+          <p:cNvPr id="3" name="Notes Placeholder 2"/>
+          <p:cNvSpPr>
+            <a:spLocks noGrp="1"/>
+          </p:cNvSpPr>
+          <p:nvPr>
+            <p:ph type="body" idx="1"/>
+          </p:nvPr>
+        </p:nvSpPr>
+        <p:spPr/>
+        <p:txBody>
+          <a:bodyPr/>
+          <a:lstStyle/>
+          <a:p>
+            <a:endParaRPr lang="en-US" dirty="0"/>
+          </a:p>
+        </p:txBody>
+      </p:sp>
+      <p:sp>
+        <p:nvSpPr>
+          <p:cNvPr id="4" name="Slide Number Placeholder 3"/>
+          <p:cNvSpPr>
+            <a:spLocks noGrp="1"/>
+          </p:cNvSpPr>
+          <p:nvPr>
+            <p:ph type="sldNum" sz="quarter" idx="5"/>
+          </p:nvPr>
+        </p:nvSpPr>
+        <p:spPr/>
+        <p:txBody>
+          <a:bodyPr/>
+          <a:lstStyle/>
+          <a:p>
+            <a:fld id="{96010A50-4423-6040-9AE0-885D13F9C550}" type="slidenum">
+              <a:rPr lang="en-US" smtClean="0"/>
+              <a:t>12</a:t>
+            </a:fld>
+            <a:endParaRPr lang="en-US"/>
+          </a:p>
+        </p:txBody>
+      </p:sp>
+    </p:spTree>
+    <p:extLst>
+      <p:ext uri="{BB962C8B-B14F-4D97-AF65-F5344CB8AC3E}">
+        <p14:creationId xmlns:p14="http://schemas.microsoft.com/office/powerpoint/2010/main" val="3613222082"/>
+      </p:ext>
+    </p:extLst>
+  </p:cSld>
+  <p:clrMapOvr>
+    <a:masterClrMapping/>
+  </p:clrMapOvr>
+</p:notes>
 </file>
 
 <file path=ppt/slideLayouts/slideLayout1.xml><?xml version="1.0" encoding="utf-8"?>
@@ -3769,6 +3862,5165 @@
   <p:cSld>
     <p:spTree>
       <p:nvGrpSpPr>
+        <p:cNvPr id="1" name="">
+          <a:extLst>
+            <a:ext uri="{FF2B5EF4-FFF2-40B4-BE49-F238E27FC236}">
+              <a16:creationId xmlns:a16="http://schemas.microsoft.com/office/drawing/2014/main" id="{5648A318-6BFA-E012-4DBE-971D1DA663FD}"/>
+            </a:ext>
+          </a:extLst>
+        </p:cNvPr>
+        <p:cNvGrpSpPr/>
+        <p:nvPr/>
+      </p:nvGrpSpPr>
+      <p:grpSpPr>
+        <a:xfrm>
+          <a:off x="0" y="0"/>
+          <a:ext cx="0" cy="0"/>
+          <a:chOff x="0" y="0"/>
+          <a:chExt cx="0" cy="0"/>
+        </a:xfrm>
+      </p:grpSpPr>
+      <mc:AlternateContent xmlns:mc="http://schemas.openxmlformats.org/markup-compatibility/2006">
+        <mc:Choice xmlns:a14="http://schemas.microsoft.com/office/drawing/2010/main" Requires="a14">
+          <p:sp>
+            <p:nvSpPr>
+              <p:cNvPr id="2" name="Title 1">
+                <a:extLst>
+                  <a:ext uri="{FF2B5EF4-FFF2-40B4-BE49-F238E27FC236}">
+                    <a16:creationId xmlns:a16="http://schemas.microsoft.com/office/drawing/2014/main" id="{2D66B5D0-2A7D-0A3B-06A0-77183D7607E2}"/>
+                  </a:ext>
+                </a:extLst>
+              </p:cNvPr>
+              <p:cNvSpPr>
+                <a:spLocks noGrp="1"/>
+              </p:cNvSpPr>
+              <p:nvPr>
+                <p:ph type="title"/>
+              </p:nvPr>
+            </p:nvSpPr>
+            <p:spPr/>
+            <p:txBody>
+              <a:bodyPr/>
+              <a:lstStyle/>
+              <a:p>
+                <a:r>
+                  <a:rPr lang="en-US" dirty="0"/>
+                  <a:t>NHPPP, where you know </a:t>
+                </a:r>
+                <a14:m>
+                  <m:oMath xmlns:m="http://schemas.openxmlformats.org/officeDocument/2006/math">
+                    <m:r>
+                      <a:rPr lang="en-US" b="0" i="1" smtClean="0">
+                        <a:latin typeface="Cambria Math" panose="02040503050406030204" pitchFamily="18" charset="0"/>
+                      </a:rPr>
+                      <m:t>𝜆</m:t>
+                    </m:r>
+                    <m:d>
+                      <m:dPr>
+                        <m:ctrlPr>
+                          <a:rPr lang="en-US" b="0" i="1" smtClean="0">
+                            <a:latin typeface="Cambria Math" panose="02040503050406030204" pitchFamily="18" charset="0"/>
+                          </a:rPr>
+                        </m:ctrlPr>
+                      </m:dPr>
+                      <m:e>
+                        <m:r>
+                          <a:rPr lang="en-US" b="0" i="1" smtClean="0">
+                            <a:latin typeface="Cambria Math" panose="02040503050406030204" pitchFamily="18" charset="0"/>
+                          </a:rPr>
+                          <m:t>𝑡</m:t>
+                        </m:r>
+                      </m:e>
+                    </m:d>
+                  </m:oMath>
+                </a14:m>
+                <a:r>
+                  <a:rPr lang="en-US" dirty="0"/>
+                  <a:t> : Thinning</a:t>
+                </a:r>
+              </a:p>
+            </p:txBody>
+          </p:sp>
+        </mc:Choice>
+        <mc:Fallback>
+          <p:sp>
+            <p:nvSpPr>
+              <p:cNvPr id="2" name="Title 1">
+                <a:extLst>
+                  <a:ext uri="{FF2B5EF4-FFF2-40B4-BE49-F238E27FC236}">
+                    <a16:creationId xmlns:a16="http://schemas.microsoft.com/office/drawing/2014/main" id="{2D66B5D0-2A7D-0A3B-06A0-77183D7607E2}"/>
+                  </a:ext>
+                </a:extLst>
+              </p:cNvPr>
+              <p:cNvSpPr>
+                <a:spLocks noGrp="1" noRot="1" noChangeAspect="1" noMove="1" noResize="1" noEditPoints="1" noAdjustHandles="1" noChangeArrowheads="1" noChangeShapeType="1" noTextEdit="1"/>
+              </p:cNvSpPr>
+              <p:nvPr>
+                <p:ph type="title"/>
+              </p:nvPr>
+            </p:nvSpPr>
+            <p:spPr>
+              <a:blipFill>
+                <a:blip r:embed="rId2"/>
+                <a:stretch>
+                  <a:fillRect l="-2413"/>
+                </a:stretch>
+              </a:blipFill>
+            </p:spPr>
+            <p:txBody>
+              <a:bodyPr/>
+              <a:lstStyle/>
+              <a:p>
+                <a:r>
+                  <a:rPr lang="en-US">
+                    <a:noFill/>
+                  </a:rPr>
+                  <a:t> </a:t>
+                </a:r>
+              </a:p>
+            </p:txBody>
+          </p:sp>
+        </mc:Fallback>
+      </mc:AlternateContent>
+      <mc:AlternateContent xmlns:mc="http://schemas.openxmlformats.org/markup-compatibility/2006">
+        <mc:Choice xmlns:a14="http://schemas.microsoft.com/office/drawing/2010/main" Requires="a14">
+          <p:sp>
+            <p:nvSpPr>
+              <p:cNvPr id="3" name="Content Placeholder 2">
+                <a:extLst>
+                  <a:ext uri="{FF2B5EF4-FFF2-40B4-BE49-F238E27FC236}">
+                    <a16:creationId xmlns:a16="http://schemas.microsoft.com/office/drawing/2014/main" id="{B8BC5BB9-0DAE-8F8F-5E30-830CF90C0E0D}"/>
+                  </a:ext>
+                </a:extLst>
+              </p:cNvPr>
+              <p:cNvSpPr>
+                <a:spLocks noGrp="1"/>
+              </p:cNvSpPr>
+              <p:nvPr>
+                <p:ph sz="half" idx="1"/>
+              </p:nvPr>
+            </p:nvSpPr>
+            <p:spPr/>
+            <p:txBody>
+              <a:bodyPr>
+                <a:normAutofit/>
+              </a:bodyPr>
+              <a:lstStyle/>
+              <a:p>
+                <a:r>
+                  <a:rPr lang="en-US" dirty="0">
+                    <a:solidFill>
+                      <a:srgbClr val="FF0000"/>
+                    </a:solidFill>
+                  </a:rPr>
+                  <a:t>Find a majorizer function </a:t>
+                </a:r>
+                <a14:m>
+                  <m:oMath xmlns:m="http://schemas.openxmlformats.org/officeDocument/2006/math">
+                    <m:sSub>
+                      <m:sSubPr>
+                        <m:ctrlPr>
+                          <a:rPr lang="en-US" b="0" i="1" smtClean="0">
+                            <a:solidFill>
+                              <a:srgbClr val="FF0000"/>
+                            </a:solidFill>
+                            <a:latin typeface="Cambria Math" panose="02040503050406030204" pitchFamily="18" charset="0"/>
+                          </a:rPr>
+                        </m:ctrlPr>
+                      </m:sSubPr>
+                      <m:e>
+                        <m:r>
+                          <a:rPr lang="en-US" b="0" i="1" smtClean="0">
+                            <a:solidFill>
+                              <a:srgbClr val="FF0000"/>
+                            </a:solidFill>
+                            <a:latin typeface="Cambria Math" panose="02040503050406030204" pitchFamily="18" charset="0"/>
+                          </a:rPr>
+                          <m:t>𝜆</m:t>
+                        </m:r>
+                      </m:e>
+                      <m:sub>
+                        <m:r>
+                          <a:rPr lang="en-US" b="0" i="1" smtClean="0">
+                            <a:solidFill>
+                              <a:srgbClr val="FF0000"/>
+                            </a:solidFill>
+                            <a:latin typeface="Cambria Math" panose="02040503050406030204" pitchFamily="18" charset="0"/>
+                          </a:rPr>
+                          <m:t>∗</m:t>
+                        </m:r>
+                      </m:sub>
+                    </m:sSub>
+                  </m:oMath>
+                </a14:m>
+                <a:r>
+                  <a:rPr lang="en-US" dirty="0">
+                    <a:solidFill>
+                      <a:srgbClr val="FF0000"/>
+                    </a:solidFill>
+                  </a:rPr>
+                  <a:t> that’s easy to sample</a:t>
+                </a:r>
+              </a:p>
+              <a:p>
+                <a:endParaRPr lang="en-US" dirty="0">
+                  <a:solidFill>
+                    <a:srgbClr val="FF0000"/>
+                  </a:solidFill>
+                </a:endParaRPr>
+              </a:p>
+              <a:p>
+                <a:pPr marL="0" indent="0">
+                  <a:buNone/>
+                </a:pPr>
+                <a14:m>
+                  <m:oMathPara xmlns:m="http://schemas.openxmlformats.org/officeDocument/2006/math">
+                    <m:oMathParaPr>
+                      <m:jc m:val="centerGroup"/>
+                    </m:oMathParaPr>
+                    <m:oMath xmlns:m="http://schemas.openxmlformats.org/officeDocument/2006/math">
+                      <m:sSub>
+                        <m:sSubPr>
+                          <m:ctrlPr>
+                            <a:rPr lang="en-US" b="0" i="1" smtClean="0">
+                              <a:solidFill>
+                                <a:schemeClr val="tx1"/>
+                              </a:solidFill>
+                              <a:latin typeface="Cambria Math" panose="02040503050406030204" pitchFamily="18" charset="0"/>
+                            </a:rPr>
+                          </m:ctrlPr>
+                        </m:sSubPr>
+                        <m:e>
+                          <m:r>
+                            <a:rPr lang="en-US" b="0" i="1" smtClean="0">
+                              <a:solidFill>
+                                <a:schemeClr val="tx1"/>
+                              </a:solidFill>
+                              <a:latin typeface="Cambria Math" panose="02040503050406030204" pitchFamily="18" charset="0"/>
+                            </a:rPr>
+                            <m:t>𝜆</m:t>
+                          </m:r>
+                        </m:e>
+                        <m:sub>
+                          <m:r>
+                            <a:rPr lang="en-US" b="0" i="1" smtClean="0">
+                              <a:solidFill>
+                                <a:schemeClr val="tx1"/>
+                              </a:solidFill>
+                              <a:latin typeface="Cambria Math" panose="02040503050406030204" pitchFamily="18" charset="0"/>
+                            </a:rPr>
+                            <m:t>∗</m:t>
+                          </m:r>
+                        </m:sub>
+                      </m:sSub>
+                      <m:d>
+                        <m:dPr>
+                          <m:ctrlPr>
+                            <a:rPr lang="en-US" b="0" i="1" smtClean="0">
+                              <a:solidFill>
+                                <a:schemeClr val="tx1"/>
+                              </a:solidFill>
+                              <a:latin typeface="Cambria Math" panose="02040503050406030204" pitchFamily="18" charset="0"/>
+                            </a:rPr>
+                          </m:ctrlPr>
+                        </m:dPr>
+                        <m:e>
+                          <m:r>
+                            <a:rPr lang="en-US" b="0" i="1" smtClean="0">
+                              <a:solidFill>
+                                <a:schemeClr val="tx1"/>
+                              </a:solidFill>
+                              <a:latin typeface="Cambria Math" panose="02040503050406030204" pitchFamily="18" charset="0"/>
+                            </a:rPr>
+                            <m:t>𝑡</m:t>
+                          </m:r>
+                        </m:e>
+                      </m:d>
+                      <m:r>
+                        <a:rPr lang="en-US" b="0" i="1" smtClean="0">
+                          <a:latin typeface="Cambria Math" panose="02040503050406030204" pitchFamily="18" charset="0"/>
+                        </a:rPr>
+                        <m:t>=</m:t>
+                      </m:r>
+                      <m:r>
+                        <a:rPr lang="en-US" b="0" i="1" smtClean="0">
+                          <a:latin typeface="Cambria Math" panose="02040503050406030204" pitchFamily="18" charset="0"/>
+                        </a:rPr>
+                        <m:t>𝜆</m:t>
+                      </m:r>
+                      <m:d>
+                        <m:dPr>
+                          <m:ctrlPr>
+                            <a:rPr lang="en-US" b="0" i="1" smtClean="0">
+                              <a:latin typeface="Cambria Math" panose="02040503050406030204" pitchFamily="18" charset="0"/>
+                            </a:rPr>
+                          </m:ctrlPr>
+                        </m:dPr>
+                        <m:e>
+                          <m:r>
+                            <a:rPr lang="en-US" b="0" i="1" smtClean="0">
+                              <a:latin typeface="Cambria Math" panose="02040503050406030204" pitchFamily="18" charset="0"/>
+                            </a:rPr>
+                            <m:t>𝑡</m:t>
+                          </m:r>
+                        </m:e>
+                      </m:d>
+                      <m:r>
+                        <a:rPr lang="en-US" b="0" i="1" smtClean="0">
+                          <a:latin typeface="Cambria Math" panose="02040503050406030204" pitchFamily="18" charset="0"/>
+                        </a:rPr>
+                        <m:t>+ </m:t>
+                      </m:r>
+                      <m:d>
+                        <m:dPr>
+                          <m:begChr m:val="["/>
+                          <m:endChr m:val="]"/>
+                          <m:ctrlPr>
+                            <a:rPr lang="en-US" b="0" i="1" smtClean="0">
+                              <a:latin typeface="Cambria Math" panose="02040503050406030204" pitchFamily="18" charset="0"/>
+                            </a:rPr>
+                          </m:ctrlPr>
+                        </m:dPr>
+                        <m:e>
+                          <m:sSub>
+                            <m:sSubPr>
+                              <m:ctrlPr>
+                                <a:rPr lang="en-US" b="0" i="1" smtClean="0">
+                                  <a:latin typeface="Cambria Math" panose="02040503050406030204" pitchFamily="18" charset="0"/>
+                                </a:rPr>
+                              </m:ctrlPr>
+                            </m:sSubPr>
+                            <m:e>
+                              <m:r>
+                                <a:rPr lang="en-US" b="0" i="1" smtClean="0">
+                                  <a:latin typeface="Cambria Math" panose="02040503050406030204" pitchFamily="18" charset="0"/>
+                                </a:rPr>
+                                <m:t>𝜆</m:t>
+                              </m:r>
+                            </m:e>
+                            <m:sub>
+                              <m:r>
+                                <a:rPr lang="en-US" b="0" i="1" smtClean="0">
+                                  <a:latin typeface="Cambria Math" panose="02040503050406030204" pitchFamily="18" charset="0"/>
+                                </a:rPr>
+                                <m:t>∗</m:t>
+                              </m:r>
+                            </m:sub>
+                          </m:sSub>
+                          <m:d>
+                            <m:dPr>
+                              <m:ctrlPr>
+                                <a:rPr lang="en-US" b="0" i="1" smtClean="0">
+                                  <a:latin typeface="Cambria Math" panose="02040503050406030204" pitchFamily="18" charset="0"/>
+                                </a:rPr>
+                              </m:ctrlPr>
+                            </m:dPr>
+                            <m:e>
+                              <m:r>
+                                <a:rPr lang="en-US" b="0" i="1" smtClean="0">
+                                  <a:latin typeface="Cambria Math" panose="02040503050406030204" pitchFamily="18" charset="0"/>
+                                </a:rPr>
+                                <m:t>𝑡</m:t>
+                              </m:r>
+                            </m:e>
+                          </m:d>
+                          <m:r>
+                            <a:rPr lang="en-US" b="0" i="1" smtClean="0">
+                              <a:latin typeface="Cambria Math" panose="02040503050406030204" pitchFamily="18" charset="0"/>
+                            </a:rPr>
+                            <m:t>−</m:t>
+                          </m:r>
+                          <m:r>
+                            <a:rPr lang="en-US" b="0" i="1" smtClean="0">
+                              <a:latin typeface="Cambria Math" panose="02040503050406030204" pitchFamily="18" charset="0"/>
+                            </a:rPr>
+                            <m:t>𝜆</m:t>
+                          </m:r>
+                          <m:r>
+                            <a:rPr lang="en-US" b="0" i="1" smtClean="0">
+                              <a:latin typeface="Cambria Math" panose="02040503050406030204" pitchFamily="18" charset="0"/>
+                            </a:rPr>
+                            <m:t>(</m:t>
+                          </m:r>
+                          <m:r>
+                            <a:rPr lang="en-US" b="0" i="1" smtClean="0">
+                              <a:latin typeface="Cambria Math" panose="02040503050406030204" pitchFamily="18" charset="0"/>
+                            </a:rPr>
+                            <m:t>𝑡</m:t>
+                          </m:r>
+                          <m:r>
+                            <a:rPr lang="en-US" b="0" i="1" smtClean="0">
+                              <a:latin typeface="Cambria Math" panose="02040503050406030204" pitchFamily="18" charset="0"/>
+                            </a:rPr>
+                            <m:t>)</m:t>
+                          </m:r>
+                        </m:e>
+                      </m:d>
+                    </m:oMath>
+                  </m:oMathPara>
+                </a14:m>
+                <a:endParaRPr lang="en-US" dirty="0"/>
+              </a:p>
+            </p:txBody>
+          </p:sp>
+        </mc:Choice>
+        <mc:Fallback>
+          <p:sp>
+            <p:nvSpPr>
+              <p:cNvPr id="3" name="Content Placeholder 2">
+                <a:extLst>
+                  <a:ext uri="{FF2B5EF4-FFF2-40B4-BE49-F238E27FC236}">
+                    <a16:creationId xmlns:a16="http://schemas.microsoft.com/office/drawing/2014/main" id="{B8BC5BB9-0DAE-8F8F-5E30-830CF90C0E0D}"/>
+                  </a:ext>
+                </a:extLst>
+              </p:cNvPr>
+              <p:cNvSpPr>
+                <a:spLocks noGrp="1" noRot="1" noChangeAspect="1" noMove="1" noResize="1" noEditPoints="1" noAdjustHandles="1" noChangeArrowheads="1" noChangeShapeType="1" noTextEdit="1"/>
+              </p:cNvSpPr>
+              <p:nvPr>
+                <p:ph sz="half" idx="1"/>
+              </p:nvPr>
+            </p:nvSpPr>
+            <p:spPr>
+              <a:blipFill>
+                <a:blip r:embed="rId3"/>
+                <a:stretch>
+                  <a:fillRect l="-2200" t="-2326"/>
+                </a:stretch>
+              </a:blipFill>
+            </p:spPr>
+            <p:txBody>
+              <a:bodyPr/>
+              <a:lstStyle/>
+              <a:p>
+                <a:r>
+                  <a:rPr lang="en-US">
+                    <a:noFill/>
+                  </a:rPr>
+                  <a:t> </a:t>
+                </a:r>
+              </a:p>
+            </p:txBody>
+          </p:sp>
+        </mc:Fallback>
+      </mc:AlternateContent>
+      <p:pic>
+        <p:nvPicPr>
+          <p:cNvPr id="7" name="Content Placeholder 6">
+            <a:extLst>
+              <a:ext uri="{FF2B5EF4-FFF2-40B4-BE49-F238E27FC236}">
+                <a16:creationId xmlns:a16="http://schemas.microsoft.com/office/drawing/2014/main" id="{6B2F693D-9869-8A72-47EE-B03E48217AF5}"/>
+              </a:ext>
+            </a:extLst>
+          </p:cNvPr>
+          <p:cNvPicPr>
+            <a:picLocks noGrp="1" noChangeAspect="1"/>
+          </p:cNvPicPr>
+          <p:nvPr>
+            <p:ph sz="half" idx="2"/>
+          </p:nvPr>
+        </p:nvPicPr>
+        <p:blipFill>
+          <a:blip r:embed="rId4"/>
+          <a:stretch>
+            <a:fillRect/>
+          </a:stretch>
+        </p:blipFill>
+        <p:spPr>
+          <a:xfrm>
+            <a:off x="6477000" y="2629694"/>
+            <a:ext cx="4572000" cy="2743200"/>
+          </a:xfrm>
+        </p:spPr>
+      </p:pic>
+      <mc:AlternateContent xmlns:mc="http://schemas.openxmlformats.org/markup-compatibility/2006">
+        <mc:Choice xmlns:a14="http://schemas.microsoft.com/office/drawing/2010/main" Requires="a14">
+          <p:sp>
+            <p:nvSpPr>
+              <p:cNvPr id="8" name="TextBox 7">
+                <a:extLst>
+                  <a:ext uri="{FF2B5EF4-FFF2-40B4-BE49-F238E27FC236}">
+                    <a16:creationId xmlns:a16="http://schemas.microsoft.com/office/drawing/2014/main" id="{8C9E7BFD-2643-F429-1A1D-E88DD2DD9F24}"/>
+                  </a:ext>
+                </a:extLst>
+              </p:cNvPr>
+              <p:cNvSpPr txBox="1"/>
+              <p:nvPr/>
+            </p:nvSpPr>
+            <p:spPr>
+              <a:xfrm>
+                <a:off x="10345305" y="2445028"/>
+                <a:ext cx="1160895" cy="369332"/>
+              </a:xfrm>
+              <a:prstGeom prst="rect">
+                <a:avLst/>
+              </a:prstGeom>
+              <a:noFill/>
+            </p:spPr>
+            <p:txBody>
+              <a:bodyPr wrap="none" rtlCol="0">
+                <a:spAutoFit/>
+              </a:bodyPr>
+              <a:lstStyle/>
+              <a:p>
+                <a14:m>
+                  <m:oMathPara xmlns:m="http://schemas.openxmlformats.org/officeDocument/2006/math">
+                    <m:oMathParaPr>
+                      <m:jc m:val="centerGroup"/>
+                    </m:oMathParaPr>
+                    <m:oMath xmlns:m="http://schemas.openxmlformats.org/officeDocument/2006/math">
+                      <m:sSub>
+                        <m:sSubPr>
+                          <m:ctrlPr>
+                            <a:rPr lang="en-US" b="0" i="1" smtClean="0">
+                              <a:solidFill>
+                                <a:srgbClr val="0432FF"/>
+                              </a:solidFill>
+                              <a:latin typeface="Cambria Math" panose="02040503050406030204" pitchFamily="18" charset="0"/>
+                            </a:rPr>
+                          </m:ctrlPr>
+                        </m:sSubPr>
+                        <m:e>
+                          <m:r>
+                            <a:rPr lang="en-US" b="0" i="1" smtClean="0">
+                              <a:solidFill>
+                                <a:srgbClr val="0432FF"/>
+                              </a:solidFill>
+                              <a:latin typeface="Cambria Math" panose="02040503050406030204" pitchFamily="18" charset="0"/>
+                            </a:rPr>
+                            <m:t>𝜆</m:t>
+                          </m:r>
+                        </m:e>
+                        <m:sub>
+                          <m:r>
+                            <a:rPr lang="en-US" b="0" i="1" smtClean="0">
+                              <a:solidFill>
+                                <a:srgbClr val="0432FF"/>
+                              </a:solidFill>
+                              <a:latin typeface="Cambria Math" panose="02040503050406030204" pitchFamily="18" charset="0"/>
+                            </a:rPr>
+                            <m:t>∗</m:t>
+                          </m:r>
+                        </m:sub>
+                      </m:sSub>
+                      <m:d>
+                        <m:dPr>
+                          <m:ctrlPr>
+                            <a:rPr lang="en-US" b="0" i="1" smtClean="0">
+                              <a:solidFill>
+                                <a:srgbClr val="0432FF"/>
+                              </a:solidFill>
+                              <a:latin typeface="Cambria Math" panose="02040503050406030204" pitchFamily="18" charset="0"/>
+                            </a:rPr>
+                          </m:ctrlPr>
+                        </m:dPr>
+                        <m:e>
+                          <m:r>
+                            <a:rPr lang="en-US" b="0" i="1" smtClean="0">
+                              <a:solidFill>
+                                <a:srgbClr val="0432FF"/>
+                              </a:solidFill>
+                              <a:latin typeface="Cambria Math" panose="02040503050406030204" pitchFamily="18" charset="0"/>
+                            </a:rPr>
+                            <m:t>𝑡</m:t>
+                          </m:r>
+                        </m:e>
+                      </m:d>
+                      <m:r>
+                        <a:rPr lang="en-US" b="0" i="0" smtClean="0">
+                          <a:solidFill>
+                            <a:srgbClr val="0432FF"/>
+                          </a:solidFill>
+                          <a:latin typeface="Cambria Math" panose="02040503050406030204" pitchFamily="18" charset="0"/>
+                        </a:rPr>
+                        <m:t>=5</m:t>
+                      </m:r>
+                    </m:oMath>
+                  </m:oMathPara>
+                </a14:m>
+                <a:endParaRPr lang="en-US" dirty="0">
+                  <a:solidFill>
+                    <a:srgbClr val="0432FF"/>
+                  </a:solidFill>
+                </a:endParaRPr>
+              </a:p>
+            </p:txBody>
+          </p:sp>
+        </mc:Choice>
+        <mc:Fallback>
+          <p:sp>
+            <p:nvSpPr>
+              <p:cNvPr id="8" name="TextBox 7">
+                <a:extLst>
+                  <a:ext uri="{FF2B5EF4-FFF2-40B4-BE49-F238E27FC236}">
+                    <a16:creationId xmlns:a16="http://schemas.microsoft.com/office/drawing/2014/main" id="{8C9E7BFD-2643-F429-1A1D-E88DD2DD9F24}"/>
+                  </a:ext>
+                </a:extLst>
+              </p:cNvPr>
+              <p:cNvSpPr txBox="1">
+                <a:spLocks noRot="1" noChangeAspect="1" noMove="1" noResize="1" noEditPoints="1" noAdjustHandles="1" noChangeArrowheads="1" noChangeShapeType="1" noTextEdit="1"/>
+              </p:cNvSpPr>
+              <p:nvPr/>
+            </p:nvSpPr>
+            <p:spPr>
+              <a:xfrm>
+                <a:off x="10345305" y="2445028"/>
+                <a:ext cx="1160895" cy="369332"/>
+              </a:xfrm>
+              <a:prstGeom prst="rect">
+                <a:avLst/>
+              </a:prstGeom>
+              <a:blipFill>
+                <a:blip r:embed="rId5"/>
+                <a:stretch>
+                  <a:fillRect/>
+                </a:stretch>
+              </a:blipFill>
+            </p:spPr>
+            <p:txBody>
+              <a:bodyPr/>
+              <a:lstStyle/>
+              <a:p>
+                <a:r>
+                  <a:rPr lang="en-US">
+                    <a:noFill/>
+                  </a:rPr>
+                  <a:t> </a:t>
+                </a:r>
+              </a:p>
+            </p:txBody>
+          </p:sp>
+        </mc:Fallback>
+      </mc:AlternateContent>
+      <mc:AlternateContent xmlns:mc="http://schemas.openxmlformats.org/markup-compatibility/2006">
+        <mc:Choice xmlns:a14="http://schemas.microsoft.com/office/drawing/2010/main" Requires="a14">
+          <p:sp>
+            <p:nvSpPr>
+              <p:cNvPr id="9" name="TextBox 8">
+                <a:extLst>
+                  <a:ext uri="{FF2B5EF4-FFF2-40B4-BE49-F238E27FC236}">
+                    <a16:creationId xmlns:a16="http://schemas.microsoft.com/office/drawing/2014/main" id="{0DD4A831-6472-4F3A-9760-507C81097B09}"/>
+                  </a:ext>
+                </a:extLst>
+              </p:cNvPr>
+              <p:cNvSpPr txBox="1"/>
+              <p:nvPr/>
+            </p:nvSpPr>
+            <p:spPr>
+              <a:xfrm>
+                <a:off x="9874295" y="3753366"/>
+                <a:ext cx="1731563" cy="372410"/>
+              </a:xfrm>
+              <a:prstGeom prst="rect">
+                <a:avLst/>
+              </a:prstGeom>
+              <a:noFill/>
+            </p:spPr>
+            <p:txBody>
+              <a:bodyPr wrap="none" rtlCol="0">
+                <a:spAutoFit/>
+              </a:bodyPr>
+              <a:lstStyle/>
+              <a:p>
+                <a14:m>
+                  <m:oMathPara xmlns:m="http://schemas.openxmlformats.org/officeDocument/2006/math">
+                    <m:oMathParaPr>
+                      <m:jc m:val="centerGroup"/>
+                    </m:oMathParaPr>
+                    <m:oMath xmlns:m="http://schemas.openxmlformats.org/officeDocument/2006/math">
+                      <m:r>
+                        <a:rPr lang="en-US" b="0" i="1" smtClean="0">
+                          <a:solidFill>
+                            <a:srgbClr val="FF0000"/>
+                          </a:solidFill>
+                          <a:latin typeface="Cambria Math" panose="02040503050406030204" pitchFamily="18" charset="0"/>
+                        </a:rPr>
+                        <m:t>𝜆</m:t>
+                      </m:r>
+                      <m:d>
+                        <m:dPr>
+                          <m:ctrlPr>
+                            <a:rPr lang="en-US" b="0" i="1" smtClean="0">
+                              <a:solidFill>
+                                <a:srgbClr val="FF0000"/>
+                              </a:solidFill>
+                              <a:latin typeface="Cambria Math" panose="02040503050406030204" pitchFamily="18" charset="0"/>
+                            </a:rPr>
+                          </m:ctrlPr>
+                        </m:dPr>
+                        <m:e>
+                          <m:r>
+                            <a:rPr lang="en-US" b="0" i="1" smtClean="0">
+                              <a:solidFill>
+                                <a:srgbClr val="FF0000"/>
+                              </a:solidFill>
+                              <a:latin typeface="Cambria Math" panose="02040503050406030204" pitchFamily="18" charset="0"/>
+                            </a:rPr>
+                            <m:t>𝑡</m:t>
+                          </m:r>
+                        </m:e>
+                      </m:d>
+                      <m:r>
+                        <a:rPr lang="en-US" b="0" i="1" smtClean="0">
+                          <a:solidFill>
+                            <a:srgbClr val="FF0000"/>
+                          </a:solidFill>
+                          <a:latin typeface="Cambria Math" panose="02040503050406030204" pitchFamily="18" charset="0"/>
+                        </a:rPr>
+                        <m:t>=</m:t>
+                      </m:r>
+                      <m:sSup>
+                        <m:sSupPr>
+                          <m:ctrlPr>
+                            <a:rPr lang="en-US" b="0" i="1" smtClean="0">
+                              <a:solidFill>
+                                <a:srgbClr val="FF0000"/>
+                              </a:solidFill>
+                              <a:latin typeface="Cambria Math" panose="02040503050406030204" pitchFamily="18" charset="0"/>
+                            </a:rPr>
+                          </m:ctrlPr>
+                        </m:sSupPr>
+                        <m:e>
+                          <m:r>
+                            <a:rPr lang="en-US" b="0" i="1" smtClean="0">
+                              <a:solidFill>
+                                <a:srgbClr val="FF0000"/>
+                              </a:solidFill>
+                              <a:latin typeface="Cambria Math" panose="02040503050406030204" pitchFamily="18" charset="0"/>
+                            </a:rPr>
+                            <m:t>𝑒</m:t>
+                          </m:r>
+                        </m:e>
+                        <m:sup>
+                          <m:r>
+                            <a:rPr lang="en-US" b="0" i="1" smtClean="0">
+                              <a:solidFill>
+                                <a:srgbClr val="FF0000"/>
+                              </a:solidFill>
+                              <a:latin typeface="Cambria Math" panose="02040503050406030204" pitchFamily="18" charset="0"/>
+                            </a:rPr>
+                            <m:t>−1+0.5</m:t>
+                          </m:r>
+                          <m:r>
+                            <a:rPr lang="en-US" b="0" i="1" smtClean="0">
+                              <a:solidFill>
+                                <a:srgbClr val="FF0000"/>
+                              </a:solidFill>
+                              <a:latin typeface="Cambria Math" panose="02040503050406030204" pitchFamily="18" charset="0"/>
+                            </a:rPr>
+                            <m:t>𝑡</m:t>
+                          </m:r>
+                        </m:sup>
+                      </m:sSup>
+                    </m:oMath>
+                  </m:oMathPara>
+                </a14:m>
+                <a:endParaRPr lang="en-US" dirty="0">
+                  <a:solidFill>
+                    <a:srgbClr val="FF0000"/>
+                  </a:solidFill>
+                </a:endParaRPr>
+              </a:p>
+            </p:txBody>
+          </p:sp>
+        </mc:Choice>
+        <mc:Fallback>
+          <p:sp>
+            <p:nvSpPr>
+              <p:cNvPr id="9" name="TextBox 8">
+                <a:extLst>
+                  <a:ext uri="{FF2B5EF4-FFF2-40B4-BE49-F238E27FC236}">
+                    <a16:creationId xmlns:a16="http://schemas.microsoft.com/office/drawing/2014/main" id="{0DD4A831-6472-4F3A-9760-507C81097B09}"/>
+                  </a:ext>
+                </a:extLst>
+              </p:cNvPr>
+              <p:cNvSpPr txBox="1">
+                <a:spLocks noRot="1" noChangeAspect="1" noMove="1" noResize="1" noEditPoints="1" noAdjustHandles="1" noChangeArrowheads="1" noChangeShapeType="1" noTextEdit="1"/>
+              </p:cNvSpPr>
+              <p:nvPr/>
+            </p:nvSpPr>
+            <p:spPr>
+              <a:xfrm>
+                <a:off x="9874295" y="3753366"/>
+                <a:ext cx="1731563" cy="372410"/>
+              </a:xfrm>
+              <a:prstGeom prst="rect">
+                <a:avLst/>
+              </a:prstGeom>
+              <a:blipFill>
+                <a:blip r:embed="rId6"/>
+                <a:stretch>
+                  <a:fillRect/>
+                </a:stretch>
+              </a:blipFill>
+            </p:spPr>
+            <p:txBody>
+              <a:bodyPr/>
+              <a:lstStyle/>
+              <a:p>
+                <a:r>
+                  <a:rPr lang="en-US">
+                    <a:noFill/>
+                  </a:rPr>
+                  <a:t> </a:t>
+                </a:r>
+              </a:p>
+            </p:txBody>
+          </p:sp>
+        </mc:Fallback>
+      </mc:AlternateContent>
+      <p:sp>
+        <p:nvSpPr>
+          <p:cNvPr id="4" name="TextBox 3">
+            <a:extLst>
+              <a:ext uri="{FF2B5EF4-FFF2-40B4-BE49-F238E27FC236}">
+                <a16:creationId xmlns:a16="http://schemas.microsoft.com/office/drawing/2014/main" id="{EA00EEF2-3DDE-5182-58C5-CA41DC3C8D6F}"/>
+              </a:ext>
+            </a:extLst>
+          </p:cNvPr>
+          <p:cNvSpPr txBox="1"/>
+          <p:nvPr/>
+        </p:nvSpPr>
+        <p:spPr>
+          <a:xfrm>
+            <a:off x="281342" y="4125776"/>
+            <a:ext cx="1482811" cy="923330"/>
+          </a:xfrm>
+          <a:prstGeom prst="rect">
+            <a:avLst/>
+          </a:prstGeom>
+          <a:noFill/>
+        </p:spPr>
+        <p:txBody>
+          <a:bodyPr wrap="square" rtlCol="0">
+            <a:spAutoFit/>
+          </a:bodyPr>
+          <a:lstStyle/>
+          <a:p>
+            <a:r>
+              <a:rPr lang="en-US" dirty="0"/>
+              <a:t>Sample proposals from here </a:t>
+            </a:r>
+          </a:p>
+        </p:txBody>
+      </p:sp>
+      <p:cxnSp>
+        <p:nvCxnSpPr>
+          <p:cNvPr id="6" name="Straight Arrow Connector 5">
+            <a:extLst>
+              <a:ext uri="{FF2B5EF4-FFF2-40B4-BE49-F238E27FC236}">
+                <a16:creationId xmlns:a16="http://schemas.microsoft.com/office/drawing/2014/main" id="{766BAB39-3CCF-F3EF-D277-8212F8A248B5}"/>
+              </a:ext>
+            </a:extLst>
+          </p:cNvPr>
+          <p:cNvCxnSpPr>
+            <a:stCxn id="4" idx="0"/>
+          </p:cNvCxnSpPr>
+          <p:nvPr/>
+        </p:nvCxnSpPr>
+        <p:spPr>
+          <a:xfrm flipV="1">
+            <a:off x="1022748" y="3571103"/>
+            <a:ext cx="507029" cy="554673"/>
+          </a:xfrm>
+          <a:prstGeom prst="straightConnector1">
+            <a:avLst/>
+          </a:prstGeom>
+          <a:ln w="12700">
+            <a:solidFill>
+              <a:schemeClr val="tx1"/>
+            </a:solidFill>
+            <a:tailEnd type="triangle"/>
+          </a:ln>
+        </p:spPr>
+        <p:style>
+          <a:lnRef idx="2">
+            <a:schemeClr val="accent1"/>
+          </a:lnRef>
+          <a:fillRef idx="0">
+            <a:schemeClr val="accent1"/>
+          </a:fillRef>
+          <a:effectRef idx="1">
+            <a:schemeClr val="accent1"/>
+          </a:effectRef>
+          <a:fontRef idx="minor">
+            <a:schemeClr val="tx1"/>
+          </a:fontRef>
+        </p:style>
+      </p:cxnSp>
+      <p:sp>
+        <p:nvSpPr>
+          <p:cNvPr id="10" name="TextBox 9">
+            <a:extLst>
+              <a:ext uri="{FF2B5EF4-FFF2-40B4-BE49-F238E27FC236}">
+                <a16:creationId xmlns:a16="http://schemas.microsoft.com/office/drawing/2014/main" id="{EEBEBDAB-AC09-371A-FC57-970905E55076}"/>
+              </a:ext>
+            </a:extLst>
+          </p:cNvPr>
+          <p:cNvSpPr txBox="1"/>
+          <p:nvPr/>
+        </p:nvSpPr>
+        <p:spPr>
+          <a:xfrm>
+            <a:off x="2086635" y="4125775"/>
+            <a:ext cx="1482811" cy="1200329"/>
+          </a:xfrm>
+          <a:prstGeom prst="rect">
+            <a:avLst/>
+          </a:prstGeom>
+          <a:noFill/>
+        </p:spPr>
+        <p:txBody>
+          <a:bodyPr wrap="square" rtlCol="0">
+            <a:spAutoFit/>
+          </a:bodyPr>
+          <a:lstStyle/>
+          <a:p>
+            <a:r>
+              <a:rPr lang="en-US" dirty="0"/>
+              <a:t>Keep proposals conforming to this part</a:t>
+            </a:r>
+          </a:p>
+        </p:txBody>
+      </p:sp>
+      <p:cxnSp>
+        <p:nvCxnSpPr>
+          <p:cNvPr id="11" name="Straight Arrow Connector 10">
+            <a:extLst>
+              <a:ext uri="{FF2B5EF4-FFF2-40B4-BE49-F238E27FC236}">
+                <a16:creationId xmlns:a16="http://schemas.microsoft.com/office/drawing/2014/main" id="{A9F3A5FC-4505-02D9-B45B-0066CA74AD04}"/>
+              </a:ext>
+            </a:extLst>
+          </p:cNvPr>
+          <p:cNvCxnSpPr>
+            <a:cxnSpLocks/>
+          </p:cNvCxnSpPr>
+          <p:nvPr/>
+        </p:nvCxnSpPr>
+        <p:spPr>
+          <a:xfrm flipV="1">
+            <a:off x="2644346" y="3571103"/>
+            <a:ext cx="0" cy="554672"/>
+          </a:xfrm>
+          <a:prstGeom prst="straightConnector1">
+            <a:avLst/>
+          </a:prstGeom>
+          <a:ln w="12700">
+            <a:solidFill>
+              <a:schemeClr val="tx1"/>
+            </a:solidFill>
+            <a:tailEnd type="triangle"/>
+          </a:ln>
+        </p:spPr>
+        <p:style>
+          <a:lnRef idx="2">
+            <a:schemeClr val="accent1"/>
+          </a:lnRef>
+          <a:fillRef idx="0">
+            <a:schemeClr val="accent1"/>
+          </a:fillRef>
+          <a:effectRef idx="1">
+            <a:schemeClr val="accent1"/>
+          </a:effectRef>
+          <a:fontRef idx="minor">
+            <a:schemeClr val="tx1"/>
+          </a:fontRef>
+        </p:style>
+      </p:cxnSp>
+      <p:sp>
+        <p:nvSpPr>
+          <p:cNvPr id="14" name="TextBox 13">
+            <a:extLst>
+              <a:ext uri="{FF2B5EF4-FFF2-40B4-BE49-F238E27FC236}">
+                <a16:creationId xmlns:a16="http://schemas.microsoft.com/office/drawing/2014/main" id="{EE4125B4-F394-A01A-1562-B850803F18D3}"/>
+              </a:ext>
+            </a:extLst>
+          </p:cNvPr>
+          <p:cNvSpPr txBox="1"/>
+          <p:nvPr/>
+        </p:nvSpPr>
+        <p:spPr>
+          <a:xfrm>
+            <a:off x="4102442" y="4250723"/>
+            <a:ext cx="1309816" cy="646331"/>
+          </a:xfrm>
+          <a:prstGeom prst="rect">
+            <a:avLst/>
+          </a:prstGeom>
+          <a:noFill/>
+        </p:spPr>
+        <p:txBody>
+          <a:bodyPr wrap="square" rtlCol="0">
+            <a:spAutoFit/>
+          </a:bodyPr>
+          <a:lstStyle/>
+          <a:p>
+            <a:r>
+              <a:rPr lang="en-US" dirty="0"/>
+              <a:t>Reject the rest</a:t>
+            </a:r>
+          </a:p>
+        </p:txBody>
+      </p:sp>
+      <p:cxnSp>
+        <p:nvCxnSpPr>
+          <p:cNvPr id="15" name="Straight Arrow Connector 14">
+            <a:extLst>
+              <a:ext uri="{FF2B5EF4-FFF2-40B4-BE49-F238E27FC236}">
+                <a16:creationId xmlns:a16="http://schemas.microsoft.com/office/drawing/2014/main" id="{55E41428-BA3E-BBB1-48B8-EA57A7E5ECE3}"/>
+              </a:ext>
+            </a:extLst>
+          </p:cNvPr>
+          <p:cNvCxnSpPr>
+            <a:cxnSpLocks/>
+          </p:cNvCxnSpPr>
+          <p:nvPr/>
+        </p:nvCxnSpPr>
+        <p:spPr>
+          <a:xfrm flipV="1">
+            <a:off x="4613189" y="3600450"/>
+            <a:ext cx="0" cy="554672"/>
+          </a:xfrm>
+          <a:prstGeom prst="straightConnector1">
+            <a:avLst/>
+          </a:prstGeom>
+          <a:ln w="12700">
+            <a:solidFill>
+              <a:schemeClr val="tx1"/>
+            </a:solidFill>
+            <a:tailEnd type="triangle"/>
+          </a:ln>
+        </p:spPr>
+        <p:style>
+          <a:lnRef idx="2">
+            <a:schemeClr val="accent1"/>
+          </a:lnRef>
+          <a:fillRef idx="0">
+            <a:schemeClr val="accent1"/>
+          </a:fillRef>
+          <a:effectRef idx="1">
+            <a:schemeClr val="accent1"/>
+          </a:effectRef>
+          <a:fontRef idx="minor">
+            <a:schemeClr val="tx1"/>
+          </a:fontRef>
+        </p:style>
+      </p:cxnSp>
+    </p:spTree>
+    <p:extLst>
+      <p:ext uri="{BB962C8B-B14F-4D97-AF65-F5344CB8AC3E}">
+        <p14:creationId xmlns:p14="http://schemas.microsoft.com/office/powerpoint/2010/main" val="1693894339"/>
+      </p:ext>
+    </p:extLst>
+  </p:cSld>
+  <p:clrMapOvr>
+    <a:masterClrMapping/>
+  </p:clrMapOvr>
+</p:sld>
+</file>
+
+<file path=ppt/slides/slide11.xml><?xml version="1.0" encoding="utf-8"?>
+<p:sld xmlns:a="http://schemas.openxmlformats.org/drawingml/2006/main" xmlns:r="http://schemas.openxmlformats.org/officeDocument/2006/relationships" xmlns:p="http://schemas.openxmlformats.org/presentationml/2006/main">
+  <p:cSld>
+    <p:spTree>
+      <p:nvGrpSpPr>
+        <p:cNvPr id="1" name="">
+          <a:extLst>
+            <a:ext uri="{FF2B5EF4-FFF2-40B4-BE49-F238E27FC236}">
+              <a16:creationId xmlns:a16="http://schemas.microsoft.com/office/drawing/2014/main" id="{36035C7E-1011-2574-63C4-7353DF4B1CC7}"/>
+            </a:ext>
+          </a:extLst>
+        </p:cNvPr>
+        <p:cNvGrpSpPr/>
+        <p:nvPr/>
+      </p:nvGrpSpPr>
+      <p:grpSpPr>
+        <a:xfrm>
+          <a:off x="0" y="0"/>
+          <a:ext cx="0" cy="0"/>
+          <a:chOff x="0" y="0"/>
+          <a:chExt cx="0" cy="0"/>
+        </a:xfrm>
+      </p:grpSpPr>
+      <mc:AlternateContent xmlns:mc="http://schemas.openxmlformats.org/markup-compatibility/2006">
+        <mc:Choice xmlns:a14="http://schemas.microsoft.com/office/drawing/2010/main" Requires="a14">
+          <p:sp>
+            <p:nvSpPr>
+              <p:cNvPr id="2" name="Title 1">
+                <a:extLst>
+                  <a:ext uri="{FF2B5EF4-FFF2-40B4-BE49-F238E27FC236}">
+                    <a16:creationId xmlns:a16="http://schemas.microsoft.com/office/drawing/2014/main" id="{5C63BF61-6515-31D8-DA33-852C692B5715}"/>
+                  </a:ext>
+                </a:extLst>
+              </p:cNvPr>
+              <p:cNvSpPr>
+                <a:spLocks noGrp="1"/>
+              </p:cNvSpPr>
+              <p:nvPr>
+                <p:ph type="title"/>
+              </p:nvPr>
+            </p:nvSpPr>
+            <p:spPr/>
+            <p:txBody>
+              <a:bodyPr/>
+              <a:lstStyle/>
+              <a:p>
+                <a:r>
+                  <a:rPr lang="en-US" dirty="0"/>
+                  <a:t>NHPPP, where you know </a:t>
+                </a:r>
+                <a14:m>
+                  <m:oMath xmlns:m="http://schemas.openxmlformats.org/officeDocument/2006/math">
+                    <m:r>
+                      <a:rPr lang="en-US" b="0" i="1" smtClean="0">
+                        <a:latin typeface="Cambria Math" panose="02040503050406030204" pitchFamily="18" charset="0"/>
+                      </a:rPr>
+                      <m:t>𝜆</m:t>
+                    </m:r>
+                    <m:d>
+                      <m:dPr>
+                        <m:ctrlPr>
+                          <a:rPr lang="en-US" b="0" i="1" smtClean="0">
+                            <a:latin typeface="Cambria Math" panose="02040503050406030204" pitchFamily="18" charset="0"/>
+                          </a:rPr>
+                        </m:ctrlPr>
+                      </m:dPr>
+                      <m:e>
+                        <m:r>
+                          <a:rPr lang="en-US" b="0" i="1" smtClean="0">
+                            <a:latin typeface="Cambria Math" panose="02040503050406030204" pitchFamily="18" charset="0"/>
+                          </a:rPr>
+                          <m:t>𝑡</m:t>
+                        </m:r>
+                      </m:e>
+                    </m:d>
+                  </m:oMath>
+                </a14:m>
+                <a:r>
+                  <a:rPr lang="en-US" dirty="0"/>
+                  <a:t> : Thinning</a:t>
+                </a:r>
+              </a:p>
+            </p:txBody>
+          </p:sp>
+        </mc:Choice>
+        <mc:Fallback>
+          <p:sp>
+            <p:nvSpPr>
+              <p:cNvPr id="2" name="Title 1">
+                <a:extLst>
+                  <a:ext uri="{FF2B5EF4-FFF2-40B4-BE49-F238E27FC236}">
+                    <a16:creationId xmlns:a16="http://schemas.microsoft.com/office/drawing/2014/main" id="{5C63BF61-6515-31D8-DA33-852C692B5715}"/>
+                  </a:ext>
+                </a:extLst>
+              </p:cNvPr>
+              <p:cNvSpPr>
+                <a:spLocks noGrp="1" noRot="1" noChangeAspect="1" noMove="1" noResize="1" noEditPoints="1" noAdjustHandles="1" noChangeArrowheads="1" noChangeShapeType="1" noTextEdit="1"/>
+              </p:cNvSpPr>
+              <p:nvPr>
+                <p:ph type="title"/>
+              </p:nvPr>
+            </p:nvSpPr>
+            <p:spPr>
+              <a:blipFill>
+                <a:blip r:embed="rId2"/>
+                <a:stretch>
+                  <a:fillRect l="-2413"/>
+                </a:stretch>
+              </a:blipFill>
+            </p:spPr>
+            <p:txBody>
+              <a:bodyPr/>
+              <a:lstStyle/>
+              <a:p>
+                <a:r>
+                  <a:rPr lang="en-US">
+                    <a:noFill/>
+                  </a:rPr>
+                  <a:t> </a:t>
+                </a:r>
+              </a:p>
+            </p:txBody>
+          </p:sp>
+        </mc:Fallback>
+      </mc:AlternateContent>
+      <mc:AlternateContent xmlns:mc="http://schemas.openxmlformats.org/markup-compatibility/2006">
+        <mc:Choice xmlns:a14="http://schemas.microsoft.com/office/drawing/2010/main" Requires="a14">
+          <p:sp>
+            <p:nvSpPr>
+              <p:cNvPr id="3" name="Content Placeholder 2">
+                <a:extLst>
+                  <a:ext uri="{FF2B5EF4-FFF2-40B4-BE49-F238E27FC236}">
+                    <a16:creationId xmlns:a16="http://schemas.microsoft.com/office/drawing/2014/main" id="{64D4DE63-B415-F2D7-47AE-7FB84F1039EB}"/>
+                  </a:ext>
+                </a:extLst>
+              </p:cNvPr>
+              <p:cNvSpPr>
+                <a:spLocks noGrp="1"/>
+              </p:cNvSpPr>
+              <p:nvPr>
+                <p:ph sz="half" idx="1"/>
+              </p:nvPr>
+            </p:nvSpPr>
+            <p:spPr/>
+            <p:txBody>
+              <a:bodyPr>
+                <a:normAutofit/>
+              </a:bodyPr>
+              <a:lstStyle/>
+              <a:p>
+                <a:r>
+                  <a:rPr lang="en-US" dirty="0"/>
+                  <a:t>Find a majorizer function </a:t>
+                </a:r>
+                <a14:m>
+                  <m:oMath xmlns:m="http://schemas.openxmlformats.org/officeDocument/2006/math">
+                    <m:sSub>
+                      <m:sSubPr>
+                        <m:ctrlPr>
+                          <a:rPr lang="en-US" b="0" i="1" smtClean="0">
+                            <a:latin typeface="Cambria Math" panose="02040503050406030204" pitchFamily="18" charset="0"/>
+                          </a:rPr>
+                        </m:ctrlPr>
+                      </m:sSubPr>
+                      <m:e>
+                        <m:r>
+                          <a:rPr lang="en-US" b="0" i="1" smtClean="0">
+                            <a:latin typeface="Cambria Math" panose="02040503050406030204" pitchFamily="18" charset="0"/>
+                          </a:rPr>
+                          <m:t>𝜆</m:t>
+                        </m:r>
+                      </m:e>
+                      <m:sub>
+                        <m:r>
+                          <a:rPr lang="en-US" b="0" i="1" smtClean="0">
+                            <a:latin typeface="Cambria Math" panose="02040503050406030204" pitchFamily="18" charset="0"/>
+                          </a:rPr>
+                          <m:t>∗</m:t>
+                        </m:r>
+                      </m:sub>
+                    </m:sSub>
+                  </m:oMath>
+                </a14:m>
+                <a:r>
+                  <a:rPr lang="en-US" dirty="0"/>
+                  <a:t> that’s easy to sample</a:t>
+                </a:r>
+              </a:p>
+              <a:p>
+                <a:r>
+                  <a:rPr lang="en-US" dirty="0">
+                    <a:solidFill>
+                      <a:srgbClr val="FF0000"/>
+                    </a:solidFill>
+                  </a:rPr>
+                  <a:t>Draw events </a:t>
+                </a:r>
+                <a14:m>
+                  <m:oMath xmlns:m="http://schemas.openxmlformats.org/officeDocument/2006/math">
+                    <m:d>
+                      <m:dPr>
+                        <m:begChr m:val="{"/>
+                        <m:endChr m:val="}"/>
+                        <m:ctrlPr>
+                          <a:rPr lang="en-US" b="0" i="1" smtClean="0">
+                            <a:solidFill>
+                              <a:srgbClr val="FF0000"/>
+                            </a:solidFill>
+                            <a:latin typeface="Cambria Math" panose="02040503050406030204" pitchFamily="18" charset="0"/>
+                          </a:rPr>
+                        </m:ctrlPr>
+                      </m:dPr>
+                      <m:e>
+                        <m:sSub>
+                          <m:sSubPr>
+                            <m:ctrlPr>
+                              <a:rPr lang="en-US" b="0" i="1" smtClean="0">
+                                <a:solidFill>
+                                  <a:srgbClr val="FF0000"/>
+                                </a:solidFill>
+                                <a:latin typeface="Cambria Math" panose="02040503050406030204" pitchFamily="18" charset="0"/>
+                              </a:rPr>
+                            </m:ctrlPr>
+                          </m:sSubPr>
+                          <m:e>
+                            <m:r>
+                              <a:rPr lang="en-US" b="0" i="1" smtClean="0">
+                                <a:solidFill>
+                                  <a:srgbClr val="FF0000"/>
+                                </a:solidFill>
+                                <a:latin typeface="Cambria Math" panose="02040503050406030204" pitchFamily="18" charset="0"/>
+                              </a:rPr>
+                              <m:t>𝑍</m:t>
+                            </m:r>
+                          </m:e>
+                          <m:sub>
+                            <m:r>
+                              <a:rPr lang="en-US" b="0" i="1" smtClean="0">
+                                <a:solidFill>
+                                  <a:srgbClr val="FF0000"/>
+                                </a:solidFill>
+                                <a:latin typeface="Cambria Math" panose="02040503050406030204" pitchFamily="18" charset="0"/>
+                              </a:rPr>
+                              <m:t>∗1</m:t>
+                            </m:r>
+                          </m:sub>
+                        </m:sSub>
+                        <m:r>
+                          <a:rPr lang="en-US" b="0" i="1" smtClean="0">
+                            <a:solidFill>
+                              <a:srgbClr val="FF0000"/>
+                            </a:solidFill>
+                            <a:latin typeface="Cambria Math" panose="02040503050406030204" pitchFamily="18" charset="0"/>
+                          </a:rPr>
+                          <m:t>,</m:t>
+                        </m:r>
+                        <m:r>
+                          <m:rPr>
+                            <m:lit/>
+                          </m:rPr>
+                          <a:rPr lang="en-US" b="0" i="1" smtClean="0">
+                            <a:solidFill>
+                              <a:srgbClr val="FF0000"/>
+                            </a:solidFill>
+                            <a:latin typeface="Cambria Math" panose="02040503050406030204" pitchFamily="18" charset="0"/>
+                          </a:rPr>
+                          <m:t>…</m:t>
+                        </m:r>
+                      </m:e>
+                    </m:d>
+                  </m:oMath>
+                </a14:m>
+                <a:r>
+                  <a:rPr lang="en-US" dirty="0">
+                    <a:solidFill>
+                      <a:srgbClr val="FF0000"/>
+                    </a:solidFill>
+                  </a:rPr>
+                  <a:t> from </a:t>
+                </a:r>
+                <a14:m>
+                  <m:oMath xmlns:m="http://schemas.openxmlformats.org/officeDocument/2006/math">
+                    <m:sSub>
+                      <m:sSubPr>
+                        <m:ctrlPr>
+                          <a:rPr lang="en-US" i="1">
+                            <a:solidFill>
+                              <a:srgbClr val="FF0000"/>
+                            </a:solidFill>
+                            <a:latin typeface="Cambria Math" panose="02040503050406030204" pitchFamily="18" charset="0"/>
+                          </a:rPr>
+                        </m:ctrlPr>
+                      </m:sSubPr>
+                      <m:e>
+                        <m:r>
+                          <a:rPr lang="en-US" i="1">
+                            <a:solidFill>
+                              <a:srgbClr val="FF0000"/>
+                            </a:solidFill>
+                            <a:latin typeface="Cambria Math" panose="02040503050406030204" pitchFamily="18" charset="0"/>
+                          </a:rPr>
+                          <m:t>𝜆</m:t>
+                        </m:r>
+                      </m:e>
+                      <m:sub>
+                        <m:r>
+                          <a:rPr lang="en-US" i="1">
+                            <a:solidFill>
+                              <a:srgbClr val="FF0000"/>
+                            </a:solidFill>
+                            <a:latin typeface="Cambria Math" panose="02040503050406030204" pitchFamily="18" charset="0"/>
+                          </a:rPr>
+                          <m:t>∗</m:t>
+                        </m:r>
+                      </m:sub>
+                    </m:sSub>
+                  </m:oMath>
+                </a14:m>
+                <a:endParaRPr lang="en-US" dirty="0">
+                  <a:solidFill>
+                    <a:srgbClr val="FF0000"/>
+                  </a:solidFill>
+                </a:endParaRPr>
+              </a:p>
+            </p:txBody>
+          </p:sp>
+        </mc:Choice>
+        <mc:Fallback>
+          <p:sp>
+            <p:nvSpPr>
+              <p:cNvPr id="3" name="Content Placeholder 2">
+                <a:extLst>
+                  <a:ext uri="{FF2B5EF4-FFF2-40B4-BE49-F238E27FC236}">
+                    <a16:creationId xmlns:a16="http://schemas.microsoft.com/office/drawing/2014/main" id="{64D4DE63-B415-F2D7-47AE-7FB84F1039EB}"/>
+                  </a:ext>
+                </a:extLst>
+              </p:cNvPr>
+              <p:cNvSpPr>
+                <a:spLocks noGrp="1" noRot="1" noChangeAspect="1" noMove="1" noResize="1" noEditPoints="1" noAdjustHandles="1" noChangeArrowheads="1" noChangeShapeType="1" noTextEdit="1"/>
+              </p:cNvSpPr>
+              <p:nvPr>
+                <p:ph sz="half" idx="1"/>
+              </p:nvPr>
+            </p:nvSpPr>
+            <p:spPr>
+              <a:blipFill>
+                <a:blip r:embed="rId3"/>
+                <a:stretch>
+                  <a:fillRect l="-2200" t="-2326"/>
+                </a:stretch>
+              </a:blipFill>
+            </p:spPr>
+            <p:txBody>
+              <a:bodyPr/>
+              <a:lstStyle/>
+              <a:p>
+                <a:r>
+                  <a:rPr lang="en-US">
+                    <a:noFill/>
+                  </a:rPr>
+                  <a:t> </a:t>
+                </a:r>
+              </a:p>
+            </p:txBody>
+          </p:sp>
+        </mc:Fallback>
+      </mc:AlternateContent>
+      <p:pic>
+        <p:nvPicPr>
+          <p:cNvPr id="10" name="Content Placeholder 9">
+            <a:extLst>
+              <a:ext uri="{FF2B5EF4-FFF2-40B4-BE49-F238E27FC236}">
+                <a16:creationId xmlns:a16="http://schemas.microsoft.com/office/drawing/2014/main" id="{FE3B34EA-7350-32E6-36A3-6A70CAB2AED9}"/>
+              </a:ext>
+            </a:extLst>
+          </p:cNvPr>
+          <p:cNvPicPr>
+            <a:picLocks noGrp="1" noChangeAspect="1"/>
+          </p:cNvPicPr>
+          <p:nvPr>
+            <p:ph sz="half" idx="2"/>
+          </p:nvPr>
+        </p:nvPicPr>
+        <p:blipFill>
+          <a:blip r:embed="rId4"/>
+          <a:stretch>
+            <a:fillRect/>
+          </a:stretch>
+        </p:blipFill>
+        <p:spPr>
+          <a:xfrm>
+            <a:off x="6477000" y="2629694"/>
+            <a:ext cx="4572000" cy="2743200"/>
+          </a:xfrm>
+        </p:spPr>
+      </p:pic>
+    </p:spTree>
+    <p:extLst>
+      <p:ext uri="{BB962C8B-B14F-4D97-AF65-F5344CB8AC3E}">
+        <p14:creationId xmlns:p14="http://schemas.microsoft.com/office/powerpoint/2010/main" val="3959714698"/>
+      </p:ext>
+    </p:extLst>
+  </p:cSld>
+  <p:clrMapOvr>
+    <a:masterClrMapping/>
+  </p:clrMapOvr>
+</p:sld>
+</file>
+
+<file path=ppt/slides/slide12.xml><?xml version="1.0" encoding="utf-8"?>
+<p:sld xmlns:a="http://schemas.openxmlformats.org/drawingml/2006/main" xmlns:r="http://schemas.openxmlformats.org/officeDocument/2006/relationships" xmlns:p="http://schemas.openxmlformats.org/presentationml/2006/main">
+  <p:cSld>
+    <p:spTree>
+      <p:nvGrpSpPr>
+        <p:cNvPr id="1" name="">
+          <a:extLst>
+            <a:ext uri="{FF2B5EF4-FFF2-40B4-BE49-F238E27FC236}">
+              <a16:creationId xmlns:a16="http://schemas.microsoft.com/office/drawing/2014/main" id="{6767254D-BC63-2803-427A-91037C7EBE63}"/>
+            </a:ext>
+          </a:extLst>
+        </p:cNvPr>
+        <p:cNvGrpSpPr/>
+        <p:nvPr/>
+      </p:nvGrpSpPr>
+      <p:grpSpPr>
+        <a:xfrm>
+          <a:off x="0" y="0"/>
+          <a:ext cx="0" cy="0"/>
+          <a:chOff x="0" y="0"/>
+          <a:chExt cx="0" cy="0"/>
+        </a:xfrm>
+      </p:grpSpPr>
+      <p:pic>
+        <p:nvPicPr>
+          <p:cNvPr id="33" name="Content Placeholder 32">
+            <a:extLst>
+              <a:ext uri="{FF2B5EF4-FFF2-40B4-BE49-F238E27FC236}">
+                <a16:creationId xmlns:a16="http://schemas.microsoft.com/office/drawing/2014/main" id="{51B6464A-5F61-3E0F-6C09-3C7A7BEC3AB9}"/>
+              </a:ext>
+            </a:extLst>
+          </p:cNvPr>
+          <p:cNvPicPr>
+            <a:picLocks noGrp="1" noChangeAspect="1"/>
+          </p:cNvPicPr>
+          <p:nvPr>
+            <p:ph sz="half" idx="2"/>
+          </p:nvPr>
+        </p:nvPicPr>
+        <p:blipFill>
+          <a:blip r:embed="rId3"/>
+          <a:stretch>
+            <a:fillRect/>
+          </a:stretch>
+        </p:blipFill>
+        <p:spPr>
+          <a:xfrm>
+            <a:off x="6477000" y="2629694"/>
+            <a:ext cx="4572000" cy="2743200"/>
+          </a:xfrm>
+        </p:spPr>
+      </p:pic>
+      <mc:AlternateContent xmlns:mc="http://schemas.openxmlformats.org/markup-compatibility/2006">
+        <mc:Choice xmlns:a14="http://schemas.microsoft.com/office/drawing/2010/main" Requires="a14">
+          <p:sp>
+            <p:nvSpPr>
+              <p:cNvPr id="2" name="Title 1">
+                <a:extLst>
+                  <a:ext uri="{FF2B5EF4-FFF2-40B4-BE49-F238E27FC236}">
+                    <a16:creationId xmlns:a16="http://schemas.microsoft.com/office/drawing/2014/main" id="{DA96FB29-A81C-5114-CC36-DF17FFD1A720}"/>
+                  </a:ext>
+                </a:extLst>
+              </p:cNvPr>
+              <p:cNvSpPr>
+                <a:spLocks noGrp="1"/>
+              </p:cNvSpPr>
+              <p:nvPr>
+                <p:ph type="title"/>
+              </p:nvPr>
+            </p:nvSpPr>
+            <p:spPr/>
+            <p:txBody>
+              <a:bodyPr/>
+              <a:lstStyle/>
+              <a:p>
+                <a:r>
+                  <a:rPr lang="en-US" dirty="0"/>
+                  <a:t>NHPPP, where you know </a:t>
+                </a:r>
+                <a14:m>
+                  <m:oMath xmlns:m="http://schemas.openxmlformats.org/officeDocument/2006/math">
+                    <m:r>
+                      <a:rPr lang="en-US" b="0" i="1" smtClean="0">
+                        <a:latin typeface="Cambria Math" panose="02040503050406030204" pitchFamily="18" charset="0"/>
+                      </a:rPr>
+                      <m:t>𝜆</m:t>
+                    </m:r>
+                    <m:d>
+                      <m:dPr>
+                        <m:ctrlPr>
+                          <a:rPr lang="en-US" b="0" i="1" smtClean="0">
+                            <a:latin typeface="Cambria Math" panose="02040503050406030204" pitchFamily="18" charset="0"/>
+                          </a:rPr>
+                        </m:ctrlPr>
+                      </m:dPr>
+                      <m:e>
+                        <m:r>
+                          <a:rPr lang="en-US" b="0" i="1" smtClean="0">
+                            <a:latin typeface="Cambria Math" panose="02040503050406030204" pitchFamily="18" charset="0"/>
+                          </a:rPr>
+                          <m:t>𝑡</m:t>
+                        </m:r>
+                      </m:e>
+                    </m:d>
+                  </m:oMath>
+                </a14:m>
+                <a:r>
+                  <a:rPr lang="en-US" dirty="0"/>
+                  <a:t> : Thinning</a:t>
+                </a:r>
+              </a:p>
+            </p:txBody>
+          </p:sp>
+        </mc:Choice>
+        <mc:Fallback>
+          <p:sp>
+            <p:nvSpPr>
+              <p:cNvPr id="2" name="Title 1">
+                <a:extLst>
+                  <a:ext uri="{FF2B5EF4-FFF2-40B4-BE49-F238E27FC236}">
+                    <a16:creationId xmlns:a16="http://schemas.microsoft.com/office/drawing/2014/main" id="{DA96FB29-A81C-5114-CC36-DF17FFD1A720}"/>
+                  </a:ext>
+                </a:extLst>
+              </p:cNvPr>
+              <p:cNvSpPr>
+                <a:spLocks noGrp="1" noRot="1" noChangeAspect="1" noMove="1" noResize="1" noEditPoints="1" noAdjustHandles="1" noChangeArrowheads="1" noChangeShapeType="1" noTextEdit="1"/>
+              </p:cNvSpPr>
+              <p:nvPr>
+                <p:ph type="title"/>
+              </p:nvPr>
+            </p:nvSpPr>
+            <p:spPr>
+              <a:blipFill>
+                <a:blip r:embed="rId4"/>
+                <a:stretch>
+                  <a:fillRect l="-2413"/>
+                </a:stretch>
+              </a:blipFill>
+            </p:spPr>
+            <p:txBody>
+              <a:bodyPr/>
+              <a:lstStyle/>
+              <a:p>
+                <a:r>
+                  <a:rPr lang="en-US">
+                    <a:noFill/>
+                  </a:rPr>
+                  <a:t> </a:t>
+                </a:r>
+              </a:p>
+            </p:txBody>
+          </p:sp>
+        </mc:Fallback>
+      </mc:AlternateContent>
+      <mc:AlternateContent xmlns:mc="http://schemas.openxmlformats.org/markup-compatibility/2006">
+        <mc:Choice xmlns:a14="http://schemas.microsoft.com/office/drawing/2010/main" Requires="a14">
+          <p:sp>
+            <p:nvSpPr>
+              <p:cNvPr id="3" name="Content Placeholder 2">
+                <a:extLst>
+                  <a:ext uri="{FF2B5EF4-FFF2-40B4-BE49-F238E27FC236}">
+                    <a16:creationId xmlns:a16="http://schemas.microsoft.com/office/drawing/2014/main" id="{FA0A0BEF-90F3-83B4-0701-3CB470D0BA01}"/>
+                  </a:ext>
+                </a:extLst>
+              </p:cNvPr>
+              <p:cNvSpPr>
+                <a:spLocks noGrp="1"/>
+              </p:cNvSpPr>
+              <p:nvPr>
+                <p:ph sz="half" idx="1"/>
+              </p:nvPr>
+            </p:nvSpPr>
+            <p:spPr/>
+            <p:txBody>
+              <a:bodyPr>
+                <a:normAutofit/>
+              </a:bodyPr>
+              <a:lstStyle/>
+              <a:p>
+                <a:r>
+                  <a:rPr lang="en-US" dirty="0"/>
+                  <a:t>Find a majorizer function </a:t>
+                </a:r>
+                <a14:m>
+                  <m:oMath xmlns:m="http://schemas.openxmlformats.org/officeDocument/2006/math">
+                    <m:sSub>
+                      <m:sSubPr>
+                        <m:ctrlPr>
+                          <a:rPr lang="en-US" b="0" i="1" smtClean="0">
+                            <a:latin typeface="Cambria Math" panose="02040503050406030204" pitchFamily="18" charset="0"/>
+                          </a:rPr>
+                        </m:ctrlPr>
+                      </m:sSubPr>
+                      <m:e>
+                        <m:r>
+                          <a:rPr lang="en-US" b="0" i="1" smtClean="0">
+                            <a:latin typeface="Cambria Math" panose="02040503050406030204" pitchFamily="18" charset="0"/>
+                          </a:rPr>
+                          <m:t>𝜆</m:t>
+                        </m:r>
+                      </m:e>
+                      <m:sub>
+                        <m:r>
+                          <a:rPr lang="en-US" b="0" i="1" smtClean="0">
+                            <a:latin typeface="Cambria Math" panose="02040503050406030204" pitchFamily="18" charset="0"/>
+                          </a:rPr>
+                          <m:t>∗</m:t>
+                        </m:r>
+                      </m:sub>
+                    </m:sSub>
+                  </m:oMath>
+                </a14:m>
+                <a:r>
+                  <a:rPr lang="en-US" dirty="0"/>
+                  <a:t> that’s easy to sample</a:t>
+                </a:r>
+              </a:p>
+              <a:p>
+                <a:r>
+                  <a:rPr lang="en-US" dirty="0"/>
+                  <a:t>Draw events </a:t>
+                </a:r>
+                <a14:m>
+                  <m:oMath xmlns:m="http://schemas.openxmlformats.org/officeDocument/2006/math">
+                    <m:d>
+                      <m:dPr>
+                        <m:begChr m:val="{"/>
+                        <m:endChr m:val="}"/>
+                        <m:ctrlPr>
+                          <a:rPr lang="en-US" b="0" i="1" smtClean="0">
+                            <a:latin typeface="Cambria Math" panose="02040503050406030204" pitchFamily="18" charset="0"/>
+                          </a:rPr>
+                        </m:ctrlPr>
+                      </m:dPr>
+                      <m:e>
+                        <m:sSub>
+                          <m:sSubPr>
+                            <m:ctrlPr>
+                              <a:rPr lang="en-US" b="0" i="1" smtClean="0">
+                                <a:latin typeface="Cambria Math" panose="02040503050406030204" pitchFamily="18" charset="0"/>
+                              </a:rPr>
+                            </m:ctrlPr>
+                          </m:sSubPr>
+                          <m:e>
+                            <m:r>
+                              <a:rPr lang="en-US" b="0" i="1" smtClean="0">
+                                <a:latin typeface="Cambria Math" panose="02040503050406030204" pitchFamily="18" charset="0"/>
+                              </a:rPr>
+                              <m:t>𝑍</m:t>
+                            </m:r>
+                          </m:e>
+                          <m:sub>
+                            <m:r>
+                              <a:rPr lang="en-US" b="0" i="1" smtClean="0">
+                                <a:latin typeface="Cambria Math" panose="02040503050406030204" pitchFamily="18" charset="0"/>
+                              </a:rPr>
+                              <m:t>1</m:t>
+                            </m:r>
+                          </m:sub>
+                        </m:sSub>
+                        <m:r>
+                          <a:rPr lang="en-US" b="0" i="1" smtClean="0">
+                            <a:latin typeface="Cambria Math" panose="02040503050406030204" pitchFamily="18" charset="0"/>
+                          </a:rPr>
+                          <m:t>,</m:t>
+                        </m:r>
+                        <m:r>
+                          <m:rPr>
+                            <m:lit/>
+                          </m:rPr>
+                          <a:rPr lang="en-US" b="0" i="1" smtClean="0">
+                            <a:latin typeface="Cambria Math" panose="02040503050406030204" pitchFamily="18" charset="0"/>
+                          </a:rPr>
+                          <m:t>…</m:t>
+                        </m:r>
+                      </m:e>
+                    </m:d>
+                  </m:oMath>
+                </a14:m>
+                <a:r>
+                  <a:rPr lang="en-US" dirty="0"/>
+                  <a:t> from </a:t>
+                </a:r>
+                <a14:m>
+                  <m:oMath xmlns:m="http://schemas.openxmlformats.org/officeDocument/2006/math">
+                    <m:sSub>
+                      <m:sSubPr>
+                        <m:ctrlPr>
+                          <a:rPr lang="en-US" i="1">
+                            <a:latin typeface="Cambria Math" panose="02040503050406030204" pitchFamily="18" charset="0"/>
+                          </a:rPr>
+                        </m:ctrlPr>
+                      </m:sSubPr>
+                      <m:e>
+                        <m:r>
+                          <a:rPr lang="en-US" i="1">
+                            <a:latin typeface="Cambria Math" panose="02040503050406030204" pitchFamily="18" charset="0"/>
+                          </a:rPr>
+                          <m:t>𝜆</m:t>
+                        </m:r>
+                      </m:e>
+                      <m:sub>
+                        <m:r>
+                          <a:rPr lang="en-US" i="1">
+                            <a:latin typeface="Cambria Math" panose="02040503050406030204" pitchFamily="18" charset="0"/>
+                          </a:rPr>
+                          <m:t>∗</m:t>
+                        </m:r>
+                      </m:sub>
+                    </m:sSub>
+                  </m:oMath>
+                </a14:m>
+                <a:endParaRPr lang="en-US" dirty="0"/>
+              </a:p>
+              <a:p>
+                <a:r>
+                  <a:rPr lang="en-US" dirty="0">
+                    <a:solidFill>
+                      <a:srgbClr val="FF0000"/>
+                    </a:solidFill>
+                  </a:rPr>
+                  <a:t>Accept event </a:t>
+                </a:r>
+                <a14:m>
+                  <m:oMath xmlns:m="http://schemas.openxmlformats.org/officeDocument/2006/math">
+                    <m:r>
+                      <a:rPr lang="en-US" b="0" i="1" smtClean="0">
+                        <a:solidFill>
+                          <a:srgbClr val="FF0000"/>
+                        </a:solidFill>
+                        <a:latin typeface="Cambria Math" panose="02040503050406030204" pitchFamily="18" charset="0"/>
+                      </a:rPr>
+                      <m:t>𝑖</m:t>
+                    </m:r>
+                  </m:oMath>
+                </a14:m>
+                <a:r>
+                  <a:rPr lang="en-US" dirty="0">
+                    <a:solidFill>
+                      <a:srgbClr val="FF0000"/>
+                    </a:solidFill>
+                  </a:rPr>
+                  <a:t> with probability </a:t>
+                </a:r>
+                <a14:m>
+                  <m:oMath xmlns:m="http://schemas.openxmlformats.org/officeDocument/2006/math">
+                    <m:f>
+                      <m:fPr>
+                        <m:ctrlPr>
+                          <a:rPr lang="en-US" i="1" smtClean="0">
+                            <a:solidFill>
+                              <a:srgbClr val="FF0000"/>
+                            </a:solidFill>
+                            <a:latin typeface="Cambria Math" panose="02040503050406030204" pitchFamily="18" charset="0"/>
+                          </a:rPr>
+                        </m:ctrlPr>
+                      </m:fPr>
+                      <m:num>
+                        <m:r>
+                          <a:rPr lang="en-US" b="0" i="1" smtClean="0">
+                            <a:solidFill>
+                              <a:srgbClr val="FF0000"/>
+                            </a:solidFill>
+                            <a:latin typeface="Cambria Math" panose="02040503050406030204" pitchFamily="18" charset="0"/>
+                          </a:rPr>
+                          <m:t>𝜆</m:t>
+                        </m:r>
+                        <m:r>
+                          <a:rPr lang="en-US" b="0" i="1" smtClean="0">
+                            <a:solidFill>
+                              <a:srgbClr val="FF0000"/>
+                            </a:solidFill>
+                            <a:latin typeface="Cambria Math" panose="02040503050406030204" pitchFamily="18" charset="0"/>
+                          </a:rPr>
+                          <m:t>(</m:t>
+                        </m:r>
+                        <m:sSub>
+                          <m:sSubPr>
+                            <m:ctrlPr>
+                              <a:rPr lang="en-US" b="0" i="1" smtClean="0">
+                                <a:solidFill>
+                                  <a:srgbClr val="FF0000"/>
+                                </a:solidFill>
+                                <a:latin typeface="Cambria Math" panose="02040503050406030204" pitchFamily="18" charset="0"/>
+                              </a:rPr>
+                            </m:ctrlPr>
+                          </m:sSubPr>
+                          <m:e>
+                            <m:r>
+                              <a:rPr lang="en-US" b="0" i="1" smtClean="0">
+                                <a:solidFill>
+                                  <a:srgbClr val="FF0000"/>
+                                </a:solidFill>
+                                <a:latin typeface="Cambria Math" panose="02040503050406030204" pitchFamily="18" charset="0"/>
+                              </a:rPr>
+                              <m:t>𝑍</m:t>
+                            </m:r>
+                          </m:e>
+                          <m:sub>
+                            <m:r>
+                              <a:rPr lang="en-US" b="0" i="1" smtClean="0">
+                                <a:solidFill>
+                                  <a:srgbClr val="FF0000"/>
+                                </a:solidFill>
+                                <a:latin typeface="Cambria Math" panose="02040503050406030204" pitchFamily="18" charset="0"/>
+                              </a:rPr>
+                              <m:t>𝑖</m:t>
+                            </m:r>
+                          </m:sub>
+                        </m:sSub>
+                        <m:r>
+                          <a:rPr lang="en-US" b="0" i="1" smtClean="0">
+                            <a:solidFill>
+                              <a:srgbClr val="FF0000"/>
+                            </a:solidFill>
+                            <a:latin typeface="Cambria Math" panose="02040503050406030204" pitchFamily="18" charset="0"/>
+                          </a:rPr>
+                          <m:t>)</m:t>
+                        </m:r>
+                      </m:num>
+                      <m:den>
+                        <m:sSub>
+                          <m:sSubPr>
+                            <m:ctrlPr>
+                              <a:rPr lang="en-US" b="0" i="1" smtClean="0">
+                                <a:solidFill>
+                                  <a:srgbClr val="FF0000"/>
+                                </a:solidFill>
+                                <a:latin typeface="Cambria Math" panose="02040503050406030204" pitchFamily="18" charset="0"/>
+                              </a:rPr>
+                            </m:ctrlPr>
+                          </m:sSubPr>
+                          <m:e>
+                            <m:r>
+                              <a:rPr lang="en-US" b="0" i="1" smtClean="0">
+                                <a:solidFill>
+                                  <a:srgbClr val="FF0000"/>
+                                </a:solidFill>
+                                <a:latin typeface="Cambria Math" panose="02040503050406030204" pitchFamily="18" charset="0"/>
+                              </a:rPr>
+                              <m:t>𝜆</m:t>
+                            </m:r>
+                          </m:e>
+                          <m:sub>
+                            <m:r>
+                              <a:rPr lang="en-US" b="0" i="1" smtClean="0">
+                                <a:solidFill>
+                                  <a:srgbClr val="FF0000"/>
+                                </a:solidFill>
+                                <a:latin typeface="Cambria Math" panose="02040503050406030204" pitchFamily="18" charset="0"/>
+                              </a:rPr>
+                              <m:t>∗</m:t>
+                            </m:r>
+                          </m:sub>
+                        </m:sSub>
+                        <m:r>
+                          <a:rPr lang="en-US" b="0" i="1" smtClean="0">
+                            <a:solidFill>
+                              <a:srgbClr val="FF0000"/>
+                            </a:solidFill>
+                            <a:latin typeface="Cambria Math" panose="02040503050406030204" pitchFamily="18" charset="0"/>
+                          </a:rPr>
+                          <m:t>(</m:t>
+                        </m:r>
+                        <m:sSub>
+                          <m:sSubPr>
+                            <m:ctrlPr>
+                              <a:rPr lang="en-US" b="0" i="1" smtClean="0">
+                                <a:solidFill>
+                                  <a:srgbClr val="FF0000"/>
+                                </a:solidFill>
+                                <a:latin typeface="Cambria Math" panose="02040503050406030204" pitchFamily="18" charset="0"/>
+                              </a:rPr>
+                            </m:ctrlPr>
+                          </m:sSubPr>
+                          <m:e>
+                            <m:r>
+                              <a:rPr lang="en-US" b="0" i="1" smtClean="0">
+                                <a:solidFill>
+                                  <a:srgbClr val="FF0000"/>
+                                </a:solidFill>
+                                <a:latin typeface="Cambria Math" panose="02040503050406030204" pitchFamily="18" charset="0"/>
+                              </a:rPr>
+                              <m:t>𝑍</m:t>
+                            </m:r>
+                          </m:e>
+                          <m:sub>
+                            <m:r>
+                              <a:rPr lang="en-US" b="0" i="1" smtClean="0">
+                                <a:solidFill>
+                                  <a:srgbClr val="FF0000"/>
+                                </a:solidFill>
+                                <a:latin typeface="Cambria Math" panose="02040503050406030204" pitchFamily="18" charset="0"/>
+                              </a:rPr>
+                              <m:t>𝑖</m:t>
+                            </m:r>
+                          </m:sub>
+                        </m:sSub>
+                        <m:r>
+                          <a:rPr lang="en-US" b="0" i="1" smtClean="0">
+                            <a:solidFill>
+                              <a:srgbClr val="FF0000"/>
+                            </a:solidFill>
+                            <a:latin typeface="Cambria Math" panose="02040503050406030204" pitchFamily="18" charset="0"/>
+                          </a:rPr>
+                          <m:t>)</m:t>
+                        </m:r>
+                      </m:den>
+                    </m:f>
+                  </m:oMath>
+                </a14:m>
+                <a:r>
+                  <a:rPr lang="en-US" dirty="0">
+                    <a:solidFill>
+                      <a:srgbClr val="FF0000"/>
+                    </a:solidFill>
+                  </a:rPr>
+                  <a:t>  </a:t>
+                </a:r>
+              </a:p>
+              <a:p>
+                <a:endParaRPr lang="en-US" dirty="0">
+                  <a:solidFill>
+                    <a:srgbClr val="FF0000"/>
+                  </a:solidFill>
+                </a:endParaRPr>
+              </a:p>
+            </p:txBody>
+          </p:sp>
+        </mc:Choice>
+        <mc:Fallback>
+          <p:sp>
+            <p:nvSpPr>
+              <p:cNvPr id="3" name="Content Placeholder 2">
+                <a:extLst>
+                  <a:ext uri="{FF2B5EF4-FFF2-40B4-BE49-F238E27FC236}">
+                    <a16:creationId xmlns:a16="http://schemas.microsoft.com/office/drawing/2014/main" id="{FA0A0BEF-90F3-83B4-0701-3CB470D0BA01}"/>
+                  </a:ext>
+                </a:extLst>
+              </p:cNvPr>
+              <p:cNvSpPr>
+                <a:spLocks noGrp="1" noRot="1" noChangeAspect="1" noMove="1" noResize="1" noEditPoints="1" noAdjustHandles="1" noChangeArrowheads="1" noChangeShapeType="1" noTextEdit="1"/>
+              </p:cNvSpPr>
+              <p:nvPr>
+                <p:ph sz="half" idx="1"/>
+              </p:nvPr>
+            </p:nvSpPr>
+            <p:spPr>
+              <a:blipFill>
+                <a:blip r:embed="rId5"/>
+                <a:stretch>
+                  <a:fillRect l="-2200" t="-2326" r="-978"/>
+                </a:stretch>
+              </a:blipFill>
+            </p:spPr>
+            <p:txBody>
+              <a:bodyPr/>
+              <a:lstStyle/>
+              <a:p>
+                <a:r>
+                  <a:rPr lang="en-US">
+                    <a:noFill/>
+                  </a:rPr>
+                  <a:t> </a:t>
+                </a:r>
+              </a:p>
+            </p:txBody>
+          </p:sp>
+        </mc:Fallback>
+      </mc:AlternateContent>
+      <p:grpSp>
+        <p:nvGrpSpPr>
+          <p:cNvPr id="22" name="Group 21">
+            <a:extLst>
+              <a:ext uri="{FF2B5EF4-FFF2-40B4-BE49-F238E27FC236}">
+                <a16:creationId xmlns:a16="http://schemas.microsoft.com/office/drawing/2014/main" id="{EE5AE35B-E7BE-A6EF-62B3-74FA1EC8C8AB}"/>
+              </a:ext>
+            </a:extLst>
+          </p:cNvPr>
+          <p:cNvGrpSpPr/>
+          <p:nvPr/>
+        </p:nvGrpSpPr>
+        <p:grpSpPr>
+          <a:xfrm>
+            <a:off x="10377616" y="3249827"/>
+            <a:ext cx="922638" cy="1433384"/>
+            <a:chOff x="10155193" y="3249827"/>
+            <a:chExt cx="922638" cy="1433384"/>
+          </a:xfrm>
+        </p:grpSpPr>
+        <p:cxnSp>
+          <p:nvCxnSpPr>
+            <p:cNvPr id="21" name="Straight Arrow Connector 20">
+              <a:extLst>
+                <a:ext uri="{FF2B5EF4-FFF2-40B4-BE49-F238E27FC236}">
+                  <a16:creationId xmlns:a16="http://schemas.microsoft.com/office/drawing/2014/main" id="{6BAC826D-9156-3CC5-CFDC-152BDEAF23E1}"/>
+                </a:ext>
+              </a:extLst>
+            </p:cNvPr>
+            <p:cNvCxnSpPr/>
+            <p:nvPr/>
+          </p:nvCxnSpPr>
+          <p:spPr>
+            <a:xfrm>
+              <a:off x="10589737" y="3249827"/>
+              <a:ext cx="0" cy="1433384"/>
+            </a:xfrm>
+            <a:prstGeom prst="straightConnector1">
+              <a:avLst/>
+            </a:prstGeom>
+            <a:ln w="12700">
+              <a:solidFill>
+                <a:schemeClr val="tx1"/>
+              </a:solidFill>
+              <a:headEnd type="triangle"/>
+              <a:tailEnd type="triangle"/>
+            </a:ln>
+          </p:spPr>
+          <p:style>
+            <a:lnRef idx="2">
+              <a:schemeClr val="accent1"/>
+            </a:lnRef>
+            <a:fillRef idx="0">
+              <a:schemeClr val="accent1"/>
+            </a:fillRef>
+            <a:effectRef idx="1">
+              <a:schemeClr val="accent1"/>
+            </a:effectRef>
+            <a:fontRef idx="minor">
+              <a:schemeClr val="tx1"/>
+            </a:fontRef>
+          </p:style>
+        </p:cxnSp>
+        <mc:AlternateContent xmlns:mc="http://schemas.openxmlformats.org/markup-compatibility/2006">
+          <mc:Choice xmlns:a14="http://schemas.microsoft.com/office/drawing/2010/main" Requires="a14">
+            <p:sp>
+              <p:nvSpPr>
+                <p:cNvPr id="15" name="TextBox 14">
+                  <a:extLst>
+                    <a:ext uri="{FF2B5EF4-FFF2-40B4-BE49-F238E27FC236}">
+                      <a16:creationId xmlns:a16="http://schemas.microsoft.com/office/drawing/2014/main" id="{B58F03FC-894B-0D53-9F63-C1F782AA3A13}"/>
+                    </a:ext>
+                  </a:extLst>
+                </p:cNvPr>
+                <p:cNvSpPr txBox="1"/>
+                <p:nvPr/>
+              </p:nvSpPr>
+              <p:spPr>
+                <a:xfrm>
+                  <a:off x="10155193" y="3806625"/>
+                  <a:ext cx="922638" cy="389337"/>
+                </a:xfrm>
+                <a:prstGeom prst="rect">
+                  <a:avLst/>
+                </a:prstGeom>
+                <a:solidFill>
+                  <a:schemeClr val="bg1"/>
+                </a:solidFill>
+              </p:spPr>
+              <p:txBody>
+                <a:bodyPr wrap="square" rtlCol="0">
+                  <a:spAutoFit/>
+                </a:bodyPr>
+                <a:lstStyle/>
+                <a:p>
+                  <a14:m>
+                    <m:oMathPara xmlns:m="http://schemas.openxmlformats.org/officeDocument/2006/math">
+                      <m:oMathParaPr>
+                        <m:jc m:val="centerGroup"/>
+                      </m:oMathParaPr>
+                      <m:oMath xmlns:m="http://schemas.openxmlformats.org/officeDocument/2006/math">
+                        <m:sSub>
+                          <m:sSubPr>
+                            <m:ctrlPr>
+                              <a:rPr lang="en-US" b="0" i="1" smtClean="0">
+                                <a:latin typeface="Cambria Math" panose="02040503050406030204" pitchFamily="18" charset="0"/>
+                              </a:rPr>
+                            </m:ctrlPr>
+                          </m:sSubPr>
+                          <m:e>
+                            <m:r>
+                              <a:rPr lang="en-US" b="0" i="1" smtClean="0">
+                                <a:latin typeface="Cambria Math" panose="02040503050406030204" pitchFamily="18" charset="0"/>
+                              </a:rPr>
+                              <m:t>𝜆</m:t>
+                            </m:r>
+                            <m:r>
+                              <a:rPr lang="en-US" b="0" i="1" smtClean="0">
+                                <a:latin typeface="Cambria Math" panose="02040503050406030204" pitchFamily="18" charset="0"/>
+                              </a:rPr>
+                              <m:t>(</m:t>
+                            </m:r>
+                            <m:r>
+                              <a:rPr lang="en-US" b="0" i="1" smtClean="0">
+                                <a:latin typeface="Cambria Math" panose="02040503050406030204" pitchFamily="18" charset="0"/>
+                              </a:rPr>
+                              <m:t>𝑍</m:t>
+                            </m:r>
+                          </m:e>
+                          <m:sub>
+                            <m:d>
+                              <m:dPr>
+                                <m:begChr m:val="["/>
+                                <m:endChr m:val="]"/>
+                                <m:ctrlPr>
+                                  <a:rPr lang="en-US" b="0" i="1" smtClean="0">
+                                    <a:latin typeface="Cambria Math" panose="02040503050406030204" pitchFamily="18" charset="0"/>
+                                  </a:rPr>
+                                </m:ctrlPr>
+                              </m:dPr>
+                              <m:e>
+                                <m:r>
+                                  <a:rPr lang="en-US" b="0" i="1" smtClean="0">
+                                    <a:latin typeface="Cambria Math" panose="02040503050406030204" pitchFamily="18" charset="0"/>
+                                  </a:rPr>
+                                  <m:t>1</m:t>
+                                </m:r>
+                              </m:e>
+                            </m:d>
+                          </m:sub>
+                        </m:sSub>
+                        <m:r>
+                          <a:rPr lang="en-US" b="0" i="1" smtClean="0">
+                            <a:latin typeface="Cambria Math" panose="02040503050406030204" pitchFamily="18" charset="0"/>
+                          </a:rPr>
+                          <m:t>)</m:t>
+                        </m:r>
+                      </m:oMath>
+                    </m:oMathPara>
+                  </a14:m>
+                  <a:endParaRPr lang="en-US" b="0" dirty="0"/>
+                </a:p>
+              </p:txBody>
+            </p:sp>
+          </mc:Choice>
+          <mc:Fallback>
+            <p:sp>
+              <p:nvSpPr>
+                <p:cNvPr id="15" name="TextBox 14">
+                  <a:extLst>
+                    <a:ext uri="{FF2B5EF4-FFF2-40B4-BE49-F238E27FC236}">
+                      <a16:creationId xmlns:a16="http://schemas.microsoft.com/office/drawing/2014/main" id="{B58F03FC-894B-0D53-9F63-C1F782AA3A13}"/>
+                    </a:ext>
+                  </a:extLst>
+                </p:cNvPr>
+                <p:cNvSpPr txBox="1">
+                  <a:spLocks noRot="1" noChangeAspect="1" noMove="1" noResize="1" noEditPoints="1" noAdjustHandles="1" noChangeArrowheads="1" noChangeShapeType="1" noTextEdit="1"/>
+                </p:cNvSpPr>
+                <p:nvPr/>
+              </p:nvSpPr>
+              <p:spPr>
+                <a:xfrm>
+                  <a:off x="10155193" y="3806625"/>
+                  <a:ext cx="922638" cy="389337"/>
+                </a:xfrm>
+                <a:prstGeom prst="rect">
+                  <a:avLst/>
+                </a:prstGeom>
+                <a:blipFill>
+                  <a:blip r:embed="rId6"/>
+                  <a:stretch>
+                    <a:fillRect b="-9375"/>
+                  </a:stretch>
+                </a:blipFill>
+              </p:spPr>
+              <p:txBody>
+                <a:bodyPr/>
+                <a:lstStyle/>
+                <a:p>
+                  <a:r>
+                    <a:rPr lang="en-US">
+                      <a:noFill/>
+                    </a:rPr>
+                    <a:t> </a:t>
+                  </a:r>
+                </a:p>
+              </p:txBody>
+            </p:sp>
+          </mc:Fallback>
+        </mc:AlternateContent>
+      </p:grpSp>
+      <p:cxnSp>
+        <p:nvCxnSpPr>
+          <p:cNvPr id="24" name="Straight Connector 23">
+            <a:extLst>
+              <a:ext uri="{FF2B5EF4-FFF2-40B4-BE49-F238E27FC236}">
+                <a16:creationId xmlns:a16="http://schemas.microsoft.com/office/drawing/2014/main" id="{5967A5EC-35A2-BDED-8F6D-E14EE7F2AFA0}"/>
+              </a:ext>
+            </a:extLst>
+          </p:cNvPr>
+          <p:cNvCxnSpPr>
+            <a:cxnSpLocks/>
+          </p:cNvCxnSpPr>
+          <p:nvPr/>
+        </p:nvCxnSpPr>
+        <p:spPr>
+          <a:xfrm>
+            <a:off x="10688595" y="4732639"/>
+            <a:ext cx="1025611" cy="0"/>
+          </a:xfrm>
+          <a:prstGeom prst="line">
+            <a:avLst/>
+          </a:prstGeom>
+          <a:ln w="12700">
+            <a:solidFill>
+              <a:schemeClr val="tx1"/>
+            </a:solidFill>
+          </a:ln>
+        </p:spPr>
+        <p:style>
+          <a:lnRef idx="2">
+            <a:schemeClr val="accent1"/>
+          </a:lnRef>
+          <a:fillRef idx="0">
+            <a:schemeClr val="accent1"/>
+          </a:fillRef>
+          <a:effectRef idx="1">
+            <a:schemeClr val="accent1"/>
+          </a:effectRef>
+          <a:fontRef idx="minor">
+            <a:schemeClr val="tx1"/>
+          </a:fontRef>
+        </p:style>
+      </p:cxnSp>
+      <p:cxnSp>
+        <p:nvCxnSpPr>
+          <p:cNvPr id="34" name="Straight Connector 33">
+            <a:extLst>
+              <a:ext uri="{FF2B5EF4-FFF2-40B4-BE49-F238E27FC236}">
+                <a16:creationId xmlns:a16="http://schemas.microsoft.com/office/drawing/2014/main" id="{4720699D-89F6-F698-F65A-9E0B3F3DB471}"/>
+              </a:ext>
+            </a:extLst>
+          </p:cNvPr>
+          <p:cNvCxnSpPr>
+            <a:cxnSpLocks/>
+          </p:cNvCxnSpPr>
+          <p:nvPr/>
+        </p:nvCxnSpPr>
+        <p:spPr>
+          <a:xfrm>
+            <a:off x="10667997" y="3216874"/>
+            <a:ext cx="267733" cy="0"/>
+          </a:xfrm>
+          <a:prstGeom prst="line">
+            <a:avLst/>
+          </a:prstGeom>
+          <a:ln w="12700">
+            <a:solidFill>
+              <a:schemeClr val="tx1"/>
+            </a:solidFill>
+          </a:ln>
+        </p:spPr>
+        <p:style>
+          <a:lnRef idx="2">
+            <a:schemeClr val="accent1"/>
+          </a:lnRef>
+          <a:fillRef idx="0">
+            <a:schemeClr val="accent1"/>
+          </a:fillRef>
+          <a:effectRef idx="1">
+            <a:schemeClr val="accent1"/>
+          </a:effectRef>
+          <a:fontRef idx="minor">
+            <a:schemeClr val="tx1"/>
+          </a:fontRef>
+        </p:style>
+      </p:cxnSp>
+      <p:cxnSp>
+        <p:nvCxnSpPr>
+          <p:cNvPr id="36" name="Straight Connector 35">
+            <a:extLst>
+              <a:ext uri="{FF2B5EF4-FFF2-40B4-BE49-F238E27FC236}">
+                <a16:creationId xmlns:a16="http://schemas.microsoft.com/office/drawing/2014/main" id="{0F9B6747-2DA2-1499-F074-7A8CFD4D73FB}"/>
+              </a:ext>
+            </a:extLst>
+          </p:cNvPr>
+          <p:cNvCxnSpPr>
+            <a:cxnSpLocks/>
+          </p:cNvCxnSpPr>
+          <p:nvPr/>
+        </p:nvCxnSpPr>
+        <p:spPr>
+          <a:xfrm>
+            <a:off x="10838935" y="2792626"/>
+            <a:ext cx="867030" cy="0"/>
+          </a:xfrm>
+          <a:prstGeom prst="line">
+            <a:avLst/>
+          </a:prstGeom>
+          <a:ln w="12700">
+            <a:solidFill>
+              <a:schemeClr val="tx1"/>
+            </a:solidFill>
+          </a:ln>
+        </p:spPr>
+        <p:style>
+          <a:lnRef idx="2">
+            <a:schemeClr val="accent1"/>
+          </a:lnRef>
+          <a:fillRef idx="0">
+            <a:schemeClr val="accent1"/>
+          </a:fillRef>
+          <a:effectRef idx="1">
+            <a:schemeClr val="accent1"/>
+          </a:effectRef>
+          <a:fontRef idx="minor">
+            <a:schemeClr val="tx1"/>
+          </a:fontRef>
+        </p:style>
+      </p:cxnSp>
+      <p:grpSp>
+        <p:nvGrpSpPr>
+          <p:cNvPr id="38" name="Group 37">
+            <a:extLst>
+              <a:ext uri="{FF2B5EF4-FFF2-40B4-BE49-F238E27FC236}">
+                <a16:creationId xmlns:a16="http://schemas.microsoft.com/office/drawing/2014/main" id="{C450482F-E2F8-B85E-59CB-11F56C434F1A}"/>
+              </a:ext>
+            </a:extLst>
+          </p:cNvPr>
+          <p:cNvGrpSpPr/>
+          <p:nvPr/>
+        </p:nvGrpSpPr>
+        <p:grpSpPr>
+          <a:xfrm>
+            <a:off x="11110788" y="2804983"/>
+            <a:ext cx="922638" cy="1894702"/>
+            <a:chOff x="10155193" y="2788509"/>
+            <a:chExt cx="922638" cy="1894702"/>
+          </a:xfrm>
+        </p:grpSpPr>
+        <p:cxnSp>
+          <p:nvCxnSpPr>
+            <p:cNvPr id="39" name="Straight Arrow Connector 38">
+              <a:extLst>
+                <a:ext uri="{FF2B5EF4-FFF2-40B4-BE49-F238E27FC236}">
+                  <a16:creationId xmlns:a16="http://schemas.microsoft.com/office/drawing/2014/main" id="{C35DD6DD-313D-E02E-B9E4-29EFAB3AEEEB}"/>
+                </a:ext>
+              </a:extLst>
+            </p:cNvPr>
+            <p:cNvCxnSpPr>
+              <a:cxnSpLocks/>
+            </p:cNvCxnSpPr>
+            <p:nvPr/>
+          </p:nvCxnSpPr>
+          <p:spPr>
+            <a:xfrm>
+              <a:off x="10589737" y="2788509"/>
+              <a:ext cx="0" cy="1894702"/>
+            </a:xfrm>
+            <a:prstGeom prst="straightConnector1">
+              <a:avLst/>
+            </a:prstGeom>
+            <a:ln w="12700">
+              <a:solidFill>
+                <a:schemeClr val="tx1"/>
+              </a:solidFill>
+              <a:headEnd type="triangle"/>
+              <a:tailEnd type="triangle"/>
+            </a:ln>
+          </p:spPr>
+          <p:style>
+            <a:lnRef idx="2">
+              <a:schemeClr val="accent1"/>
+            </a:lnRef>
+            <a:fillRef idx="0">
+              <a:schemeClr val="accent1"/>
+            </a:fillRef>
+            <a:effectRef idx="1">
+              <a:schemeClr val="accent1"/>
+            </a:effectRef>
+            <a:fontRef idx="minor">
+              <a:schemeClr val="tx1"/>
+            </a:fontRef>
+          </p:style>
+        </p:cxnSp>
+        <mc:AlternateContent xmlns:mc="http://schemas.openxmlformats.org/markup-compatibility/2006">
+          <mc:Choice xmlns:a14="http://schemas.microsoft.com/office/drawing/2010/main" Requires="a14">
+            <p:sp>
+              <p:nvSpPr>
+                <p:cNvPr id="40" name="TextBox 39">
+                  <a:extLst>
+                    <a:ext uri="{FF2B5EF4-FFF2-40B4-BE49-F238E27FC236}">
+                      <a16:creationId xmlns:a16="http://schemas.microsoft.com/office/drawing/2014/main" id="{2829A20A-F6FB-FA0F-A63C-1FF914011E70}"/>
+                    </a:ext>
+                  </a:extLst>
+                </p:cNvPr>
+                <p:cNvSpPr txBox="1"/>
+                <p:nvPr/>
+              </p:nvSpPr>
+              <p:spPr>
+                <a:xfrm>
+                  <a:off x="10155193" y="3349422"/>
+                  <a:ext cx="922638" cy="389337"/>
+                </a:xfrm>
+                <a:prstGeom prst="rect">
+                  <a:avLst/>
+                </a:prstGeom>
+                <a:solidFill>
+                  <a:schemeClr val="bg1"/>
+                </a:solidFill>
+              </p:spPr>
+              <p:txBody>
+                <a:bodyPr wrap="square" rtlCol="0">
+                  <a:spAutoFit/>
+                </a:bodyPr>
+                <a:lstStyle/>
+                <a:p>
+                  <a14:m>
+                    <m:oMathPara xmlns:m="http://schemas.openxmlformats.org/officeDocument/2006/math">
+                      <m:oMathParaPr>
+                        <m:jc m:val="centerGroup"/>
+                      </m:oMathParaPr>
+                      <m:oMath xmlns:m="http://schemas.openxmlformats.org/officeDocument/2006/math">
+                        <m:sSub>
+                          <m:sSubPr>
+                            <m:ctrlPr>
+                              <a:rPr lang="en-US" b="0" i="1" smtClean="0">
+                                <a:latin typeface="Cambria Math" panose="02040503050406030204" pitchFamily="18" charset="0"/>
+                              </a:rPr>
+                            </m:ctrlPr>
+                          </m:sSubPr>
+                          <m:e>
+                            <m:sSub>
+                              <m:sSubPr>
+                                <m:ctrlPr>
+                                  <a:rPr lang="en-US" b="0" i="1" smtClean="0">
+                                    <a:latin typeface="Cambria Math" panose="02040503050406030204" pitchFamily="18" charset="0"/>
+                                  </a:rPr>
+                                </m:ctrlPr>
+                              </m:sSubPr>
+                              <m:e>
+                                <m:r>
+                                  <a:rPr lang="en-US" b="0" i="1" smtClean="0">
+                                    <a:latin typeface="Cambria Math" panose="02040503050406030204" pitchFamily="18" charset="0"/>
+                                  </a:rPr>
+                                  <m:t>𝜆</m:t>
+                                </m:r>
+                              </m:e>
+                              <m:sub>
+                                <m:r>
+                                  <a:rPr lang="en-US" b="0" i="1" smtClean="0">
+                                    <a:latin typeface="Cambria Math" panose="02040503050406030204" pitchFamily="18" charset="0"/>
+                                  </a:rPr>
+                                  <m:t>∗</m:t>
+                                </m:r>
+                              </m:sub>
+                            </m:sSub>
+                            <m:r>
+                              <a:rPr lang="en-US" b="0" i="1" smtClean="0">
+                                <a:latin typeface="Cambria Math" panose="02040503050406030204" pitchFamily="18" charset="0"/>
+                              </a:rPr>
+                              <m:t>(</m:t>
+                            </m:r>
+                            <m:r>
+                              <a:rPr lang="en-US" b="0" i="1" smtClean="0">
+                                <a:latin typeface="Cambria Math" panose="02040503050406030204" pitchFamily="18" charset="0"/>
+                              </a:rPr>
+                              <m:t>𝑍</m:t>
+                            </m:r>
+                          </m:e>
+                          <m:sub>
+                            <m:d>
+                              <m:dPr>
+                                <m:begChr m:val="["/>
+                                <m:endChr m:val="]"/>
+                                <m:ctrlPr>
+                                  <a:rPr lang="en-US" b="0" i="1" smtClean="0">
+                                    <a:latin typeface="Cambria Math" panose="02040503050406030204" pitchFamily="18" charset="0"/>
+                                  </a:rPr>
+                                </m:ctrlPr>
+                              </m:dPr>
+                              <m:e>
+                                <m:r>
+                                  <a:rPr lang="en-US" b="0" i="1" smtClean="0">
+                                    <a:latin typeface="Cambria Math" panose="02040503050406030204" pitchFamily="18" charset="0"/>
+                                  </a:rPr>
+                                  <m:t>1</m:t>
+                                </m:r>
+                              </m:e>
+                            </m:d>
+                          </m:sub>
+                        </m:sSub>
+                        <m:r>
+                          <a:rPr lang="en-US" b="0" i="1" smtClean="0">
+                            <a:latin typeface="Cambria Math" panose="02040503050406030204" pitchFamily="18" charset="0"/>
+                          </a:rPr>
+                          <m:t>)</m:t>
+                        </m:r>
+                      </m:oMath>
+                    </m:oMathPara>
+                  </a14:m>
+                  <a:endParaRPr lang="en-US" b="0" dirty="0"/>
+                </a:p>
+              </p:txBody>
+            </p:sp>
+          </mc:Choice>
+          <mc:Fallback>
+            <p:sp>
+              <p:nvSpPr>
+                <p:cNvPr id="40" name="TextBox 39">
+                  <a:extLst>
+                    <a:ext uri="{FF2B5EF4-FFF2-40B4-BE49-F238E27FC236}">
+                      <a16:creationId xmlns:a16="http://schemas.microsoft.com/office/drawing/2014/main" id="{2829A20A-F6FB-FA0F-A63C-1FF914011E70}"/>
+                    </a:ext>
+                  </a:extLst>
+                </p:cNvPr>
+                <p:cNvSpPr txBox="1">
+                  <a:spLocks noRot="1" noChangeAspect="1" noMove="1" noResize="1" noEditPoints="1" noAdjustHandles="1" noChangeArrowheads="1" noChangeShapeType="1" noTextEdit="1"/>
+                </p:cNvSpPr>
+                <p:nvPr/>
+              </p:nvSpPr>
+              <p:spPr>
+                <a:xfrm>
+                  <a:off x="10155193" y="3349422"/>
+                  <a:ext cx="922638" cy="389337"/>
+                </a:xfrm>
+                <a:prstGeom prst="rect">
+                  <a:avLst/>
+                </a:prstGeom>
+                <a:blipFill>
+                  <a:blip r:embed="rId7"/>
+                  <a:stretch>
+                    <a:fillRect r="-4110" b="-9375"/>
+                  </a:stretch>
+                </a:blipFill>
+              </p:spPr>
+              <p:txBody>
+                <a:bodyPr/>
+                <a:lstStyle/>
+                <a:p>
+                  <a:r>
+                    <a:rPr lang="en-US">
+                      <a:noFill/>
+                    </a:rPr>
+                    <a:t> </a:t>
+                  </a:r>
+                </a:p>
+              </p:txBody>
+            </p:sp>
+          </mc:Fallback>
+        </mc:AlternateContent>
+      </p:grpSp>
+    </p:spTree>
+    <p:extLst>
+      <p:ext uri="{BB962C8B-B14F-4D97-AF65-F5344CB8AC3E}">
+        <p14:creationId xmlns:p14="http://schemas.microsoft.com/office/powerpoint/2010/main" val="2804675472"/>
+      </p:ext>
+    </p:extLst>
+  </p:cSld>
+  <p:clrMapOvr>
+    <a:masterClrMapping/>
+  </p:clrMapOvr>
+</p:sld>
+</file>
+
+<file path=ppt/slides/slide13.xml><?xml version="1.0" encoding="utf-8"?>
+<p:sld xmlns:a="http://schemas.openxmlformats.org/drawingml/2006/main" xmlns:r="http://schemas.openxmlformats.org/officeDocument/2006/relationships" xmlns:p="http://schemas.openxmlformats.org/presentationml/2006/main">
+  <p:cSld>
+    <p:spTree>
+      <p:nvGrpSpPr>
+        <p:cNvPr id="1" name=""/>
+        <p:cNvGrpSpPr/>
+        <p:nvPr/>
+      </p:nvGrpSpPr>
+      <p:grpSpPr>
+        <a:xfrm>
+          <a:off x="0" y="0"/>
+          <a:ext cx="0" cy="0"/>
+          <a:chOff x="0" y="0"/>
+          <a:chExt cx="0" cy="0"/>
+        </a:xfrm>
+      </p:grpSpPr>
+      <mc:AlternateContent xmlns:mc="http://schemas.openxmlformats.org/markup-compatibility/2006">
+        <mc:Choice xmlns:a14="http://schemas.microsoft.com/office/drawing/2010/main" Requires="a14">
+          <p:sp>
+            <p:nvSpPr>
+              <p:cNvPr id="2" name="Title 1">
+                <a:extLst>
+                  <a:ext uri="{FF2B5EF4-FFF2-40B4-BE49-F238E27FC236}">
+                    <a16:creationId xmlns:a16="http://schemas.microsoft.com/office/drawing/2014/main" id="{988CD1BA-A8F6-D091-EA7C-ECA68E1B7725}"/>
+                  </a:ext>
+                </a:extLst>
+              </p:cNvPr>
+              <p:cNvSpPr>
+                <a:spLocks noGrp="1"/>
+              </p:cNvSpPr>
+              <p:nvPr>
+                <p:ph type="title"/>
+              </p:nvPr>
+            </p:nvSpPr>
+            <p:spPr/>
+            <p:txBody>
+              <a:bodyPr/>
+              <a:lstStyle/>
+              <a:p>
+                <a:r>
+                  <a:rPr lang="en-US" dirty="0"/>
+                  <a:t>NHPPP, where you know </a:t>
+                </a:r>
+                <a14:m>
+                  <m:oMath xmlns:m="http://schemas.openxmlformats.org/officeDocument/2006/math">
+                    <m:r>
+                      <a:rPr lang="en-US" b="0" i="1" smtClean="0">
+                        <a:latin typeface="Cambria Math" panose="02040503050406030204" pitchFamily="18" charset="0"/>
+                      </a:rPr>
+                      <m:t>𝜆</m:t>
+                    </m:r>
+                    <m:d>
+                      <m:dPr>
+                        <m:ctrlPr>
+                          <a:rPr lang="en-US" b="0" i="1" smtClean="0">
+                            <a:latin typeface="Cambria Math" panose="02040503050406030204" pitchFamily="18" charset="0"/>
+                          </a:rPr>
+                        </m:ctrlPr>
+                      </m:dPr>
+                      <m:e>
+                        <m:r>
+                          <a:rPr lang="en-US" b="0" i="1" smtClean="0">
+                            <a:latin typeface="Cambria Math" panose="02040503050406030204" pitchFamily="18" charset="0"/>
+                          </a:rPr>
+                          <m:t>𝑡</m:t>
+                        </m:r>
+                      </m:e>
+                    </m:d>
+                  </m:oMath>
+                </a14:m>
+                <a:r>
+                  <a:rPr lang="en-US" dirty="0"/>
+                  <a:t>: Thinning</a:t>
+                </a:r>
+              </a:p>
+            </p:txBody>
+          </p:sp>
+        </mc:Choice>
+        <mc:Fallback>
+          <p:sp>
+            <p:nvSpPr>
+              <p:cNvPr id="2" name="Title 1">
+                <a:extLst>
+                  <a:ext uri="{FF2B5EF4-FFF2-40B4-BE49-F238E27FC236}">
+                    <a16:creationId xmlns:a16="http://schemas.microsoft.com/office/drawing/2014/main" id="{988CD1BA-A8F6-D091-EA7C-ECA68E1B7725}"/>
+                  </a:ext>
+                </a:extLst>
+              </p:cNvPr>
+              <p:cNvSpPr>
+                <a:spLocks noGrp="1" noRot="1" noChangeAspect="1" noMove="1" noResize="1" noEditPoints="1" noAdjustHandles="1" noChangeArrowheads="1" noChangeShapeType="1" noTextEdit="1"/>
+              </p:cNvSpPr>
+              <p:nvPr>
+                <p:ph type="title"/>
+              </p:nvPr>
+            </p:nvSpPr>
+            <p:spPr>
+              <a:blipFill>
+                <a:blip r:embed="rId2"/>
+                <a:stretch>
+                  <a:fillRect l="-2413"/>
+                </a:stretch>
+              </a:blipFill>
+            </p:spPr>
+            <p:txBody>
+              <a:bodyPr/>
+              <a:lstStyle/>
+              <a:p>
+                <a:r>
+                  <a:rPr lang="en-US">
+                    <a:noFill/>
+                  </a:rPr>
+                  <a:t> </a:t>
+                </a:r>
+              </a:p>
+            </p:txBody>
+          </p:sp>
+        </mc:Fallback>
+      </mc:AlternateContent>
+      <mc:AlternateContent xmlns:mc="http://schemas.openxmlformats.org/markup-compatibility/2006">
+        <mc:Choice xmlns:a14="http://schemas.microsoft.com/office/drawing/2010/main" Requires="a14">
+          <p:sp>
+            <p:nvSpPr>
+              <p:cNvPr id="3" name="Content Placeholder 2">
+                <a:extLst>
+                  <a:ext uri="{FF2B5EF4-FFF2-40B4-BE49-F238E27FC236}">
+                    <a16:creationId xmlns:a16="http://schemas.microsoft.com/office/drawing/2014/main" id="{2627291E-13CD-D070-7EC1-0CCF73B094D9}"/>
+                  </a:ext>
+                </a:extLst>
+              </p:cNvPr>
+              <p:cNvSpPr>
+                <a:spLocks noGrp="1"/>
+              </p:cNvSpPr>
+              <p:nvPr>
+                <p:ph sz="half" idx="1"/>
+              </p:nvPr>
+            </p:nvSpPr>
+            <p:spPr/>
+            <p:txBody>
+              <a:bodyPr>
+                <a:normAutofit/>
+              </a:bodyPr>
+              <a:lstStyle/>
+              <a:p>
+                <a:r>
+                  <a:rPr lang="en-US" dirty="0"/>
+                  <a:t>Find a majorizer function </a:t>
+                </a:r>
+                <a14:m>
+                  <m:oMath xmlns:m="http://schemas.openxmlformats.org/officeDocument/2006/math">
+                    <m:sSub>
+                      <m:sSubPr>
+                        <m:ctrlPr>
+                          <a:rPr lang="en-US" b="0" i="1" smtClean="0">
+                            <a:latin typeface="Cambria Math" panose="02040503050406030204" pitchFamily="18" charset="0"/>
+                          </a:rPr>
+                        </m:ctrlPr>
+                      </m:sSubPr>
+                      <m:e>
+                        <m:r>
+                          <a:rPr lang="en-US" b="0" i="1" smtClean="0">
+                            <a:latin typeface="Cambria Math" panose="02040503050406030204" pitchFamily="18" charset="0"/>
+                          </a:rPr>
+                          <m:t>𝜆</m:t>
+                        </m:r>
+                      </m:e>
+                      <m:sub>
+                        <m:r>
+                          <a:rPr lang="en-US" b="0" i="1" smtClean="0">
+                            <a:latin typeface="Cambria Math" panose="02040503050406030204" pitchFamily="18" charset="0"/>
+                          </a:rPr>
+                          <m:t>∗</m:t>
+                        </m:r>
+                      </m:sub>
+                    </m:sSub>
+                  </m:oMath>
+                </a14:m>
+                <a:r>
+                  <a:rPr lang="en-US" dirty="0"/>
+                  <a:t> that’s easy to sample</a:t>
+                </a:r>
+              </a:p>
+              <a:p>
+                <a:r>
+                  <a:rPr lang="en-US" dirty="0"/>
+                  <a:t>Draw events </a:t>
+                </a:r>
+                <a14:m>
+                  <m:oMath xmlns:m="http://schemas.openxmlformats.org/officeDocument/2006/math">
+                    <m:d>
+                      <m:dPr>
+                        <m:begChr m:val="{"/>
+                        <m:endChr m:val="}"/>
+                        <m:ctrlPr>
+                          <a:rPr lang="en-US" b="0" i="1" smtClean="0">
+                            <a:latin typeface="Cambria Math" panose="02040503050406030204" pitchFamily="18" charset="0"/>
+                          </a:rPr>
+                        </m:ctrlPr>
+                      </m:dPr>
+                      <m:e>
+                        <m:sSub>
+                          <m:sSubPr>
+                            <m:ctrlPr>
+                              <a:rPr lang="en-US" b="0" i="1" smtClean="0">
+                                <a:latin typeface="Cambria Math" panose="02040503050406030204" pitchFamily="18" charset="0"/>
+                              </a:rPr>
+                            </m:ctrlPr>
+                          </m:sSubPr>
+                          <m:e>
+                            <m:r>
+                              <a:rPr lang="en-US" b="0" i="1" smtClean="0">
+                                <a:latin typeface="Cambria Math" panose="02040503050406030204" pitchFamily="18" charset="0"/>
+                              </a:rPr>
+                              <m:t>𝑍</m:t>
+                            </m:r>
+                          </m:e>
+                          <m:sub>
+                            <m:r>
+                              <a:rPr lang="en-US" b="0" i="1" smtClean="0">
+                                <a:latin typeface="Cambria Math" panose="02040503050406030204" pitchFamily="18" charset="0"/>
+                              </a:rPr>
+                              <m:t>∗1</m:t>
+                            </m:r>
+                          </m:sub>
+                        </m:sSub>
+                        <m:r>
+                          <a:rPr lang="en-US" b="0" i="1" smtClean="0">
+                            <a:latin typeface="Cambria Math" panose="02040503050406030204" pitchFamily="18" charset="0"/>
+                          </a:rPr>
+                          <m:t>,</m:t>
+                        </m:r>
+                        <m:r>
+                          <m:rPr>
+                            <m:lit/>
+                          </m:rPr>
+                          <a:rPr lang="en-US" b="0" i="1" smtClean="0">
+                            <a:latin typeface="Cambria Math" panose="02040503050406030204" pitchFamily="18" charset="0"/>
+                          </a:rPr>
+                          <m:t>…</m:t>
+                        </m:r>
+                      </m:e>
+                    </m:d>
+                  </m:oMath>
+                </a14:m>
+                <a:r>
+                  <a:rPr lang="en-US" dirty="0"/>
+                  <a:t> from </a:t>
+                </a:r>
+                <a14:m>
+                  <m:oMath xmlns:m="http://schemas.openxmlformats.org/officeDocument/2006/math">
+                    <m:sSub>
+                      <m:sSubPr>
+                        <m:ctrlPr>
+                          <a:rPr lang="en-US" i="1">
+                            <a:latin typeface="Cambria Math" panose="02040503050406030204" pitchFamily="18" charset="0"/>
+                          </a:rPr>
+                        </m:ctrlPr>
+                      </m:sSubPr>
+                      <m:e>
+                        <m:r>
+                          <a:rPr lang="en-US" i="1">
+                            <a:latin typeface="Cambria Math" panose="02040503050406030204" pitchFamily="18" charset="0"/>
+                          </a:rPr>
+                          <m:t>𝜆</m:t>
+                        </m:r>
+                      </m:e>
+                      <m:sub>
+                        <m:r>
+                          <a:rPr lang="en-US" i="1">
+                            <a:latin typeface="Cambria Math" panose="02040503050406030204" pitchFamily="18" charset="0"/>
+                          </a:rPr>
+                          <m:t>∗</m:t>
+                        </m:r>
+                      </m:sub>
+                    </m:sSub>
+                  </m:oMath>
+                </a14:m>
+                <a:endParaRPr lang="en-US" dirty="0"/>
+              </a:p>
+              <a:p>
+                <a:r>
+                  <a:rPr lang="en-US" dirty="0"/>
+                  <a:t>Accept event </a:t>
+                </a:r>
+                <a14:m>
+                  <m:oMath xmlns:m="http://schemas.openxmlformats.org/officeDocument/2006/math">
+                    <m:r>
+                      <a:rPr lang="en-US" b="0" i="1" smtClean="0">
+                        <a:latin typeface="Cambria Math" panose="02040503050406030204" pitchFamily="18" charset="0"/>
+                      </a:rPr>
+                      <m:t>𝑖</m:t>
+                    </m:r>
+                  </m:oMath>
+                </a14:m>
+                <a:r>
+                  <a:rPr lang="en-US" dirty="0"/>
+                  <a:t> with probability </a:t>
+                </a:r>
+                <a14:m>
+                  <m:oMath xmlns:m="http://schemas.openxmlformats.org/officeDocument/2006/math">
+                    <m:f>
+                      <m:fPr>
+                        <m:ctrlPr>
+                          <a:rPr lang="en-US" i="1" smtClean="0">
+                            <a:latin typeface="Cambria Math" panose="02040503050406030204" pitchFamily="18" charset="0"/>
+                          </a:rPr>
+                        </m:ctrlPr>
+                      </m:fPr>
+                      <m:num>
+                        <m:r>
+                          <a:rPr lang="en-US" b="0" i="1" smtClean="0">
+                            <a:latin typeface="Cambria Math" panose="02040503050406030204" pitchFamily="18" charset="0"/>
+                          </a:rPr>
+                          <m:t>𝜆</m:t>
+                        </m:r>
+                        <m:r>
+                          <a:rPr lang="en-US" b="0" i="1" smtClean="0">
+                            <a:latin typeface="Cambria Math" panose="02040503050406030204" pitchFamily="18" charset="0"/>
+                          </a:rPr>
+                          <m:t>(</m:t>
+                        </m:r>
+                        <m:sSub>
+                          <m:sSubPr>
+                            <m:ctrlPr>
+                              <a:rPr lang="en-US" b="0" i="1" smtClean="0">
+                                <a:latin typeface="Cambria Math" panose="02040503050406030204" pitchFamily="18" charset="0"/>
+                              </a:rPr>
+                            </m:ctrlPr>
+                          </m:sSubPr>
+                          <m:e>
+                            <m:r>
+                              <a:rPr lang="en-US" b="0" i="1" smtClean="0">
+                                <a:latin typeface="Cambria Math" panose="02040503050406030204" pitchFamily="18" charset="0"/>
+                              </a:rPr>
+                              <m:t>𝑍</m:t>
+                            </m:r>
+                          </m:e>
+                          <m:sub>
+                            <m:r>
+                              <a:rPr lang="en-US" b="0" i="1" smtClean="0">
+                                <a:latin typeface="Cambria Math" panose="02040503050406030204" pitchFamily="18" charset="0"/>
+                              </a:rPr>
+                              <m:t>𝑖</m:t>
+                            </m:r>
+                          </m:sub>
+                        </m:sSub>
+                        <m:r>
+                          <a:rPr lang="en-US" b="0" i="1" smtClean="0">
+                            <a:latin typeface="Cambria Math" panose="02040503050406030204" pitchFamily="18" charset="0"/>
+                          </a:rPr>
+                          <m:t>)</m:t>
+                        </m:r>
+                      </m:num>
+                      <m:den>
+                        <m:sSub>
+                          <m:sSubPr>
+                            <m:ctrlPr>
+                              <a:rPr lang="en-US" b="0" i="1" smtClean="0">
+                                <a:latin typeface="Cambria Math" panose="02040503050406030204" pitchFamily="18" charset="0"/>
+                              </a:rPr>
+                            </m:ctrlPr>
+                          </m:sSubPr>
+                          <m:e>
+                            <m:r>
+                              <a:rPr lang="en-US" b="0" i="1" smtClean="0">
+                                <a:latin typeface="Cambria Math" panose="02040503050406030204" pitchFamily="18" charset="0"/>
+                              </a:rPr>
+                              <m:t>𝜆</m:t>
+                            </m:r>
+                          </m:e>
+                          <m:sub>
+                            <m:r>
+                              <a:rPr lang="en-US" b="0" i="1" smtClean="0">
+                                <a:latin typeface="Cambria Math" panose="02040503050406030204" pitchFamily="18" charset="0"/>
+                              </a:rPr>
+                              <m:t>∗</m:t>
+                            </m:r>
+                          </m:sub>
+                        </m:sSub>
+                        <m:r>
+                          <a:rPr lang="en-US" b="0" i="1" smtClean="0">
+                            <a:latin typeface="Cambria Math" panose="02040503050406030204" pitchFamily="18" charset="0"/>
+                          </a:rPr>
+                          <m:t>(</m:t>
+                        </m:r>
+                        <m:sSub>
+                          <m:sSubPr>
+                            <m:ctrlPr>
+                              <a:rPr lang="en-US" b="0" i="1" smtClean="0">
+                                <a:latin typeface="Cambria Math" panose="02040503050406030204" pitchFamily="18" charset="0"/>
+                              </a:rPr>
+                            </m:ctrlPr>
+                          </m:sSubPr>
+                          <m:e>
+                            <m:r>
+                              <a:rPr lang="en-US" b="0" i="1" smtClean="0">
+                                <a:latin typeface="Cambria Math" panose="02040503050406030204" pitchFamily="18" charset="0"/>
+                              </a:rPr>
+                              <m:t>𝑍</m:t>
+                            </m:r>
+                          </m:e>
+                          <m:sub>
+                            <m:r>
+                              <a:rPr lang="en-US" b="0" i="1" smtClean="0">
+                                <a:latin typeface="Cambria Math" panose="02040503050406030204" pitchFamily="18" charset="0"/>
+                              </a:rPr>
+                              <m:t>𝑖</m:t>
+                            </m:r>
+                          </m:sub>
+                        </m:sSub>
+                        <m:r>
+                          <a:rPr lang="en-US" b="0" i="1" smtClean="0">
+                            <a:latin typeface="Cambria Math" panose="02040503050406030204" pitchFamily="18" charset="0"/>
+                          </a:rPr>
+                          <m:t>)</m:t>
+                        </m:r>
+                      </m:den>
+                    </m:f>
+                  </m:oMath>
+                </a14:m>
+                <a:r>
+                  <a:rPr lang="en-US" dirty="0"/>
+                  <a:t>  </a:t>
+                </a:r>
+              </a:p>
+              <a:p>
+                <a:r>
+                  <a:rPr lang="en-US" dirty="0">
+                    <a:solidFill>
+                      <a:srgbClr val="FF0000"/>
+                    </a:solidFill>
+                  </a:rPr>
+                  <a:t>The set of accepted points is an instantiation from </a:t>
+                </a:r>
+                <a14:m>
+                  <m:oMath xmlns:m="http://schemas.openxmlformats.org/officeDocument/2006/math">
+                    <m:r>
+                      <a:rPr lang="en-US" b="0" i="1" smtClean="0">
+                        <a:solidFill>
+                          <a:srgbClr val="FF0000"/>
+                        </a:solidFill>
+                        <a:latin typeface="Cambria Math" panose="02040503050406030204" pitchFamily="18" charset="0"/>
+                      </a:rPr>
+                      <m:t>𝜆</m:t>
+                    </m:r>
+                    <m:r>
+                      <a:rPr lang="en-US" b="0" i="1" smtClean="0">
+                        <a:solidFill>
+                          <a:srgbClr val="FF0000"/>
+                        </a:solidFill>
+                        <a:latin typeface="Cambria Math" panose="02040503050406030204" pitchFamily="18" charset="0"/>
+                      </a:rPr>
+                      <m:t>(</m:t>
+                    </m:r>
+                    <m:r>
+                      <a:rPr lang="en-US" b="0" i="1" smtClean="0">
+                        <a:solidFill>
+                          <a:srgbClr val="FF0000"/>
+                        </a:solidFill>
+                        <a:latin typeface="Cambria Math" panose="02040503050406030204" pitchFamily="18" charset="0"/>
+                      </a:rPr>
+                      <m:t>𝑡</m:t>
+                    </m:r>
+                    <m:r>
+                      <a:rPr lang="en-US" b="0" i="1" smtClean="0">
+                        <a:solidFill>
+                          <a:srgbClr val="FF0000"/>
+                        </a:solidFill>
+                        <a:latin typeface="Cambria Math" panose="02040503050406030204" pitchFamily="18" charset="0"/>
+                      </a:rPr>
+                      <m:t>)</m:t>
+                    </m:r>
+                  </m:oMath>
+                </a14:m>
+                <a:r>
+                  <a:rPr lang="en-US" dirty="0">
+                    <a:solidFill>
+                      <a:srgbClr val="FF0000"/>
+                    </a:solidFill>
+                  </a:rPr>
+                  <a:t> </a:t>
+                </a:r>
+              </a:p>
+              <a:p>
+                <a:pPr marL="0" indent="0" algn="r">
+                  <a:buNone/>
+                </a:pPr>
+                <a:br>
+                  <a:rPr lang="en-US" dirty="0">
+                    <a:solidFill>
+                      <a:srgbClr val="FF0000"/>
+                    </a:solidFill>
+                  </a:rPr>
+                </a:br>
+                <a:r>
+                  <a:rPr lang="en-US" dirty="0">
+                    <a:solidFill>
+                      <a:srgbClr val="FF0000"/>
+                    </a:solidFill>
+                  </a:rPr>
+                  <a:t>(</a:t>
+                </a:r>
+                <a:r>
+                  <a:rPr lang="en-US" b="1" dirty="0">
+                    <a:solidFill>
+                      <a:srgbClr val="FF0000"/>
+                    </a:solidFill>
+                  </a:rPr>
+                  <a:t>composability</a:t>
+                </a:r>
+                <a:r>
+                  <a:rPr lang="en-US" dirty="0">
+                    <a:solidFill>
+                      <a:srgbClr val="FF0000"/>
+                    </a:solidFill>
+                  </a:rPr>
+                  <a:t>)</a:t>
+                </a:r>
+              </a:p>
+            </p:txBody>
+          </p:sp>
+        </mc:Choice>
+        <mc:Fallback>
+          <p:sp>
+            <p:nvSpPr>
+              <p:cNvPr id="3" name="Content Placeholder 2">
+                <a:extLst>
+                  <a:ext uri="{FF2B5EF4-FFF2-40B4-BE49-F238E27FC236}">
+                    <a16:creationId xmlns:a16="http://schemas.microsoft.com/office/drawing/2014/main" id="{2627291E-13CD-D070-7EC1-0CCF73B094D9}"/>
+                  </a:ext>
+                </a:extLst>
+              </p:cNvPr>
+              <p:cNvSpPr>
+                <a:spLocks noGrp="1" noRot="1" noChangeAspect="1" noMove="1" noResize="1" noEditPoints="1" noAdjustHandles="1" noChangeArrowheads="1" noChangeShapeType="1" noTextEdit="1"/>
+              </p:cNvSpPr>
+              <p:nvPr>
+                <p:ph sz="half" idx="1"/>
+              </p:nvPr>
+            </p:nvSpPr>
+            <p:spPr>
+              <a:blipFill>
+                <a:blip r:embed="rId3"/>
+                <a:stretch>
+                  <a:fillRect l="-2200" t="-2326" r="-2200" b="-2616"/>
+                </a:stretch>
+              </a:blipFill>
+            </p:spPr>
+            <p:txBody>
+              <a:bodyPr/>
+              <a:lstStyle/>
+              <a:p>
+                <a:r>
+                  <a:rPr lang="en-US">
+                    <a:noFill/>
+                  </a:rPr>
+                  <a:t> </a:t>
+                </a:r>
+              </a:p>
+            </p:txBody>
+          </p:sp>
+        </mc:Fallback>
+      </mc:AlternateContent>
+      <p:pic>
+        <p:nvPicPr>
+          <p:cNvPr id="6" name="Content Placeholder 5">
+            <a:extLst>
+              <a:ext uri="{FF2B5EF4-FFF2-40B4-BE49-F238E27FC236}">
+                <a16:creationId xmlns:a16="http://schemas.microsoft.com/office/drawing/2014/main" id="{5A59E55B-4F8B-5FF3-B1A5-25A03DC8793F}"/>
+              </a:ext>
+            </a:extLst>
+          </p:cNvPr>
+          <p:cNvPicPr>
+            <a:picLocks noGrp="1" noChangeAspect="1"/>
+          </p:cNvPicPr>
+          <p:nvPr>
+            <p:ph sz="half" idx="2"/>
+          </p:nvPr>
+        </p:nvPicPr>
+        <p:blipFill>
+          <a:blip r:embed="rId4"/>
+          <a:stretch>
+            <a:fillRect/>
+          </a:stretch>
+        </p:blipFill>
+        <p:spPr>
+          <a:xfrm>
+            <a:off x="6477000" y="2629694"/>
+            <a:ext cx="4572000" cy="2743200"/>
+          </a:xfrm>
+        </p:spPr>
+      </p:pic>
+    </p:spTree>
+    <p:extLst>
+      <p:ext uri="{BB962C8B-B14F-4D97-AF65-F5344CB8AC3E}">
+        <p14:creationId xmlns:p14="http://schemas.microsoft.com/office/powerpoint/2010/main" val="494648471"/>
+      </p:ext>
+    </p:extLst>
+  </p:cSld>
+  <p:clrMapOvr>
+    <a:masterClrMapping/>
+  </p:clrMapOvr>
+</p:sld>
+</file>
+
+<file path=ppt/slides/slide14.xml><?xml version="1.0" encoding="utf-8"?>
+<p:sld xmlns:a="http://schemas.openxmlformats.org/drawingml/2006/main" xmlns:r="http://schemas.openxmlformats.org/officeDocument/2006/relationships" xmlns:p="http://schemas.openxmlformats.org/presentationml/2006/main">
+  <p:cSld>
+    <p:spTree>
+      <p:nvGrpSpPr>
+        <p:cNvPr id="1" name=""/>
+        <p:cNvGrpSpPr/>
+        <p:nvPr/>
+      </p:nvGrpSpPr>
+      <p:grpSpPr>
+        <a:xfrm>
+          <a:off x="0" y="0"/>
+          <a:ext cx="0" cy="0"/>
+          <a:chOff x="0" y="0"/>
+          <a:chExt cx="0" cy="0"/>
+        </a:xfrm>
+      </p:grpSpPr>
+      <p:sp>
+        <p:nvSpPr>
+          <p:cNvPr id="2" name="Title 1">
+            <a:extLst>
+              <a:ext uri="{FF2B5EF4-FFF2-40B4-BE49-F238E27FC236}">
+                <a16:creationId xmlns:a16="http://schemas.microsoft.com/office/drawing/2014/main" id="{BFDE442A-819B-9DF4-37C9-7F09B725CA6C}"/>
+              </a:ext>
+            </a:extLst>
+          </p:cNvPr>
+          <p:cNvSpPr>
+            <a:spLocks noGrp="1"/>
+          </p:cNvSpPr>
+          <p:nvPr>
+            <p:ph type="title"/>
+          </p:nvPr>
+        </p:nvSpPr>
+        <p:spPr/>
+        <p:txBody>
+          <a:bodyPr/>
+          <a:lstStyle/>
+          <a:p>
+            <a:r>
+              <a:rPr lang="en-US" dirty="0"/>
+              <a:t>Thinning, efficiency</a:t>
+            </a:r>
+          </a:p>
+        </p:txBody>
+      </p:sp>
+      <mc:AlternateContent xmlns:mc="http://schemas.openxmlformats.org/markup-compatibility/2006">
+        <mc:Choice xmlns:a14="http://schemas.microsoft.com/office/drawing/2010/main" Requires="a14">
+          <p:sp>
+            <p:nvSpPr>
+              <p:cNvPr id="3" name="Content Placeholder 2">
+                <a:extLst>
+                  <a:ext uri="{FF2B5EF4-FFF2-40B4-BE49-F238E27FC236}">
+                    <a16:creationId xmlns:a16="http://schemas.microsoft.com/office/drawing/2014/main" id="{FCC33841-36E1-1820-7A2D-2E6015B9A4CA}"/>
+                  </a:ext>
+                </a:extLst>
+              </p:cNvPr>
+              <p:cNvSpPr>
+                <a:spLocks noGrp="1"/>
+              </p:cNvSpPr>
+              <p:nvPr>
+                <p:ph sz="half" idx="1"/>
+              </p:nvPr>
+            </p:nvSpPr>
+            <p:spPr/>
+            <p:txBody>
+              <a:bodyPr/>
+              <a:lstStyle/>
+              <a:p>
+                <a:r>
+                  <a:rPr lang="en-US" dirty="0"/>
+                  <a:t>Thinning efficiency: average fraction of proposals that are accepted </a:t>
+                </a:r>
+              </a:p>
+              <a:p>
+                <a:r>
+                  <a:rPr lang="en-US" dirty="0"/>
+                  <a:t>Depends on the choice of </a:t>
+                </a:r>
+                <a14:m>
+                  <m:oMath xmlns:m="http://schemas.openxmlformats.org/officeDocument/2006/math">
+                    <m:sSub>
+                      <m:sSubPr>
+                        <m:ctrlPr>
+                          <a:rPr lang="en-US" b="0" i="1" smtClean="0">
+                            <a:latin typeface="Cambria Math" panose="02040503050406030204" pitchFamily="18" charset="0"/>
+                          </a:rPr>
+                        </m:ctrlPr>
+                      </m:sSubPr>
+                      <m:e>
+                        <m:r>
+                          <a:rPr lang="en-US" b="0" i="1" smtClean="0">
+                            <a:latin typeface="Cambria Math" panose="02040503050406030204" pitchFamily="18" charset="0"/>
+                          </a:rPr>
+                          <m:t>𝜆</m:t>
+                        </m:r>
+                      </m:e>
+                      <m:sub>
+                        <m:r>
+                          <a:rPr lang="en-US" b="0" i="1" smtClean="0">
+                            <a:latin typeface="Cambria Math" panose="02040503050406030204" pitchFamily="18" charset="0"/>
+                          </a:rPr>
+                          <m:t>∗</m:t>
+                        </m:r>
+                      </m:sub>
+                    </m:sSub>
+                  </m:oMath>
+                </a14:m>
+                <a:endParaRPr lang="en-US" dirty="0"/>
+              </a:p>
+              <a:p>
+                <a:r>
+                  <a:rPr lang="en-US" dirty="0"/>
+                  <a:t>The smaller the blue area, the better the efficiency</a:t>
+                </a:r>
+              </a:p>
+            </p:txBody>
+          </p:sp>
+        </mc:Choice>
+        <mc:Fallback>
+          <p:sp>
+            <p:nvSpPr>
+              <p:cNvPr id="3" name="Content Placeholder 2">
+                <a:extLst>
+                  <a:ext uri="{FF2B5EF4-FFF2-40B4-BE49-F238E27FC236}">
+                    <a16:creationId xmlns:a16="http://schemas.microsoft.com/office/drawing/2014/main" id="{FCC33841-36E1-1820-7A2D-2E6015B9A4CA}"/>
+                  </a:ext>
+                </a:extLst>
+              </p:cNvPr>
+              <p:cNvSpPr>
+                <a:spLocks noGrp="1" noRot="1" noChangeAspect="1" noMove="1" noResize="1" noEditPoints="1" noAdjustHandles="1" noChangeArrowheads="1" noChangeShapeType="1" noTextEdit="1"/>
+              </p:cNvSpPr>
+              <p:nvPr>
+                <p:ph sz="half" idx="1"/>
+              </p:nvPr>
+            </p:nvSpPr>
+            <p:spPr>
+              <a:blipFill>
+                <a:blip r:embed="rId2"/>
+                <a:stretch>
+                  <a:fillRect l="-2200" t="-2326"/>
+                </a:stretch>
+              </a:blipFill>
+            </p:spPr>
+            <p:txBody>
+              <a:bodyPr/>
+              <a:lstStyle/>
+              <a:p>
+                <a:r>
+                  <a:rPr lang="en-US">
+                    <a:noFill/>
+                  </a:rPr>
+                  <a:t> </a:t>
+                </a:r>
+              </a:p>
+            </p:txBody>
+          </p:sp>
+        </mc:Fallback>
+      </mc:AlternateContent>
+      <p:pic>
+        <p:nvPicPr>
+          <p:cNvPr id="6" name="Content Placeholder 5">
+            <a:extLst>
+              <a:ext uri="{FF2B5EF4-FFF2-40B4-BE49-F238E27FC236}">
+                <a16:creationId xmlns:a16="http://schemas.microsoft.com/office/drawing/2014/main" id="{E62B7F61-8EF0-BCB7-459E-E621E5C92DE7}"/>
+              </a:ext>
+            </a:extLst>
+          </p:cNvPr>
+          <p:cNvPicPr>
+            <a:picLocks noGrp="1" noChangeAspect="1"/>
+          </p:cNvPicPr>
+          <p:nvPr>
+            <p:ph sz="half" idx="2"/>
+          </p:nvPr>
+        </p:nvPicPr>
+        <p:blipFill>
+          <a:blip r:embed="rId3"/>
+          <a:stretch>
+            <a:fillRect/>
+          </a:stretch>
+        </p:blipFill>
+        <p:spPr>
+          <a:xfrm>
+            <a:off x="6477000" y="2629694"/>
+            <a:ext cx="4572000" cy="2743200"/>
+          </a:xfrm>
+        </p:spPr>
+      </p:pic>
+      <p:sp>
+        <p:nvSpPr>
+          <p:cNvPr id="7" name="TextBox 6">
+            <a:extLst>
+              <a:ext uri="{FF2B5EF4-FFF2-40B4-BE49-F238E27FC236}">
+                <a16:creationId xmlns:a16="http://schemas.microsoft.com/office/drawing/2014/main" id="{16F54EE8-760F-8D55-6D2B-B23EF3A48668}"/>
+              </a:ext>
+            </a:extLst>
+          </p:cNvPr>
+          <p:cNvSpPr txBox="1"/>
+          <p:nvPr/>
+        </p:nvSpPr>
+        <p:spPr>
+          <a:xfrm>
+            <a:off x="7763655" y="2260362"/>
+            <a:ext cx="1998689" cy="369332"/>
+          </a:xfrm>
+          <a:prstGeom prst="rect">
+            <a:avLst/>
+          </a:prstGeom>
+          <a:noFill/>
+        </p:spPr>
+        <p:txBody>
+          <a:bodyPr wrap="none" rtlCol="0">
+            <a:spAutoFit/>
+          </a:bodyPr>
+          <a:lstStyle/>
+          <a:p>
+            <a:r>
+              <a:rPr lang="en-US" dirty="0"/>
+              <a:t>Efficiency = 32.9%</a:t>
+            </a:r>
+          </a:p>
+        </p:txBody>
+      </p:sp>
+    </p:spTree>
+    <p:extLst>
+      <p:ext uri="{BB962C8B-B14F-4D97-AF65-F5344CB8AC3E}">
+        <p14:creationId xmlns:p14="http://schemas.microsoft.com/office/powerpoint/2010/main" val="914509793"/>
+      </p:ext>
+    </p:extLst>
+  </p:cSld>
+  <p:clrMapOvr>
+    <a:masterClrMapping/>
+  </p:clrMapOvr>
+</p:sld>
+</file>
+
+<file path=ppt/slides/slide15.xml><?xml version="1.0" encoding="utf-8"?>
+<p:sld xmlns:a="http://schemas.openxmlformats.org/drawingml/2006/main" xmlns:r="http://schemas.openxmlformats.org/officeDocument/2006/relationships" xmlns:p="http://schemas.openxmlformats.org/presentationml/2006/main">
+  <p:cSld>
+    <p:spTree>
+      <p:nvGrpSpPr>
+        <p:cNvPr id="1" name="">
+          <a:extLst>
+            <a:ext uri="{FF2B5EF4-FFF2-40B4-BE49-F238E27FC236}">
+              <a16:creationId xmlns:a16="http://schemas.microsoft.com/office/drawing/2014/main" id="{E9AE83D9-A01B-E5C8-66F1-C6B08D4A435F}"/>
+            </a:ext>
+          </a:extLst>
+        </p:cNvPr>
+        <p:cNvGrpSpPr/>
+        <p:nvPr/>
+      </p:nvGrpSpPr>
+      <p:grpSpPr>
+        <a:xfrm>
+          <a:off x="0" y="0"/>
+          <a:ext cx="0" cy="0"/>
+          <a:chOff x="0" y="0"/>
+          <a:chExt cx="0" cy="0"/>
+        </a:xfrm>
+      </p:grpSpPr>
+      <p:sp>
+        <p:nvSpPr>
+          <p:cNvPr id="2" name="Title 1">
+            <a:extLst>
+              <a:ext uri="{FF2B5EF4-FFF2-40B4-BE49-F238E27FC236}">
+                <a16:creationId xmlns:a16="http://schemas.microsoft.com/office/drawing/2014/main" id="{BE1C6A30-FAD0-18CB-C8DC-961AE9C4E8AE}"/>
+              </a:ext>
+            </a:extLst>
+          </p:cNvPr>
+          <p:cNvSpPr>
+            <a:spLocks noGrp="1"/>
+          </p:cNvSpPr>
+          <p:nvPr>
+            <p:ph type="title"/>
+          </p:nvPr>
+        </p:nvSpPr>
+        <p:spPr/>
+        <p:txBody>
+          <a:bodyPr/>
+          <a:lstStyle/>
+          <a:p>
+            <a:r>
+              <a:rPr lang="en-US" dirty="0"/>
+              <a:t>Thinning, efficiency</a:t>
+            </a:r>
+          </a:p>
+        </p:txBody>
+      </p:sp>
+      <mc:AlternateContent xmlns:mc="http://schemas.openxmlformats.org/markup-compatibility/2006">
+        <mc:Choice xmlns:a14="http://schemas.microsoft.com/office/drawing/2010/main" Requires="a14">
+          <p:sp>
+            <p:nvSpPr>
+              <p:cNvPr id="3" name="Content Placeholder 2">
+                <a:extLst>
+                  <a:ext uri="{FF2B5EF4-FFF2-40B4-BE49-F238E27FC236}">
+                    <a16:creationId xmlns:a16="http://schemas.microsoft.com/office/drawing/2014/main" id="{751197C3-CE53-33DD-A3DA-2046EE6DC3F3}"/>
+                  </a:ext>
+                </a:extLst>
+              </p:cNvPr>
+              <p:cNvSpPr>
+                <a:spLocks noGrp="1"/>
+              </p:cNvSpPr>
+              <p:nvPr>
+                <p:ph sz="half" idx="1"/>
+              </p:nvPr>
+            </p:nvSpPr>
+            <p:spPr/>
+            <p:txBody>
+              <a:bodyPr/>
+              <a:lstStyle/>
+              <a:p>
+                <a:r>
+                  <a:rPr lang="en-US" dirty="0"/>
+                  <a:t>Thinning efficiency: average fraction of proposals that are accepted </a:t>
+                </a:r>
+              </a:p>
+              <a:p>
+                <a:r>
+                  <a:rPr lang="en-US" dirty="0"/>
+                  <a:t>Depends on the choice of </a:t>
+                </a:r>
+                <a14:m>
+                  <m:oMath xmlns:m="http://schemas.openxmlformats.org/officeDocument/2006/math">
+                    <m:sSub>
+                      <m:sSubPr>
+                        <m:ctrlPr>
+                          <a:rPr lang="en-US" b="0" i="1" smtClean="0">
+                            <a:latin typeface="Cambria Math" panose="02040503050406030204" pitchFamily="18" charset="0"/>
+                          </a:rPr>
+                        </m:ctrlPr>
+                      </m:sSubPr>
+                      <m:e>
+                        <m:r>
+                          <a:rPr lang="en-US" b="0" i="1" smtClean="0">
+                            <a:latin typeface="Cambria Math" panose="02040503050406030204" pitchFamily="18" charset="0"/>
+                          </a:rPr>
+                          <m:t>𝜆</m:t>
+                        </m:r>
+                      </m:e>
+                      <m:sub>
+                        <m:r>
+                          <a:rPr lang="en-US" b="0" i="1" smtClean="0">
+                            <a:latin typeface="Cambria Math" panose="02040503050406030204" pitchFamily="18" charset="0"/>
+                          </a:rPr>
+                          <m:t>∗</m:t>
+                        </m:r>
+                      </m:sub>
+                    </m:sSub>
+                  </m:oMath>
+                </a14:m>
+                <a:endParaRPr lang="en-US" dirty="0"/>
+              </a:p>
+              <a:p>
+                <a:r>
+                  <a:rPr lang="en-US" dirty="0"/>
+                  <a:t>The smaller the blue area, the better the efficiency</a:t>
+                </a:r>
+              </a:p>
+            </p:txBody>
+          </p:sp>
+        </mc:Choice>
+        <mc:Fallback>
+          <p:sp>
+            <p:nvSpPr>
+              <p:cNvPr id="3" name="Content Placeholder 2">
+                <a:extLst>
+                  <a:ext uri="{FF2B5EF4-FFF2-40B4-BE49-F238E27FC236}">
+                    <a16:creationId xmlns:a16="http://schemas.microsoft.com/office/drawing/2014/main" id="{751197C3-CE53-33DD-A3DA-2046EE6DC3F3}"/>
+                  </a:ext>
+                </a:extLst>
+              </p:cNvPr>
+              <p:cNvSpPr>
+                <a:spLocks noGrp="1" noRot="1" noChangeAspect="1" noMove="1" noResize="1" noEditPoints="1" noAdjustHandles="1" noChangeArrowheads="1" noChangeShapeType="1" noTextEdit="1"/>
+              </p:cNvSpPr>
+              <p:nvPr>
+                <p:ph sz="half" idx="1"/>
+              </p:nvPr>
+            </p:nvSpPr>
+            <p:spPr>
+              <a:blipFill>
+                <a:blip r:embed="rId2"/>
+                <a:stretch>
+                  <a:fillRect l="-2200" t="-2326"/>
+                </a:stretch>
+              </a:blipFill>
+            </p:spPr>
+            <p:txBody>
+              <a:bodyPr/>
+              <a:lstStyle/>
+              <a:p>
+                <a:r>
+                  <a:rPr lang="en-US">
+                    <a:noFill/>
+                  </a:rPr>
+                  <a:t> </a:t>
+                </a:r>
+              </a:p>
+            </p:txBody>
+          </p:sp>
+        </mc:Fallback>
+      </mc:AlternateContent>
+      <p:sp>
+        <p:nvSpPr>
+          <p:cNvPr id="7" name="TextBox 6">
+            <a:extLst>
+              <a:ext uri="{FF2B5EF4-FFF2-40B4-BE49-F238E27FC236}">
+                <a16:creationId xmlns:a16="http://schemas.microsoft.com/office/drawing/2014/main" id="{1A52277B-AB09-7B75-E643-4A4B13CAE9D2}"/>
+              </a:ext>
+            </a:extLst>
+          </p:cNvPr>
+          <p:cNvSpPr txBox="1"/>
+          <p:nvPr/>
+        </p:nvSpPr>
+        <p:spPr>
+          <a:xfrm>
+            <a:off x="7763655" y="2260362"/>
+            <a:ext cx="2064411" cy="369332"/>
+          </a:xfrm>
+          <a:prstGeom prst="rect">
+            <a:avLst/>
+          </a:prstGeom>
+          <a:noFill/>
+        </p:spPr>
+        <p:txBody>
+          <a:bodyPr wrap="none" rtlCol="0">
+            <a:spAutoFit/>
+          </a:bodyPr>
+          <a:lstStyle/>
+          <a:p>
+            <a:r>
+              <a:rPr lang="en-US" dirty="0"/>
+              <a:t>Efficiency = 36.7%</a:t>
+            </a:r>
+          </a:p>
+        </p:txBody>
+      </p:sp>
+      <p:pic>
+        <p:nvPicPr>
+          <p:cNvPr id="9" name="Content Placeholder 8">
+            <a:extLst>
+              <a:ext uri="{FF2B5EF4-FFF2-40B4-BE49-F238E27FC236}">
+                <a16:creationId xmlns:a16="http://schemas.microsoft.com/office/drawing/2014/main" id="{7517D772-EC56-7659-7FBB-C4EECE9ABD38}"/>
+              </a:ext>
+            </a:extLst>
+          </p:cNvPr>
+          <p:cNvPicPr>
+            <a:picLocks noGrp="1" noChangeAspect="1"/>
+          </p:cNvPicPr>
+          <p:nvPr>
+            <p:ph sz="half" idx="2"/>
+          </p:nvPr>
+        </p:nvPicPr>
+        <p:blipFill>
+          <a:blip r:embed="rId3"/>
+          <a:stretch>
+            <a:fillRect/>
+          </a:stretch>
+        </p:blipFill>
+        <p:spPr>
+          <a:xfrm>
+            <a:off x="6477000" y="2629694"/>
+            <a:ext cx="4572000" cy="2743200"/>
+          </a:xfrm>
+        </p:spPr>
+      </p:pic>
+    </p:spTree>
+    <p:extLst>
+      <p:ext uri="{BB962C8B-B14F-4D97-AF65-F5344CB8AC3E}">
+        <p14:creationId xmlns:p14="http://schemas.microsoft.com/office/powerpoint/2010/main" val="1777882444"/>
+      </p:ext>
+    </p:extLst>
+  </p:cSld>
+  <p:clrMapOvr>
+    <a:masterClrMapping/>
+  </p:clrMapOvr>
+</p:sld>
+</file>
+
+<file path=ppt/slides/slide16.xml><?xml version="1.0" encoding="utf-8"?>
+<p:sld xmlns:a="http://schemas.openxmlformats.org/drawingml/2006/main" xmlns:r="http://schemas.openxmlformats.org/officeDocument/2006/relationships" xmlns:p="http://schemas.openxmlformats.org/presentationml/2006/main">
+  <p:cSld>
+    <p:spTree>
+      <p:nvGrpSpPr>
+        <p:cNvPr id="1" name="">
+          <a:extLst>
+            <a:ext uri="{FF2B5EF4-FFF2-40B4-BE49-F238E27FC236}">
+              <a16:creationId xmlns:a16="http://schemas.microsoft.com/office/drawing/2014/main" id="{E9F696DA-B356-A549-64F3-B936804397DD}"/>
+            </a:ext>
+          </a:extLst>
+        </p:cNvPr>
+        <p:cNvGrpSpPr/>
+        <p:nvPr/>
+      </p:nvGrpSpPr>
+      <p:grpSpPr>
+        <a:xfrm>
+          <a:off x="0" y="0"/>
+          <a:ext cx="0" cy="0"/>
+          <a:chOff x="0" y="0"/>
+          <a:chExt cx="0" cy="0"/>
+        </a:xfrm>
+      </p:grpSpPr>
+      <p:sp>
+        <p:nvSpPr>
+          <p:cNvPr id="2" name="Title 1">
+            <a:extLst>
+              <a:ext uri="{FF2B5EF4-FFF2-40B4-BE49-F238E27FC236}">
+                <a16:creationId xmlns:a16="http://schemas.microsoft.com/office/drawing/2014/main" id="{035EFC65-7286-FBEE-FD43-07EE0271BAA8}"/>
+              </a:ext>
+            </a:extLst>
+          </p:cNvPr>
+          <p:cNvSpPr>
+            <a:spLocks noGrp="1"/>
+          </p:cNvSpPr>
+          <p:nvPr>
+            <p:ph type="title"/>
+          </p:nvPr>
+        </p:nvSpPr>
+        <p:spPr/>
+        <p:txBody>
+          <a:bodyPr/>
+          <a:lstStyle/>
+          <a:p>
+            <a:r>
+              <a:rPr lang="en-US" dirty="0"/>
+              <a:t>Thinning, efficiency</a:t>
+            </a:r>
+          </a:p>
+        </p:txBody>
+      </p:sp>
+      <mc:AlternateContent xmlns:mc="http://schemas.openxmlformats.org/markup-compatibility/2006">
+        <mc:Choice xmlns:a14="http://schemas.microsoft.com/office/drawing/2010/main" Requires="a14">
+          <p:sp>
+            <p:nvSpPr>
+              <p:cNvPr id="3" name="Content Placeholder 2">
+                <a:extLst>
+                  <a:ext uri="{FF2B5EF4-FFF2-40B4-BE49-F238E27FC236}">
+                    <a16:creationId xmlns:a16="http://schemas.microsoft.com/office/drawing/2014/main" id="{CAA7A300-F53D-00B2-6E10-3D2A65BE4C94}"/>
+                  </a:ext>
+                </a:extLst>
+              </p:cNvPr>
+              <p:cNvSpPr>
+                <a:spLocks noGrp="1"/>
+              </p:cNvSpPr>
+              <p:nvPr>
+                <p:ph sz="half" idx="1"/>
+              </p:nvPr>
+            </p:nvSpPr>
+            <p:spPr/>
+            <p:txBody>
+              <a:bodyPr/>
+              <a:lstStyle/>
+              <a:p>
+                <a:r>
+                  <a:rPr lang="en-US" dirty="0"/>
+                  <a:t>Thinning efficiency: average fraction of proposals that are accepted </a:t>
+                </a:r>
+              </a:p>
+              <a:p>
+                <a:r>
+                  <a:rPr lang="en-US" dirty="0"/>
+                  <a:t>Depends on the choice of </a:t>
+                </a:r>
+                <a14:m>
+                  <m:oMath xmlns:m="http://schemas.openxmlformats.org/officeDocument/2006/math">
+                    <m:sSub>
+                      <m:sSubPr>
+                        <m:ctrlPr>
+                          <a:rPr lang="en-US" b="0" i="1" smtClean="0">
+                            <a:latin typeface="Cambria Math" panose="02040503050406030204" pitchFamily="18" charset="0"/>
+                          </a:rPr>
+                        </m:ctrlPr>
+                      </m:sSubPr>
+                      <m:e>
+                        <m:r>
+                          <a:rPr lang="en-US" b="0" i="1" smtClean="0">
+                            <a:latin typeface="Cambria Math" panose="02040503050406030204" pitchFamily="18" charset="0"/>
+                          </a:rPr>
+                          <m:t>𝜆</m:t>
+                        </m:r>
+                      </m:e>
+                      <m:sub>
+                        <m:r>
+                          <a:rPr lang="en-US" b="0" i="1" smtClean="0">
+                            <a:latin typeface="Cambria Math" panose="02040503050406030204" pitchFamily="18" charset="0"/>
+                          </a:rPr>
+                          <m:t>∗</m:t>
+                        </m:r>
+                      </m:sub>
+                    </m:sSub>
+                  </m:oMath>
+                </a14:m>
+                <a:endParaRPr lang="en-US" dirty="0"/>
+              </a:p>
+              <a:p>
+                <a:r>
+                  <a:rPr lang="en-US" dirty="0"/>
+                  <a:t>The smaller the blue area, the better the efficiency</a:t>
+                </a:r>
+              </a:p>
+            </p:txBody>
+          </p:sp>
+        </mc:Choice>
+        <mc:Fallback>
+          <p:sp>
+            <p:nvSpPr>
+              <p:cNvPr id="3" name="Content Placeholder 2">
+                <a:extLst>
+                  <a:ext uri="{FF2B5EF4-FFF2-40B4-BE49-F238E27FC236}">
+                    <a16:creationId xmlns:a16="http://schemas.microsoft.com/office/drawing/2014/main" id="{CAA7A300-F53D-00B2-6E10-3D2A65BE4C94}"/>
+                  </a:ext>
+                </a:extLst>
+              </p:cNvPr>
+              <p:cNvSpPr>
+                <a:spLocks noGrp="1" noRot="1" noChangeAspect="1" noMove="1" noResize="1" noEditPoints="1" noAdjustHandles="1" noChangeArrowheads="1" noChangeShapeType="1" noTextEdit="1"/>
+              </p:cNvSpPr>
+              <p:nvPr>
+                <p:ph sz="half" idx="1"/>
+              </p:nvPr>
+            </p:nvSpPr>
+            <p:spPr>
+              <a:blipFill>
+                <a:blip r:embed="rId2"/>
+                <a:stretch>
+                  <a:fillRect l="-2200" t="-2326"/>
+                </a:stretch>
+              </a:blipFill>
+            </p:spPr>
+            <p:txBody>
+              <a:bodyPr/>
+              <a:lstStyle/>
+              <a:p>
+                <a:r>
+                  <a:rPr lang="en-US">
+                    <a:noFill/>
+                  </a:rPr>
+                  <a:t> </a:t>
+                </a:r>
+              </a:p>
+            </p:txBody>
+          </p:sp>
+        </mc:Fallback>
+      </mc:AlternateContent>
+      <p:sp>
+        <p:nvSpPr>
+          <p:cNvPr id="7" name="TextBox 6">
+            <a:extLst>
+              <a:ext uri="{FF2B5EF4-FFF2-40B4-BE49-F238E27FC236}">
+                <a16:creationId xmlns:a16="http://schemas.microsoft.com/office/drawing/2014/main" id="{548BDFD5-6FCD-62A6-5770-B5BABD1309D6}"/>
+              </a:ext>
+            </a:extLst>
+          </p:cNvPr>
+          <p:cNvSpPr txBox="1"/>
+          <p:nvPr/>
+        </p:nvSpPr>
+        <p:spPr>
+          <a:xfrm>
+            <a:off x="7763655" y="2260362"/>
+            <a:ext cx="1998689" cy="369332"/>
+          </a:xfrm>
+          <a:prstGeom prst="rect">
+            <a:avLst/>
+          </a:prstGeom>
+          <a:noFill/>
+        </p:spPr>
+        <p:txBody>
+          <a:bodyPr wrap="none" rtlCol="0">
+            <a:spAutoFit/>
+          </a:bodyPr>
+          <a:lstStyle/>
+          <a:p>
+            <a:r>
+              <a:rPr lang="en-US" dirty="0"/>
+              <a:t>Efficiency = 78.7%</a:t>
+            </a:r>
+          </a:p>
+        </p:txBody>
+      </p:sp>
+      <p:pic>
+        <p:nvPicPr>
+          <p:cNvPr id="8" name="Content Placeholder 7">
+            <a:extLst>
+              <a:ext uri="{FF2B5EF4-FFF2-40B4-BE49-F238E27FC236}">
+                <a16:creationId xmlns:a16="http://schemas.microsoft.com/office/drawing/2014/main" id="{693AFB1D-A2FB-5C30-D80D-04F5870169A6}"/>
+              </a:ext>
+            </a:extLst>
+          </p:cNvPr>
+          <p:cNvPicPr>
+            <a:picLocks noGrp="1" noChangeAspect="1"/>
+          </p:cNvPicPr>
+          <p:nvPr>
+            <p:ph sz="half" idx="2"/>
+          </p:nvPr>
+        </p:nvPicPr>
+        <p:blipFill>
+          <a:blip r:embed="rId3"/>
+          <a:stretch>
+            <a:fillRect/>
+          </a:stretch>
+        </p:blipFill>
+        <p:spPr>
+          <a:xfrm>
+            <a:off x="6477000" y="2629694"/>
+            <a:ext cx="4572000" cy="2743200"/>
+          </a:xfrm>
+        </p:spPr>
+      </p:pic>
+    </p:spTree>
+    <p:extLst>
+      <p:ext uri="{BB962C8B-B14F-4D97-AF65-F5344CB8AC3E}">
+        <p14:creationId xmlns:p14="http://schemas.microsoft.com/office/powerpoint/2010/main" val="4253787913"/>
+      </p:ext>
+    </p:extLst>
+  </p:cSld>
+  <p:clrMapOvr>
+    <a:masterClrMapping/>
+  </p:clrMapOvr>
+</p:sld>
+</file>
+
+<file path=ppt/slides/slide17.xml><?xml version="1.0" encoding="utf-8"?>
+<p:sld xmlns:a="http://schemas.openxmlformats.org/drawingml/2006/main" xmlns:r="http://schemas.openxmlformats.org/officeDocument/2006/relationships" xmlns:p="http://schemas.openxmlformats.org/presentationml/2006/main">
+  <p:cSld>
+    <p:spTree>
+      <p:nvGrpSpPr>
+        <p:cNvPr id="1" name=""/>
+        <p:cNvGrpSpPr/>
+        <p:nvPr/>
+      </p:nvGrpSpPr>
+      <p:grpSpPr>
+        <a:xfrm>
+          <a:off x="0" y="0"/>
+          <a:ext cx="0" cy="0"/>
+          <a:chOff x="0" y="0"/>
+          <a:chExt cx="0" cy="0"/>
+        </a:xfrm>
+      </p:grpSpPr>
+      <mc:AlternateContent xmlns:mc="http://schemas.openxmlformats.org/markup-compatibility/2006">
+        <mc:Choice xmlns:a14="http://schemas.microsoft.com/office/drawing/2010/main" Requires="a14">
+          <p:sp>
+            <p:nvSpPr>
+              <p:cNvPr id="5" name="Title 4">
+                <a:extLst>
+                  <a:ext uri="{FF2B5EF4-FFF2-40B4-BE49-F238E27FC236}">
+                    <a16:creationId xmlns:a16="http://schemas.microsoft.com/office/drawing/2014/main" id="{D8BBBB18-7EAA-EC69-75E6-C50D5A4B74F9}"/>
+                  </a:ext>
+                </a:extLst>
+              </p:cNvPr>
+              <p:cNvSpPr>
+                <a:spLocks noGrp="1"/>
+              </p:cNvSpPr>
+              <p:nvPr>
+                <p:ph type="title"/>
+              </p:nvPr>
+            </p:nvSpPr>
+            <p:spPr/>
+            <p:txBody>
+              <a:bodyPr/>
+              <a:lstStyle/>
+              <a:p>
+                <a:r>
+                  <a:rPr lang="en-US" dirty="0"/>
+                  <a:t>When you know </a:t>
+                </a:r>
+                <a14:m>
+                  <m:oMath xmlns:m="http://schemas.openxmlformats.org/officeDocument/2006/math">
+                    <m:r>
+                      <m:rPr>
+                        <m:sty m:val="p"/>
+                      </m:rPr>
+                      <a:rPr lang="en-US" b="0" i="0" smtClean="0">
+                        <a:latin typeface="Cambria Math" panose="02040503050406030204" pitchFamily="18" charset="0"/>
+                      </a:rPr>
+                      <m:t>Λ</m:t>
+                    </m:r>
+                  </m:oMath>
+                </a14:m>
+                <a:r>
+                  <a:rPr lang="en-US" dirty="0"/>
+                  <a:t> and </a:t>
+                </a:r>
+                <a14:m>
+                  <m:oMath xmlns:m="http://schemas.openxmlformats.org/officeDocument/2006/math">
+                    <m:sSup>
+                      <m:sSupPr>
+                        <m:ctrlPr>
+                          <a:rPr lang="en-US" b="0" i="1" smtClean="0">
+                            <a:latin typeface="Cambria Math" panose="02040503050406030204" pitchFamily="18" charset="0"/>
+                          </a:rPr>
+                        </m:ctrlPr>
+                      </m:sSupPr>
+                      <m:e>
+                        <m:r>
+                          <m:rPr>
+                            <m:sty m:val="p"/>
+                          </m:rPr>
+                          <a:rPr lang="en-US" b="0" i="0" smtClean="0">
+                            <a:latin typeface="Cambria Math" panose="02040503050406030204" pitchFamily="18" charset="0"/>
+                          </a:rPr>
+                          <m:t>Λ</m:t>
+                        </m:r>
+                      </m:e>
+                      <m:sup>
+                        <m:r>
+                          <a:rPr lang="en-US" b="0" i="1" smtClean="0">
+                            <a:latin typeface="Cambria Math" panose="02040503050406030204" pitchFamily="18" charset="0"/>
+                          </a:rPr>
+                          <m:t>−1</m:t>
+                        </m:r>
+                      </m:sup>
+                    </m:sSup>
+                  </m:oMath>
+                </a14:m>
+                <a:endParaRPr lang="en-US" dirty="0"/>
+              </a:p>
+            </p:txBody>
+          </p:sp>
+        </mc:Choice>
+        <mc:Fallback>
+          <p:sp>
+            <p:nvSpPr>
+              <p:cNvPr id="5" name="Title 4">
+                <a:extLst>
+                  <a:ext uri="{FF2B5EF4-FFF2-40B4-BE49-F238E27FC236}">
+                    <a16:creationId xmlns:a16="http://schemas.microsoft.com/office/drawing/2014/main" id="{D8BBBB18-7EAA-EC69-75E6-C50D5A4B74F9}"/>
+                  </a:ext>
+                </a:extLst>
+              </p:cNvPr>
+              <p:cNvSpPr>
+                <a:spLocks noGrp="1" noRot="1" noChangeAspect="1" noMove="1" noResize="1" noEditPoints="1" noAdjustHandles="1" noChangeArrowheads="1" noChangeShapeType="1" noTextEdit="1"/>
+              </p:cNvSpPr>
+              <p:nvPr>
+                <p:ph type="title"/>
+              </p:nvPr>
+            </p:nvSpPr>
+            <p:spPr>
+              <a:blipFill>
+                <a:blip r:embed="rId2"/>
+                <a:stretch>
+                  <a:fillRect l="-2413"/>
+                </a:stretch>
+              </a:blipFill>
+            </p:spPr>
+            <p:txBody>
+              <a:bodyPr/>
+              <a:lstStyle/>
+              <a:p>
+                <a:r>
+                  <a:rPr lang="en-US">
+                    <a:noFill/>
+                  </a:rPr>
+                  <a:t> </a:t>
+                </a:r>
+              </a:p>
+            </p:txBody>
+          </p:sp>
+        </mc:Fallback>
+      </mc:AlternateContent>
+      <p:sp>
+        <p:nvSpPr>
+          <p:cNvPr id="6" name="Content Placeholder 5">
+            <a:extLst>
+              <a:ext uri="{FF2B5EF4-FFF2-40B4-BE49-F238E27FC236}">
+                <a16:creationId xmlns:a16="http://schemas.microsoft.com/office/drawing/2014/main" id="{DBEBDA32-A2A5-AF28-9D96-56997E0E6D00}"/>
+              </a:ext>
+            </a:extLst>
+          </p:cNvPr>
+          <p:cNvSpPr>
+            <a:spLocks noGrp="1"/>
+          </p:cNvSpPr>
+          <p:nvPr>
+            <p:ph idx="1"/>
+          </p:nvPr>
+        </p:nvSpPr>
+        <p:spPr/>
+        <p:txBody>
+          <a:bodyPr/>
+          <a:lstStyle/>
+          <a:p>
+            <a:endParaRPr lang="en-US"/>
+          </a:p>
+        </p:txBody>
+      </p:sp>
+    </p:spTree>
+    <p:extLst>
+      <p:ext uri="{BB962C8B-B14F-4D97-AF65-F5344CB8AC3E}">
+        <p14:creationId xmlns:p14="http://schemas.microsoft.com/office/powerpoint/2010/main" val="3008754351"/>
+      </p:ext>
+    </p:extLst>
+  </p:cSld>
+  <p:clrMapOvr>
+    <a:masterClrMapping/>
+  </p:clrMapOvr>
+</p:sld>
+</file>
+
+<file path=ppt/slides/slide18.xml><?xml version="1.0" encoding="utf-8"?>
+<p:sld xmlns:a="http://schemas.openxmlformats.org/drawingml/2006/main" xmlns:r="http://schemas.openxmlformats.org/officeDocument/2006/relationships" xmlns:p="http://schemas.openxmlformats.org/presentationml/2006/main">
+  <p:cSld>
+    <p:spTree>
+      <p:nvGrpSpPr>
+        <p:cNvPr id="1" name=""/>
+        <p:cNvGrpSpPr/>
+        <p:nvPr/>
+      </p:nvGrpSpPr>
+      <p:grpSpPr>
+        <a:xfrm>
+          <a:off x="0" y="0"/>
+          <a:ext cx="0" cy="0"/>
+          <a:chOff x="0" y="0"/>
+          <a:chExt cx="0" cy="0"/>
+        </a:xfrm>
+      </p:grpSpPr>
+      <mc:AlternateContent xmlns:mc="http://schemas.openxmlformats.org/markup-compatibility/2006">
+        <mc:Choice xmlns:a14="http://schemas.microsoft.com/office/drawing/2010/main" Requires="a14">
+          <p:sp>
+            <p:nvSpPr>
+              <p:cNvPr id="5" name="Title 4">
+                <a:extLst>
+                  <a:ext uri="{FF2B5EF4-FFF2-40B4-BE49-F238E27FC236}">
+                    <a16:creationId xmlns:a16="http://schemas.microsoft.com/office/drawing/2014/main" id="{F0185E06-3B77-B5D1-642E-8A6012869138}"/>
+                  </a:ext>
+                </a:extLst>
+              </p:cNvPr>
+              <p:cNvSpPr>
+                <a:spLocks noGrp="1"/>
+              </p:cNvSpPr>
+              <p:nvPr>
+                <p:ph type="title"/>
+              </p:nvPr>
+            </p:nvSpPr>
+            <p:spPr/>
+            <p:txBody>
+              <a:bodyPr/>
+              <a:lstStyle/>
+              <a:p>
+                <a:r>
+                  <a:rPr lang="en-US" dirty="0"/>
+                  <a:t>A nice </a:t>
+                </a:r>
+                <a14:m>
+                  <m:oMath xmlns:m="http://schemas.openxmlformats.org/officeDocument/2006/math">
+                    <m:r>
+                      <a:rPr lang="en-US" b="0" i="1" smtClean="0">
+                        <a:latin typeface="Cambria Math" panose="02040503050406030204" pitchFamily="18" charset="0"/>
+                      </a:rPr>
+                      <m:t>𝑢</m:t>
+                    </m:r>
+                  </m:oMath>
+                </a14:m>
+                <a:r>
+                  <a:rPr lang="en-US" dirty="0"/>
+                  <a:t> is </a:t>
+                </a:r>
+                <a14:m>
+                  <m:oMath xmlns:m="http://schemas.openxmlformats.org/officeDocument/2006/math">
+                    <m:r>
+                      <m:rPr>
+                        <m:sty m:val="p"/>
+                      </m:rPr>
+                      <a:rPr lang="en-US" b="0" i="0" smtClean="0">
+                        <a:latin typeface="Cambria Math" panose="02040503050406030204" pitchFamily="18" charset="0"/>
+                      </a:rPr>
+                      <m:t>Λ</m:t>
+                    </m:r>
+                  </m:oMath>
+                </a14:m>
+                <a:r>
+                  <a:rPr lang="en-US" dirty="0"/>
+                  <a:t> (and then </a:t>
+                </a:r>
+                <a14:m>
+                  <m:oMath xmlns:m="http://schemas.openxmlformats.org/officeDocument/2006/math">
+                    <m:sSup>
+                      <m:sSupPr>
+                        <m:ctrlPr>
+                          <a:rPr lang="en-US" b="0" i="1" smtClean="0">
+                            <a:latin typeface="Cambria Math" panose="02040503050406030204" pitchFamily="18" charset="0"/>
+                          </a:rPr>
+                        </m:ctrlPr>
+                      </m:sSupPr>
+                      <m:e>
+                        <m:r>
+                          <a:rPr lang="en-US" i="1">
+                            <a:latin typeface="Cambria Math" panose="02040503050406030204" pitchFamily="18" charset="0"/>
+                          </a:rPr>
+                          <m:t>𝑢</m:t>
+                        </m:r>
+                      </m:e>
+                      <m:sup>
+                        <m:r>
+                          <a:rPr lang="en-US" b="0" i="1" smtClean="0">
+                            <a:latin typeface="Cambria Math" panose="02040503050406030204" pitchFamily="18" charset="0"/>
+                          </a:rPr>
+                          <m:t>−1</m:t>
+                        </m:r>
+                      </m:sup>
+                    </m:sSup>
+                  </m:oMath>
+                </a14:m>
+                <a:r>
+                  <a:rPr lang="en-US" dirty="0"/>
+                  <a:t> is </a:t>
+                </a:r>
+                <a14:m>
+                  <m:oMath xmlns:m="http://schemas.openxmlformats.org/officeDocument/2006/math">
+                    <m:sSup>
+                      <m:sSupPr>
+                        <m:ctrlPr>
+                          <a:rPr lang="en-US" b="0" i="1" smtClean="0">
+                            <a:latin typeface="Cambria Math" panose="02040503050406030204" pitchFamily="18" charset="0"/>
+                          </a:rPr>
+                        </m:ctrlPr>
+                      </m:sSupPr>
+                      <m:e>
+                        <m:r>
+                          <m:rPr>
+                            <m:sty m:val="p"/>
+                          </m:rPr>
+                          <a:rPr lang="en-US" b="0" i="0" smtClean="0">
+                            <a:latin typeface="Cambria Math" panose="02040503050406030204" pitchFamily="18" charset="0"/>
+                          </a:rPr>
+                          <m:t>Λ</m:t>
+                        </m:r>
+                      </m:e>
+                      <m:sup>
+                        <m:r>
+                          <a:rPr lang="en-US" b="0" i="1" smtClean="0">
+                            <a:latin typeface="Cambria Math" panose="02040503050406030204" pitchFamily="18" charset="0"/>
+                          </a:rPr>
+                          <m:t>−1</m:t>
+                        </m:r>
+                      </m:sup>
+                    </m:sSup>
+                  </m:oMath>
+                </a14:m>
+                <a:r>
+                  <a:rPr lang="en-US" dirty="0"/>
+                  <a:t>)</a:t>
+                </a:r>
+              </a:p>
+            </p:txBody>
+          </p:sp>
+        </mc:Choice>
+        <mc:Fallback>
+          <p:sp>
+            <p:nvSpPr>
+              <p:cNvPr id="5" name="Title 4">
+                <a:extLst>
+                  <a:ext uri="{FF2B5EF4-FFF2-40B4-BE49-F238E27FC236}">
+                    <a16:creationId xmlns:a16="http://schemas.microsoft.com/office/drawing/2014/main" id="{F0185E06-3B77-B5D1-642E-8A6012869138}"/>
+                  </a:ext>
+                </a:extLst>
+              </p:cNvPr>
+              <p:cNvSpPr>
+                <a:spLocks noGrp="1" noRot="1" noChangeAspect="1" noMove="1" noResize="1" noEditPoints="1" noAdjustHandles="1" noChangeArrowheads="1" noChangeShapeType="1" noTextEdit="1"/>
+              </p:cNvSpPr>
+              <p:nvPr>
+                <p:ph type="title"/>
+              </p:nvPr>
+            </p:nvSpPr>
+            <p:spPr>
+              <a:blipFill>
+                <a:blip r:embed="rId2"/>
+                <a:stretch>
+                  <a:fillRect l="-2413"/>
+                </a:stretch>
+              </a:blipFill>
+            </p:spPr>
+            <p:txBody>
+              <a:bodyPr/>
+              <a:lstStyle/>
+              <a:p>
+                <a:r>
+                  <a:rPr lang="en-US">
+                    <a:noFill/>
+                  </a:rPr>
+                  <a:t> </a:t>
+                </a:r>
+              </a:p>
+            </p:txBody>
+          </p:sp>
+        </mc:Fallback>
+      </mc:AlternateContent>
+      <mc:AlternateContent xmlns:mc="http://schemas.openxmlformats.org/markup-compatibility/2006">
+        <mc:Choice xmlns:a14="http://schemas.microsoft.com/office/drawing/2010/main" Requires="a14">
+          <p:sp>
+            <p:nvSpPr>
+              <p:cNvPr id="6" name="Content Placeholder 5">
+                <a:extLst>
+                  <a:ext uri="{FF2B5EF4-FFF2-40B4-BE49-F238E27FC236}">
+                    <a16:creationId xmlns:a16="http://schemas.microsoft.com/office/drawing/2014/main" id="{B44CC4B4-F6AF-3B12-43CC-78C7A9F543BA}"/>
+                  </a:ext>
+                </a:extLst>
+              </p:cNvPr>
+              <p:cNvSpPr>
+                <a:spLocks noGrp="1"/>
+              </p:cNvSpPr>
+              <p:nvPr>
+                <p:ph idx="1"/>
+              </p:nvPr>
+            </p:nvSpPr>
+            <p:spPr/>
+            <p:txBody>
+              <a:bodyPr>
+                <a:normAutofit fontScale="77500" lnSpcReduction="20000"/>
+              </a:bodyPr>
+              <a:lstStyle/>
+              <a:p>
+                <a:pPr marL="0" indent="0">
+                  <a:buNone/>
+                </a:pPr>
+                <a:r>
+                  <a:rPr lang="en-US" sz="3600" dirty="0"/>
+                  <a:t>Change of variable from </a:t>
+                </a:r>
+                <a14:m>
+                  <m:oMath xmlns:m="http://schemas.openxmlformats.org/officeDocument/2006/math">
+                    <m:r>
+                      <a:rPr lang="en-US" sz="3600" b="0" i="1" smtClean="0">
+                        <a:latin typeface="Cambria Math" panose="02040503050406030204" pitchFamily="18" charset="0"/>
+                      </a:rPr>
+                      <m:t>𝑠</m:t>
+                    </m:r>
+                  </m:oMath>
+                </a14:m>
+                <a:r>
+                  <a:rPr lang="en-US" sz="3600" dirty="0"/>
+                  <a:t> to </a:t>
+                </a:r>
+                <a14:m>
+                  <m:oMath xmlns:m="http://schemas.openxmlformats.org/officeDocument/2006/math">
+                    <m:r>
+                      <a:rPr lang="en-US" sz="3600" b="0" i="1" smtClean="0">
+                        <a:latin typeface="Cambria Math" panose="02040503050406030204" pitchFamily="18" charset="0"/>
+                      </a:rPr>
+                      <m:t>𝑢</m:t>
+                    </m:r>
+                  </m:oMath>
+                </a14:m>
+                <a:endParaRPr lang="en-US" sz="3600" dirty="0"/>
+              </a:p>
+              <a:p>
+                <a:endParaRPr lang="en-US" b="0" i="0" dirty="0">
+                  <a:latin typeface="Cambria Math" panose="02040503050406030204" pitchFamily="18" charset="0"/>
+                </a:endParaRPr>
+              </a:p>
+              <a:p>
+                <a:pPr marL="0" indent="0">
+                  <a:buNone/>
+                </a:pPr>
+                <a14:m>
+                  <m:oMathPara xmlns:m="http://schemas.openxmlformats.org/officeDocument/2006/math">
+                    <m:oMathParaPr>
+                      <m:jc m:val="centerGroup"/>
+                    </m:oMathParaPr>
+                    <m:oMath xmlns:m="http://schemas.openxmlformats.org/officeDocument/2006/math">
+                      <m:r>
+                        <m:rPr>
+                          <m:sty m:val="p"/>
+                        </m:rPr>
+                        <a:rPr lang="en-US" b="0" i="0" smtClean="0">
+                          <a:latin typeface="Cambria Math" panose="02040503050406030204" pitchFamily="18" charset="0"/>
+                        </a:rPr>
+                        <m:t>Λ</m:t>
+                      </m:r>
+                      <m:d>
+                        <m:dPr>
+                          <m:ctrlPr>
+                            <a:rPr lang="en-US" b="0" i="1" smtClean="0">
+                              <a:latin typeface="Cambria Math" panose="02040503050406030204" pitchFamily="18" charset="0"/>
+                            </a:rPr>
+                          </m:ctrlPr>
+                        </m:dPr>
+                        <m:e>
+                          <m:r>
+                            <a:rPr lang="en-US" b="0" i="1" smtClean="0">
+                              <a:latin typeface="Cambria Math" panose="02040503050406030204" pitchFamily="18" charset="0"/>
+                            </a:rPr>
+                            <m:t>𝑡</m:t>
+                          </m:r>
+                        </m:e>
+                      </m:d>
+                      <m:r>
+                        <a:rPr lang="en-US" b="0" i="1" smtClean="0">
+                          <a:latin typeface="Cambria Math" panose="02040503050406030204" pitchFamily="18" charset="0"/>
+                        </a:rPr>
+                        <m:t>= </m:t>
+                      </m:r>
+                      <m:nary>
+                        <m:naryPr>
+                          <m:ctrlPr>
+                            <a:rPr lang="en-US" b="0" i="1" smtClean="0">
+                              <a:latin typeface="Cambria Math" panose="02040503050406030204" pitchFamily="18" charset="0"/>
+                            </a:rPr>
+                          </m:ctrlPr>
+                        </m:naryPr>
+                        <m:sub>
+                          <m:r>
+                            <m:rPr>
+                              <m:brk m:alnAt="23"/>
+                            </m:rPr>
+                            <a:rPr lang="en-US" b="0" i="1" smtClean="0">
+                              <a:latin typeface="Cambria Math" panose="02040503050406030204" pitchFamily="18" charset="0"/>
+                            </a:rPr>
+                            <m:t>𝑎</m:t>
+                          </m:r>
+                        </m:sub>
+                        <m:sup>
+                          <m:r>
+                            <a:rPr lang="en-US" b="0" i="1" smtClean="0">
+                              <a:latin typeface="Cambria Math" panose="02040503050406030204" pitchFamily="18" charset="0"/>
+                            </a:rPr>
+                            <m:t>𝑡</m:t>
+                          </m:r>
+                        </m:sup>
+                        <m:e>
+                          <m:r>
+                            <a:rPr lang="en-US" b="0" i="1" smtClean="0">
+                              <a:latin typeface="Cambria Math" panose="02040503050406030204" pitchFamily="18" charset="0"/>
+                            </a:rPr>
+                            <m:t>𝜆</m:t>
+                          </m:r>
+                          <m:d>
+                            <m:dPr>
+                              <m:ctrlPr>
+                                <a:rPr lang="en-US" b="0" i="1" smtClean="0">
+                                  <a:latin typeface="Cambria Math" panose="02040503050406030204" pitchFamily="18" charset="0"/>
+                                </a:rPr>
+                              </m:ctrlPr>
+                            </m:dPr>
+                            <m:e>
+                              <m:r>
+                                <a:rPr lang="en-US" b="0" i="1" smtClean="0">
+                                  <a:latin typeface="Cambria Math" panose="02040503050406030204" pitchFamily="18" charset="0"/>
+                                </a:rPr>
+                                <m:t>𝑠</m:t>
+                              </m:r>
+                            </m:e>
+                          </m:d>
+                          <m:r>
+                            <a:rPr lang="en-US" b="0" i="1" smtClean="0">
+                              <a:latin typeface="Cambria Math" panose="02040503050406030204" pitchFamily="18" charset="0"/>
+                            </a:rPr>
+                            <m:t> </m:t>
+                          </m:r>
+                          <m:r>
+                            <m:rPr>
+                              <m:sty m:val="p"/>
+                            </m:rPr>
+                            <a:rPr lang="en-US" b="0" i="0" smtClean="0">
+                              <a:latin typeface="Cambria Math" panose="02040503050406030204" pitchFamily="18" charset="0"/>
+                            </a:rPr>
+                            <m:t>d</m:t>
+                          </m:r>
+                          <m:r>
+                            <a:rPr lang="en-US" b="0" i="1" smtClean="0">
+                              <a:latin typeface="Cambria Math" panose="02040503050406030204" pitchFamily="18" charset="0"/>
+                            </a:rPr>
+                            <m:t>𝑠</m:t>
+                          </m:r>
+                        </m:e>
+                      </m:nary>
+                      <m:r>
+                        <a:rPr lang="en-US" b="0" i="1" smtClean="0">
+                          <a:latin typeface="Cambria Math" panose="02040503050406030204" pitchFamily="18" charset="0"/>
+                        </a:rPr>
+                        <m:t>=</m:t>
+                      </m:r>
+                      <m:nary>
+                        <m:naryPr>
+                          <m:ctrlPr>
+                            <a:rPr lang="en-US" i="1">
+                              <a:latin typeface="Cambria Math" panose="02040503050406030204" pitchFamily="18" charset="0"/>
+                            </a:rPr>
+                          </m:ctrlPr>
+                        </m:naryPr>
+                        <m:sub>
+                          <m:r>
+                            <a:rPr lang="en-US" b="0" i="1" smtClean="0">
+                              <a:latin typeface="Cambria Math" panose="02040503050406030204" pitchFamily="18" charset="0"/>
+                            </a:rPr>
+                            <m:t>𝑢</m:t>
+                          </m:r>
+                          <m:r>
+                            <a:rPr lang="en-US" b="0" i="1" smtClean="0">
+                              <a:latin typeface="Cambria Math" panose="02040503050406030204" pitchFamily="18" charset="0"/>
+                            </a:rPr>
+                            <m:t>(</m:t>
+                          </m:r>
+                          <m:r>
+                            <m:rPr>
+                              <m:brk m:alnAt="23"/>
+                            </m:rPr>
+                            <a:rPr lang="en-US" i="1">
+                              <a:latin typeface="Cambria Math" panose="02040503050406030204" pitchFamily="18" charset="0"/>
+                            </a:rPr>
+                            <m:t>𝑎</m:t>
+                          </m:r>
+                          <m:r>
+                            <a:rPr lang="en-US" b="0" i="1" smtClean="0">
+                              <a:latin typeface="Cambria Math" panose="02040503050406030204" pitchFamily="18" charset="0"/>
+                            </a:rPr>
+                            <m:t>)</m:t>
+                          </m:r>
+                        </m:sub>
+                        <m:sup>
+                          <m:r>
+                            <a:rPr lang="en-US" b="0" i="1" smtClean="0">
+                              <a:latin typeface="Cambria Math" panose="02040503050406030204" pitchFamily="18" charset="0"/>
+                            </a:rPr>
+                            <m:t>𝑢</m:t>
+                          </m:r>
+                          <m:r>
+                            <a:rPr lang="en-US" b="0" i="1" smtClean="0">
+                              <a:latin typeface="Cambria Math" panose="02040503050406030204" pitchFamily="18" charset="0"/>
+                            </a:rPr>
+                            <m:t>(</m:t>
+                          </m:r>
+                          <m:r>
+                            <a:rPr lang="en-US" i="1">
+                              <a:latin typeface="Cambria Math" panose="02040503050406030204" pitchFamily="18" charset="0"/>
+                            </a:rPr>
+                            <m:t>𝑡</m:t>
+                          </m:r>
+                          <m:r>
+                            <a:rPr lang="en-US" b="0" i="1" smtClean="0">
+                              <a:latin typeface="Cambria Math" panose="02040503050406030204" pitchFamily="18" charset="0"/>
+                            </a:rPr>
+                            <m:t>)</m:t>
+                          </m:r>
+                        </m:sup>
+                        <m:e>
+                          <m:f>
+                            <m:fPr>
+                              <m:ctrlPr>
+                                <a:rPr lang="en-US" i="1" smtClean="0">
+                                  <a:latin typeface="Cambria Math" panose="02040503050406030204" pitchFamily="18" charset="0"/>
+                                </a:rPr>
+                              </m:ctrlPr>
+                            </m:fPr>
+                            <m:num>
+                              <m:r>
+                                <a:rPr lang="en-US" i="1">
+                                  <a:latin typeface="Cambria Math" panose="02040503050406030204" pitchFamily="18" charset="0"/>
+                                </a:rPr>
+                                <m:t>𝜆</m:t>
+                              </m:r>
+                              <m:d>
+                                <m:dPr>
+                                  <m:ctrlPr>
+                                    <a:rPr lang="en-US" i="1">
+                                      <a:latin typeface="Cambria Math" panose="02040503050406030204" pitchFamily="18" charset="0"/>
+                                    </a:rPr>
+                                  </m:ctrlPr>
+                                </m:dPr>
+                                <m:e>
+                                  <m:r>
+                                    <a:rPr lang="en-US" i="1">
+                                      <a:latin typeface="Cambria Math" panose="02040503050406030204" pitchFamily="18" charset="0"/>
+                                    </a:rPr>
+                                    <m:t>𝑠</m:t>
+                                  </m:r>
+                                </m:e>
+                              </m:d>
+                            </m:num>
+                            <m:den>
+                              <m:r>
+                                <a:rPr lang="en-US" b="0" i="1" smtClean="0">
+                                  <a:latin typeface="Cambria Math" panose="02040503050406030204" pitchFamily="18" charset="0"/>
+                                </a:rPr>
+                                <m:t>𝑢</m:t>
+                              </m:r>
+                              <m:r>
+                                <a:rPr lang="en-US" b="0" i="1" smtClean="0">
+                                  <a:latin typeface="Cambria Math" panose="02040503050406030204" pitchFamily="18" charset="0"/>
+                                </a:rPr>
+                                <m:t>′(</m:t>
+                              </m:r>
+                              <m:r>
+                                <a:rPr lang="en-US" b="0" i="1" smtClean="0">
+                                  <a:latin typeface="Cambria Math" panose="02040503050406030204" pitchFamily="18" charset="0"/>
+                                </a:rPr>
+                                <m:t>𝑠</m:t>
+                              </m:r>
+                              <m:r>
+                                <a:rPr lang="en-US" b="0" i="1" smtClean="0">
+                                  <a:latin typeface="Cambria Math" panose="02040503050406030204" pitchFamily="18" charset="0"/>
+                                </a:rPr>
+                                <m:t>)</m:t>
+                              </m:r>
+                            </m:den>
+                          </m:f>
+                          <m:r>
+                            <a:rPr lang="en-US" i="1">
+                              <a:latin typeface="Cambria Math" panose="02040503050406030204" pitchFamily="18" charset="0"/>
+                            </a:rPr>
+                            <m:t> </m:t>
+                          </m:r>
+                          <m:r>
+                            <m:rPr>
+                              <m:sty m:val="p"/>
+                            </m:rPr>
+                            <a:rPr lang="en-US">
+                              <a:latin typeface="Cambria Math" panose="02040503050406030204" pitchFamily="18" charset="0"/>
+                            </a:rPr>
+                            <m:t>d</m:t>
+                          </m:r>
+                          <m:r>
+                            <a:rPr lang="en-US" b="0" i="1" smtClean="0">
+                              <a:latin typeface="Cambria Math" panose="02040503050406030204" pitchFamily="18" charset="0"/>
+                            </a:rPr>
+                            <m:t>𝑢</m:t>
+                          </m:r>
+                        </m:e>
+                      </m:nary>
+                    </m:oMath>
+                  </m:oMathPara>
+                </a14:m>
+                <a:endParaRPr lang="en-US" sz="3600" dirty="0"/>
+              </a:p>
+              <a:p>
+                <a:pPr marL="0" indent="0">
+                  <a:buNone/>
+                </a:pPr>
+                <a:endParaRPr lang="en-US" sz="3600" dirty="0"/>
+              </a:p>
+              <a:p>
+                <a:pPr marL="0" indent="0">
+                  <a:lnSpc>
+                    <a:spcPct val="120000"/>
+                  </a:lnSpc>
+                  <a:buNone/>
+                </a:pPr>
+                <a:r>
+                  <a:rPr lang="en-US" sz="3600" dirty="0"/>
+                  <a:t>Pick </a:t>
+                </a:r>
+                <a14:m>
+                  <m:oMath xmlns:m="http://schemas.openxmlformats.org/officeDocument/2006/math">
+                    <m:r>
+                      <a:rPr lang="en-US" sz="3600" b="0" i="1" smtClean="0">
+                        <a:latin typeface="Cambria Math" panose="02040503050406030204" pitchFamily="18" charset="0"/>
+                      </a:rPr>
+                      <m:t>𝑢</m:t>
+                    </m:r>
+                  </m:oMath>
+                </a14:m>
+                <a:r>
+                  <a:rPr lang="en-US" sz="3600" dirty="0"/>
+                  <a:t> so that </a:t>
+                </a:r>
+                <a14:m>
+                  <m:oMath xmlns:m="http://schemas.openxmlformats.org/officeDocument/2006/math">
+                    <m:sSup>
+                      <m:sSupPr>
+                        <m:ctrlPr>
+                          <a:rPr lang="en-US" sz="3600" b="0" i="1" smtClean="0">
+                            <a:latin typeface="Cambria Math" panose="02040503050406030204" pitchFamily="18" charset="0"/>
+                          </a:rPr>
+                        </m:ctrlPr>
+                      </m:sSupPr>
+                      <m:e>
+                        <m:r>
+                          <a:rPr lang="en-US" sz="3600" i="1">
+                            <a:latin typeface="Cambria Math" panose="02040503050406030204" pitchFamily="18" charset="0"/>
+                          </a:rPr>
+                          <m:t>𝑢</m:t>
+                        </m:r>
+                      </m:e>
+                      <m:sup>
+                        <m:r>
+                          <a:rPr lang="en-US" sz="3600" b="0" i="1" smtClean="0">
+                            <a:latin typeface="Cambria Math" panose="02040503050406030204" pitchFamily="18" charset="0"/>
+                          </a:rPr>
+                          <m:t>′</m:t>
+                        </m:r>
+                      </m:sup>
+                    </m:sSup>
+                    <m:r>
+                      <a:rPr lang="en-US" sz="3600" b="0" i="1" smtClean="0">
+                        <a:latin typeface="Cambria Math" panose="02040503050406030204" pitchFamily="18" charset="0"/>
+                      </a:rPr>
+                      <m:t>=</m:t>
+                    </m:r>
+                    <m:r>
+                      <a:rPr lang="en-US" sz="3600" b="0" i="1" smtClean="0">
+                        <a:latin typeface="Cambria Math" panose="02040503050406030204" pitchFamily="18" charset="0"/>
+                      </a:rPr>
+                      <m:t>𝜆</m:t>
+                    </m:r>
+                    <m:r>
+                      <a:rPr lang="en-US" sz="3600" b="0" i="0" smtClean="0">
+                        <a:latin typeface="Cambria Math" panose="02040503050406030204" pitchFamily="18" charset="0"/>
+                      </a:rPr>
+                      <m:t>.</m:t>
+                    </m:r>
+                  </m:oMath>
+                </a14:m>
+                <a:r>
+                  <a:rPr lang="en-US" sz="3600" dirty="0"/>
+                  <a:t> Any antiderivative of </a:t>
+                </a:r>
+                <a14:m>
+                  <m:oMath xmlns:m="http://schemas.openxmlformats.org/officeDocument/2006/math">
+                    <m:r>
+                      <a:rPr lang="en-US" sz="3600" b="0" i="1" smtClean="0">
+                        <a:latin typeface="Cambria Math" panose="02040503050406030204" pitchFamily="18" charset="0"/>
+                      </a:rPr>
+                      <m:t>𝜆</m:t>
+                    </m:r>
+                  </m:oMath>
+                </a14:m>
+                <a:r>
+                  <a:rPr lang="en-US" sz="3600" dirty="0"/>
+                  <a:t> works. Using </a:t>
+                </a:r>
+                <a14:m>
+                  <m:oMath xmlns:m="http://schemas.openxmlformats.org/officeDocument/2006/math">
+                    <m:r>
+                      <a:rPr lang="en-US" sz="3600" b="0" i="1" smtClean="0">
+                        <a:latin typeface="Cambria Math" panose="02040503050406030204" pitchFamily="18" charset="0"/>
+                      </a:rPr>
+                      <m:t>𝑢</m:t>
+                    </m:r>
+                    <m:r>
+                      <a:rPr lang="en-US" sz="3600" b="0" i="1" smtClean="0">
+                        <a:latin typeface="Cambria Math" panose="02040503050406030204" pitchFamily="18" charset="0"/>
+                      </a:rPr>
+                      <m:t>≔</m:t>
+                    </m:r>
+                    <m:r>
+                      <m:rPr>
+                        <m:sty m:val="p"/>
+                      </m:rPr>
+                      <a:rPr lang="en-US" sz="3600" b="0" i="0" smtClean="0">
+                        <a:latin typeface="Cambria Math" panose="02040503050406030204" pitchFamily="18" charset="0"/>
+                      </a:rPr>
+                      <m:t>Λ</m:t>
+                    </m:r>
+                  </m:oMath>
+                </a14:m>
+                <a:r>
+                  <a:rPr lang="en-US" sz="3600" dirty="0"/>
+                  <a:t>, transforms time to scale where the process has constant rate 1,</a:t>
+                </a:r>
+              </a:p>
+              <a:p>
+                <a:pPr marL="0" indent="0">
+                  <a:buNone/>
+                </a:pPr>
+                <a:endParaRPr lang="en-US" sz="3600" dirty="0"/>
+              </a:p>
+              <a:p>
+                <a:pPr marL="0" indent="0">
+                  <a:buNone/>
+                </a:pPr>
+                <a14:m>
+                  <m:oMathPara xmlns:m="http://schemas.openxmlformats.org/officeDocument/2006/math">
+                    <m:oMathParaPr>
+                      <m:jc m:val="centerGroup"/>
+                    </m:oMathParaPr>
+                    <m:oMath xmlns:m="http://schemas.openxmlformats.org/officeDocument/2006/math">
+                      <m:nary>
+                        <m:naryPr>
+                          <m:ctrlPr>
+                            <a:rPr lang="en-US" i="1" smtClean="0">
+                              <a:latin typeface="Cambria Math" panose="02040503050406030204" pitchFamily="18" charset="0"/>
+                            </a:rPr>
+                          </m:ctrlPr>
+                        </m:naryPr>
+                        <m:sub>
+                          <m:r>
+                            <m:rPr>
+                              <m:sty m:val="p"/>
+                            </m:rPr>
+                            <a:rPr lang="en-US" b="0" i="0" smtClean="0">
+                              <a:latin typeface="Cambria Math" panose="02040503050406030204" pitchFamily="18" charset="0"/>
+                            </a:rPr>
+                            <m:t>Λ</m:t>
+                          </m:r>
+                          <m:r>
+                            <a:rPr lang="en-US" b="0" i="1" smtClean="0">
+                              <a:latin typeface="Cambria Math" panose="02040503050406030204" pitchFamily="18" charset="0"/>
+                            </a:rPr>
+                            <m:t>(</m:t>
+                          </m:r>
+                          <m:r>
+                            <m:rPr>
+                              <m:brk m:alnAt="23"/>
+                            </m:rPr>
+                            <a:rPr lang="en-US" i="1">
+                              <a:latin typeface="Cambria Math" panose="02040503050406030204" pitchFamily="18" charset="0"/>
+                            </a:rPr>
+                            <m:t>𝑎</m:t>
+                          </m:r>
+                          <m:r>
+                            <a:rPr lang="en-US" b="0" i="1" smtClean="0">
+                              <a:latin typeface="Cambria Math" panose="02040503050406030204" pitchFamily="18" charset="0"/>
+                            </a:rPr>
+                            <m:t>)</m:t>
+                          </m:r>
+                        </m:sub>
+                        <m:sup>
+                          <m:r>
+                            <m:rPr>
+                              <m:sty m:val="p"/>
+                            </m:rPr>
+                            <a:rPr lang="en-US" b="0" i="0" smtClean="0">
+                              <a:latin typeface="Cambria Math" panose="02040503050406030204" pitchFamily="18" charset="0"/>
+                            </a:rPr>
+                            <m:t>Λ</m:t>
+                          </m:r>
+                          <m:r>
+                            <a:rPr lang="en-US" b="0" i="1" smtClean="0">
+                              <a:latin typeface="Cambria Math" panose="02040503050406030204" pitchFamily="18" charset="0"/>
+                            </a:rPr>
+                            <m:t>(</m:t>
+                          </m:r>
+                          <m:r>
+                            <a:rPr lang="en-US" i="1">
+                              <a:latin typeface="Cambria Math" panose="02040503050406030204" pitchFamily="18" charset="0"/>
+                            </a:rPr>
+                            <m:t>𝑡</m:t>
+                          </m:r>
+                          <m:r>
+                            <a:rPr lang="en-US" b="0" i="1" smtClean="0">
+                              <a:latin typeface="Cambria Math" panose="02040503050406030204" pitchFamily="18" charset="0"/>
+                            </a:rPr>
+                            <m:t>)</m:t>
+                          </m:r>
+                        </m:sup>
+                        <m:e>
+                          <m:f>
+                            <m:fPr>
+                              <m:ctrlPr>
+                                <a:rPr lang="en-US" i="1" smtClean="0">
+                                  <a:latin typeface="Cambria Math" panose="02040503050406030204" pitchFamily="18" charset="0"/>
+                                </a:rPr>
+                              </m:ctrlPr>
+                            </m:fPr>
+                            <m:num>
+                              <m:r>
+                                <a:rPr lang="en-US" i="1">
+                                  <a:latin typeface="Cambria Math" panose="02040503050406030204" pitchFamily="18" charset="0"/>
+                                </a:rPr>
+                                <m:t>𝜆</m:t>
+                              </m:r>
+                              <m:d>
+                                <m:dPr>
+                                  <m:ctrlPr>
+                                    <a:rPr lang="en-US" i="1">
+                                      <a:latin typeface="Cambria Math" panose="02040503050406030204" pitchFamily="18" charset="0"/>
+                                    </a:rPr>
+                                  </m:ctrlPr>
+                                </m:dPr>
+                                <m:e>
+                                  <m:r>
+                                    <a:rPr lang="en-US" i="1">
+                                      <a:latin typeface="Cambria Math" panose="02040503050406030204" pitchFamily="18" charset="0"/>
+                                    </a:rPr>
+                                    <m:t>𝑠</m:t>
+                                  </m:r>
+                                </m:e>
+                              </m:d>
+                            </m:num>
+                            <m:den>
+                              <m:r>
+                                <m:rPr>
+                                  <m:sty m:val="p"/>
+                                </m:rPr>
+                                <a:rPr lang="en-US" b="0" i="0" smtClean="0">
+                                  <a:latin typeface="Cambria Math" panose="02040503050406030204" pitchFamily="18" charset="0"/>
+                                </a:rPr>
+                                <m:t>Λ</m:t>
+                              </m:r>
+                              <m:r>
+                                <a:rPr lang="en-US" b="0" i="1" smtClean="0">
+                                  <a:latin typeface="Cambria Math" panose="02040503050406030204" pitchFamily="18" charset="0"/>
+                                </a:rPr>
+                                <m:t>′</m:t>
+                              </m:r>
+                              <m:r>
+                                <a:rPr lang="en-US" b="0" i="1" smtClean="0">
+                                  <a:latin typeface="Cambria Math" panose="02040503050406030204" pitchFamily="18" charset="0"/>
+                                </a:rPr>
+                                <m:t>(</m:t>
+                              </m:r>
+                              <m:r>
+                                <a:rPr lang="en-US" b="0" i="1" smtClean="0">
+                                  <a:latin typeface="Cambria Math" panose="02040503050406030204" pitchFamily="18" charset="0"/>
+                                </a:rPr>
+                                <m:t>𝑠</m:t>
+                              </m:r>
+                              <m:r>
+                                <a:rPr lang="en-US" b="0" i="1" smtClean="0">
+                                  <a:latin typeface="Cambria Math" panose="02040503050406030204" pitchFamily="18" charset="0"/>
+                                </a:rPr>
+                                <m:t>)</m:t>
+                              </m:r>
+                            </m:den>
+                          </m:f>
+                          <m:r>
+                            <a:rPr lang="en-US" i="1">
+                              <a:latin typeface="Cambria Math" panose="02040503050406030204" pitchFamily="18" charset="0"/>
+                            </a:rPr>
+                            <m:t> </m:t>
+                          </m:r>
+                          <m:r>
+                            <m:rPr>
+                              <m:sty m:val="p"/>
+                            </m:rPr>
+                            <a:rPr lang="en-US">
+                              <a:latin typeface="Cambria Math" panose="02040503050406030204" pitchFamily="18" charset="0"/>
+                            </a:rPr>
+                            <m:t>d</m:t>
+                          </m:r>
+                          <m:r>
+                            <a:rPr lang="en-US" b="0" i="1" smtClean="0">
+                              <a:latin typeface="Cambria Math" panose="02040503050406030204" pitchFamily="18" charset="0"/>
+                            </a:rPr>
+                            <m:t>𝑢</m:t>
+                          </m:r>
+                          <m:r>
+                            <a:rPr lang="en-US" b="0" i="1" smtClean="0">
+                              <a:latin typeface="Cambria Math" panose="02040503050406030204" pitchFamily="18" charset="0"/>
+                            </a:rPr>
+                            <m:t>=</m:t>
+                          </m:r>
+                          <m:nary>
+                            <m:naryPr>
+                              <m:ctrlPr>
+                                <a:rPr lang="en-US" i="1">
+                                  <a:latin typeface="Cambria Math" panose="02040503050406030204" pitchFamily="18" charset="0"/>
+                                </a:rPr>
+                              </m:ctrlPr>
+                            </m:naryPr>
+                            <m:sub>
+                              <m:r>
+                                <m:rPr>
+                                  <m:sty m:val="p"/>
+                                </m:rPr>
+                                <a:rPr lang="en-US" b="0" i="0" smtClean="0">
+                                  <a:latin typeface="Cambria Math" panose="02040503050406030204" pitchFamily="18" charset="0"/>
+                                </a:rPr>
+                                <m:t>Λ</m:t>
+                              </m:r>
+                              <m:r>
+                                <a:rPr lang="en-US" i="1">
+                                  <a:latin typeface="Cambria Math" panose="02040503050406030204" pitchFamily="18" charset="0"/>
+                                </a:rPr>
+                                <m:t>(</m:t>
+                              </m:r>
+                              <m:r>
+                                <m:rPr>
+                                  <m:brk m:alnAt="23"/>
+                                </m:rPr>
+                                <a:rPr lang="en-US" i="1">
+                                  <a:latin typeface="Cambria Math" panose="02040503050406030204" pitchFamily="18" charset="0"/>
+                                </a:rPr>
+                                <m:t>𝑎</m:t>
+                              </m:r>
+                              <m:r>
+                                <a:rPr lang="en-US" i="1">
+                                  <a:latin typeface="Cambria Math" panose="02040503050406030204" pitchFamily="18" charset="0"/>
+                                </a:rPr>
+                                <m:t>)</m:t>
+                              </m:r>
+                            </m:sub>
+                            <m:sup>
+                              <m:r>
+                                <m:rPr>
+                                  <m:sty m:val="p"/>
+                                </m:rPr>
+                                <a:rPr lang="en-US" b="0" i="0" smtClean="0">
+                                  <a:latin typeface="Cambria Math" panose="02040503050406030204" pitchFamily="18" charset="0"/>
+                                </a:rPr>
+                                <m:t>Λ</m:t>
+                              </m:r>
+                              <m:r>
+                                <a:rPr lang="en-US" i="1">
+                                  <a:latin typeface="Cambria Math" panose="02040503050406030204" pitchFamily="18" charset="0"/>
+                                </a:rPr>
+                                <m:t>(</m:t>
+                              </m:r>
+                              <m:r>
+                                <a:rPr lang="en-US" i="1">
+                                  <a:latin typeface="Cambria Math" panose="02040503050406030204" pitchFamily="18" charset="0"/>
+                                </a:rPr>
+                                <m:t>𝑡</m:t>
+                              </m:r>
+                              <m:r>
+                                <a:rPr lang="en-US" i="1">
+                                  <a:latin typeface="Cambria Math" panose="02040503050406030204" pitchFamily="18" charset="0"/>
+                                </a:rPr>
+                                <m:t>)</m:t>
+                              </m:r>
+                            </m:sup>
+                            <m:e>
+                              <m:r>
+                                <a:rPr lang="en-US" b="0" i="1" smtClean="0">
+                                  <a:latin typeface="Cambria Math" panose="02040503050406030204" pitchFamily="18" charset="0"/>
+                                </a:rPr>
+                                <m:t>1</m:t>
+                              </m:r>
+                              <m:r>
+                                <a:rPr lang="en-US" i="1">
+                                  <a:latin typeface="Cambria Math" panose="02040503050406030204" pitchFamily="18" charset="0"/>
+                                </a:rPr>
+                                <m:t> </m:t>
+                              </m:r>
+                              <m:r>
+                                <m:rPr>
+                                  <m:sty m:val="p"/>
+                                </m:rPr>
+                                <a:rPr lang="en-US">
+                                  <a:latin typeface="Cambria Math" panose="02040503050406030204" pitchFamily="18" charset="0"/>
+                                </a:rPr>
+                                <m:t>d</m:t>
+                              </m:r>
+                              <m:r>
+                                <a:rPr lang="en-US" i="1">
+                                  <a:latin typeface="Cambria Math" panose="02040503050406030204" pitchFamily="18" charset="0"/>
+                                </a:rPr>
+                                <m:t>𝑢</m:t>
+                              </m:r>
+                            </m:e>
+                          </m:nary>
+                          <m:r>
+                            <a:rPr lang="en-US" b="0" i="1" smtClean="0">
+                              <a:latin typeface="Cambria Math" panose="02040503050406030204" pitchFamily="18" charset="0"/>
+                            </a:rPr>
+                            <m:t>.</m:t>
+                          </m:r>
+                        </m:e>
+                      </m:nary>
+                    </m:oMath>
+                  </m:oMathPara>
+                </a14:m>
+                <a:endParaRPr lang="en-US" dirty="0"/>
+              </a:p>
+            </p:txBody>
+          </p:sp>
+        </mc:Choice>
+        <mc:Fallback>
+          <p:sp>
+            <p:nvSpPr>
+              <p:cNvPr id="6" name="Content Placeholder 5">
+                <a:extLst>
+                  <a:ext uri="{FF2B5EF4-FFF2-40B4-BE49-F238E27FC236}">
+                    <a16:creationId xmlns:a16="http://schemas.microsoft.com/office/drawing/2014/main" id="{B44CC4B4-F6AF-3B12-43CC-78C7A9F543BA}"/>
+                  </a:ext>
+                </a:extLst>
+              </p:cNvPr>
+              <p:cNvSpPr>
+                <a:spLocks noGrp="1" noRot="1" noChangeAspect="1" noMove="1" noResize="1" noEditPoints="1" noAdjustHandles="1" noChangeArrowheads="1" noChangeShapeType="1" noTextEdit="1"/>
+              </p:cNvSpPr>
+              <p:nvPr>
+                <p:ph idx="1"/>
+              </p:nvPr>
+            </p:nvSpPr>
+            <p:spPr>
+              <a:blipFill>
+                <a:blip r:embed="rId3"/>
+                <a:stretch>
+                  <a:fillRect l="-1206" t="-16570" b="-38372"/>
+                </a:stretch>
+              </a:blipFill>
+            </p:spPr>
+            <p:txBody>
+              <a:bodyPr/>
+              <a:lstStyle/>
+              <a:p>
+                <a:r>
+                  <a:rPr lang="en-US">
+                    <a:noFill/>
+                  </a:rPr>
+                  <a:t> </a:t>
+                </a:r>
+              </a:p>
+            </p:txBody>
+          </p:sp>
+        </mc:Fallback>
+      </mc:AlternateContent>
+      <p:sp>
+        <p:nvSpPr>
+          <p:cNvPr id="7" name="TextBox 6">
+            <a:extLst>
+              <a:ext uri="{FF2B5EF4-FFF2-40B4-BE49-F238E27FC236}">
+                <a16:creationId xmlns:a16="http://schemas.microsoft.com/office/drawing/2014/main" id="{01EEE62D-599A-CE32-A38F-7E543E3D92D4}"/>
+              </a:ext>
+            </a:extLst>
+          </p:cNvPr>
+          <p:cNvSpPr txBox="1"/>
+          <p:nvPr/>
+        </p:nvSpPr>
+        <p:spPr>
+          <a:xfrm>
+            <a:off x="3982573" y="6353177"/>
+            <a:ext cx="8209427" cy="461665"/>
+          </a:xfrm>
+          <a:prstGeom prst="rect">
+            <a:avLst/>
+          </a:prstGeom>
+          <a:noFill/>
+        </p:spPr>
+        <p:txBody>
+          <a:bodyPr wrap="none" rtlCol="0">
+            <a:spAutoFit/>
+          </a:bodyPr>
+          <a:lstStyle/>
+          <a:p>
+            <a:r>
+              <a:rPr lang="en-US" sz="2400" i="1" dirty="0"/>
+              <a:t>This is a sketch of the formal proof – omitting the rigorous bits</a:t>
+            </a:r>
+          </a:p>
+        </p:txBody>
+      </p:sp>
+    </p:spTree>
+    <p:extLst>
+      <p:ext uri="{BB962C8B-B14F-4D97-AF65-F5344CB8AC3E}">
+        <p14:creationId xmlns:p14="http://schemas.microsoft.com/office/powerpoint/2010/main" val="2301239082"/>
+      </p:ext>
+    </p:extLst>
+  </p:cSld>
+  <p:clrMapOvr>
+    <a:masterClrMapping/>
+  </p:clrMapOvr>
+</p:sld>
+</file>
+
+<file path=ppt/slides/slide19.xml><?xml version="1.0" encoding="utf-8"?>
+<p:sld xmlns:a="http://schemas.openxmlformats.org/drawingml/2006/main" xmlns:r="http://schemas.openxmlformats.org/officeDocument/2006/relationships" xmlns:p="http://schemas.openxmlformats.org/presentationml/2006/main">
+  <p:cSld>
+    <p:spTree>
+      <p:nvGrpSpPr>
         <p:cNvPr id="1" name=""/>
         <p:cNvGrpSpPr/>
         <p:nvPr/>
@@ -3823,89 +9075,6 @@
 </file>
 
 <file path=ppt/slides/slide2.xml><?xml version="1.0" encoding="utf-8"?>
-<p:sld xmlns:a="http://schemas.openxmlformats.org/drawingml/2006/main" xmlns:r="http://schemas.openxmlformats.org/officeDocument/2006/relationships" xmlns:p="http://schemas.openxmlformats.org/presentationml/2006/main">
-  <p:cSld>
-    <p:spTree>
-      <p:nvGrpSpPr>
-        <p:cNvPr id="1" name=""/>
-        <p:cNvGrpSpPr/>
-        <p:nvPr/>
-      </p:nvGrpSpPr>
-      <p:grpSpPr>
-        <a:xfrm>
-          <a:off x="0" y="0"/>
-          <a:ext cx="0" cy="0"/>
-          <a:chOff x="0" y="0"/>
-          <a:chExt cx="0" cy="0"/>
-        </a:xfrm>
-      </p:grpSpPr>
-      <p:sp>
-        <p:nvSpPr>
-          <p:cNvPr id="2" name="Title 1">
-            <a:extLst>
-              <a:ext uri="{FF2B5EF4-FFF2-40B4-BE49-F238E27FC236}">
-                <a16:creationId xmlns:a16="http://schemas.microsoft.com/office/drawing/2014/main" id="{504B3628-7107-EFB3-3A28-DE8228B6892C}"/>
-              </a:ext>
-            </a:extLst>
-          </p:cNvPr>
-          <p:cNvSpPr>
-            <a:spLocks noGrp="1"/>
-          </p:cNvSpPr>
-          <p:nvPr>
-            <p:ph type="title"/>
-          </p:nvPr>
-        </p:nvSpPr>
-        <p:spPr/>
-        <p:txBody>
-          <a:bodyPr/>
-          <a:lstStyle/>
-          <a:p>
-            <a:r>
-              <a:rPr lang="en-US" dirty="0"/>
-              <a:t>Three important properties of NHPPPs</a:t>
-            </a:r>
-          </a:p>
-        </p:txBody>
-      </p:sp>
-      <p:sp>
-        <p:nvSpPr>
-          <p:cNvPr id="3" name="Text Placeholder 2">
-            <a:extLst>
-              <a:ext uri="{FF2B5EF4-FFF2-40B4-BE49-F238E27FC236}">
-                <a16:creationId xmlns:a16="http://schemas.microsoft.com/office/drawing/2014/main" id="{E6B3ED44-39A1-4EB4-BF7E-62DC2090B919}"/>
-              </a:ext>
-            </a:extLst>
-          </p:cNvPr>
-          <p:cNvSpPr>
-            <a:spLocks noGrp="1"/>
-          </p:cNvSpPr>
-          <p:nvPr>
-            <p:ph type="body" idx="1"/>
-          </p:nvPr>
-        </p:nvSpPr>
-        <p:spPr/>
-        <p:txBody>
-          <a:bodyPr/>
-          <a:lstStyle/>
-          <a:p>
-            <a:endParaRPr lang="en-US"/>
-          </a:p>
-        </p:txBody>
-      </p:sp>
-    </p:spTree>
-    <p:extLst>
-      <p:ext uri="{BB962C8B-B14F-4D97-AF65-F5344CB8AC3E}">
-        <p14:creationId xmlns:p14="http://schemas.microsoft.com/office/powerpoint/2010/main" val="2259516499"/>
-      </p:ext>
-    </p:extLst>
-  </p:cSld>
-  <p:clrMapOvr>
-    <a:masterClrMapping/>
-  </p:clrMapOvr>
-</p:sld>
-</file>
-
-<file path=ppt/slides/slide3.xml><?xml version="1.0" encoding="utf-8"?>
 <p:sld xmlns:a="http://schemas.openxmlformats.org/drawingml/2006/main" xmlns:r="http://schemas.openxmlformats.org/officeDocument/2006/relationships" xmlns:p="http://schemas.openxmlformats.org/presentationml/2006/main">
   <p:cSld>
     <p:spTree>
@@ -4177,7 +9346,7 @@
                 </a:pPr>
                 <a:r>
                   <a:rPr lang="en-US" dirty="0"/>
-                  <a:t>A one-to-one transformation of the intensity function results in an NHPPP in the transformed time axis (and it’s unique)</a:t>
+                  <a:t>Any one-to-one transformation of the intensity function results in a unique NHPPP in the transformed time axis</a:t>
                 </a:r>
               </a:p>
             </p:txBody>
@@ -4236,7 +9405,7 @@
 </p:sld>
 </file>
 
-<file path=ppt/slides/slide4.xml><?xml version="1.0" encoding="utf-8"?>
+<file path=ppt/slides/slide3.xml><?xml version="1.0" encoding="utf-8"?>
 <p:sld xmlns:a="http://schemas.openxmlformats.org/drawingml/2006/main" xmlns:r="http://schemas.openxmlformats.org/officeDocument/2006/relationships" xmlns:p="http://schemas.openxmlformats.org/presentationml/2006/main">
   <p:cSld>
     <p:spTree>
@@ -4281,28 +9450,162 @@
           </a:p>
         </p:txBody>
       </p:sp>
-      <p:sp>
-        <p:nvSpPr>
-          <p:cNvPr id="3" name="Content Placeholder 2">
+      <p:pic>
+        <p:nvPicPr>
+          <p:cNvPr id="7" name="Content Placeholder 6">
             <a:extLst>
               <a:ext uri="{FF2B5EF4-FFF2-40B4-BE49-F238E27FC236}">
-                <a16:creationId xmlns:a16="http://schemas.microsoft.com/office/drawing/2014/main" id="{3F9B806C-B873-95CC-F112-21CBC0ACE929}"/>
+                <a16:creationId xmlns:a16="http://schemas.microsoft.com/office/drawing/2014/main" id="{DDE8DD9C-6331-79FA-BAF1-66EFBFAAB93E}"/>
               </a:ext>
             </a:extLst>
           </p:cNvPr>
-          <p:cNvSpPr>
-            <a:spLocks noGrp="1"/>
-          </p:cNvSpPr>
+          <p:cNvPicPr>
+            <a:picLocks noGrp="1" noChangeAspect="1"/>
+          </p:cNvPicPr>
           <p:nvPr>
-            <p:ph idx="1"/>
+            <p:ph sz="half" idx="1"/>
           </p:nvPr>
+        </p:nvPicPr>
+        <p:blipFill>
+          <a:blip r:embed="rId2"/>
+          <a:stretch>
+            <a:fillRect/>
+          </a:stretch>
+        </p:blipFill>
+        <p:spPr>
+          <a:xfrm>
+            <a:off x="414866" y="2528094"/>
+            <a:ext cx="4572000" cy="2743200"/>
+          </a:xfrm>
+        </p:spPr>
+      </p:pic>
+      <p:pic>
+        <p:nvPicPr>
+          <p:cNvPr id="13" name="Content Placeholder 12">
+            <a:extLst>
+              <a:ext uri="{FF2B5EF4-FFF2-40B4-BE49-F238E27FC236}">
+                <a16:creationId xmlns:a16="http://schemas.microsoft.com/office/drawing/2014/main" id="{354B4A0B-B763-D259-2798-C9BDB7A310B2}"/>
+              </a:ext>
+            </a:extLst>
+          </p:cNvPr>
+          <p:cNvPicPr>
+            <a:picLocks noGrp="1" noChangeAspect="1"/>
+          </p:cNvPicPr>
+          <p:nvPr>
+            <p:ph sz="half" idx="2"/>
+          </p:nvPr>
+        </p:nvPicPr>
+        <p:blipFill>
+          <a:blip r:embed="rId3"/>
+          <a:stretch>
+            <a:fillRect/>
+          </a:stretch>
+        </p:blipFill>
+        <p:spPr>
+          <a:xfrm>
+            <a:off x="6477000" y="4030135"/>
+            <a:ext cx="4572000" cy="2743200"/>
+          </a:xfrm>
+        </p:spPr>
+      </p:pic>
+      <p:pic>
+        <p:nvPicPr>
+          <p:cNvPr id="14" name="Content Placeholder 8">
+            <a:extLst>
+              <a:ext uri="{FF2B5EF4-FFF2-40B4-BE49-F238E27FC236}">
+                <a16:creationId xmlns:a16="http://schemas.microsoft.com/office/drawing/2014/main" id="{130835EB-AE3E-8A02-2A61-F9EBAEBE4A88}"/>
+              </a:ext>
+            </a:extLst>
+          </p:cNvPr>
+          <p:cNvPicPr>
+            <a:picLocks noChangeAspect="1"/>
+          </p:cNvPicPr>
+          <p:nvPr/>
+        </p:nvPicPr>
+        <p:blipFill>
+          <a:blip r:embed="rId4"/>
+          <a:stretch>
+            <a:fillRect/>
+          </a:stretch>
+        </p:blipFill>
+        <p:spPr>
+          <a:xfrm>
+            <a:off x="6477000" y="510521"/>
+            <a:ext cx="4572000" cy="2743200"/>
+          </a:xfrm>
+          <a:prstGeom prst="rect">
+            <a:avLst/>
+          </a:prstGeom>
+        </p:spPr>
+      </p:pic>
+      <p:sp>
+        <p:nvSpPr>
+          <p:cNvPr id="15" name="TextBox 14">
+            <a:extLst>
+              <a:ext uri="{FF2B5EF4-FFF2-40B4-BE49-F238E27FC236}">
+                <a16:creationId xmlns:a16="http://schemas.microsoft.com/office/drawing/2014/main" id="{838006BE-D866-BD88-57F3-C401AA7DE64B}"/>
+              </a:ext>
+            </a:extLst>
+          </p:cNvPr>
+          <p:cNvSpPr txBox="1"/>
+          <p:nvPr/>
         </p:nvSpPr>
-        <p:spPr/>
+        <p:spPr>
+          <a:xfrm>
+            <a:off x="5191993" y="2818651"/>
+            <a:ext cx="595035" cy="1015663"/>
+          </a:xfrm>
+          <a:prstGeom prst="rect">
+            <a:avLst/>
+          </a:prstGeom>
+          <a:noFill/>
+        </p:spPr>
         <p:txBody>
-          <a:bodyPr/>
+          <a:bodyPr wrap="none" rtlCol="0">
+            <a:spAutoFit/>
+          </a:bodyPr>
           <a:lstStyle/>
           <a:p>
-            <a:endParaRPr lang="en-US"/>
+            <a:r>
+              <a:rPr lang="en-US" sz="6000" b="1" dirty="0"/>
+              <a:t>=</a:t>
+            </a:r>
+            <a:endParaRPr lang="en-US" b="1" dirty="0"/>
+          </a:p>
+        </p:txBody>
+      </p:sp>
+      <p:sp>
+        <p:nvSpPr>
+          <p:cNvPr id="18" name="TextBox 17">
+            <a:extLst>
+              <a:ext uri="{FF2B5EF4-FFF2-40B4-BE49-F238E27FC236}">
+                <a16:creationId xmlns:a16="http://schemas.microsoft.com/office/drawing/2014/main" id="{4D49B00D-5971-9DDC-6246-FC5459D885AF}"/>
+              </a:ext>
+            </a:extLst>
+          </p:cNvPr>
+          <p:cNvSpPr txBox="1"/>
+          <p:nvPr/>
+        </p:nvSpPr>
+        <p:spPr>
+          <a:xfrm>
+            <a:off x="7448287" y="2664762"/>
+            <a:ext cx="732893" cy="1323439"/>
+          </a:xfrm>
+          <a:prstGeom prst="rect">
+            <a:avLst/>
+          </a:prstGeom>
+          <a:noFill/>
+        </p:spPr>
+        <p:txBody>
+          <a:bodyPr wrap="none" rtlCol="0">
+            <a:spAutoFit/>
+          </a:bodyPr>
+          <a:lstStyle/>
+          <a:p>
+            <a:r>
+              <a:rPr lang="en-US" sz="8000" dirty="0"/>
+              <a:t>+</a:t>
+            </a:r>
           </a:p>
         </p:txBody>
       </p:sp>
@@ -4319,7 +9622,7 @@
 </p:sld>
 </file>
 
-<file path=ppt/slides/slide5.xml><?xml version="1.0" encoding="utf-8"?>
+<file path=ppt/slides/slide4.xml><?xml version="1.0" encoding="utf-8"?>
 <p:sld xmlns:a="http://schemas.openxmlformats.org/drawingml/2006/main" xmlns:r="http://schemas.openxmlformats.org/officeDocument/2006/relationships" xmlns:p="http://schemas.openxmlformats.org/presentationml/2006/main">
   <p:cSld>
     <p:spTree>
@@ -4370,12 +9673,1148 @@
           </a:p>
         </p:txBody>
       </p:sp>
+      <p:pic>
+        <p:nvPicPr>
+          <p:cNvPr id="7" name="Content Placeholder 6">
+            <a:extLst>
+              <a:ext uri="{FF2B5EF4-FFF2-40B4-BE49-F238E27FC236}">
+                <a16:creationId xmlns:a16="http://schemas.microsoft.com/office/drawing/2014/main" id="{E142BBB9-2EC4-90A9-BD3A-AF53A5D57D62}"/>
+              </a:ext>
+            </a:extLst>
+          </p:cNvPr>
+          <p:cNvPicPr>
+            <a:picLocks noGrp="1" noChangeAspect="1"/>
+          </p:cNvPicPr>
+          <p:nvPr>
+            <p:ph sz="half" idx="1"/>
+          </p:nvPr>
+        </p:nvPicPr>
+        <p:blipFill>
+          <a:blip r:embed="rId2"/>
+          <a:stretch>
+            <a:fillRect/>
+          </a:stretch>
+        </p:blipFill>
+        <p:spPr>
+          <a:xfrm>
+            <a:off x="1143000" y="2629694"/>
+            <a:ext cx="4572000" cy="2743200"/>
+          </a:xfrm>
+        </p:spPr>
+      </p:pic>
+      <p:pic>
+        <p:nvPicPr>
+          <p:cNvPr id="9" name="Content Placeholder 8">
+            <a:extLst>
+              <a:ext uri="{FF2B5EF4-FFF2-40B4-BE49-F238E27FC236}">
+                <a16:creationId xmlns:a16="http://schemas.microsoft.com/office/drawing/2014/main" id="{B2329BD9-F724-FE5A-995C-82480F2CDE79}"/>
+              </a:ext>
+            </a:extLst>
+          </p:cNvPr>
+          <p:cNvPicPr>
+            <a:picLocks noGrp="1" noChangeAspect="1"/>
+          </p:cNvPicPr>
+          <p:nvPr>
+            <p:ph sz="half" idx="2"/>
+          </p:nvPr>
+        </p:nvPicPr>
+        <p:blipFill>
+          <a:blip r:embed="rId3"/>
+          <a:stretch>
+            <a:fillRect/>
+          </a:stretch>
+        </p:blipFill>
+        <p:spPr>
+          <a:xfrm>
+            <a:off x="6477000" y="2629694"/>
+            <a:ext cx="4572000" cy="2743200"/>
+          </a:xfrm>
+        </p:spPr>
+      </p:pic>
+      <p:grpSp>
+        <p:nvGrpSpPr>
+          <p:cNvPr id="37" name="Group 36">
+            <a:extLst>
+              <a:ext uri="{FF2B5EF4-FFF2-40B4-BE49-F238E27FC236}">
+                <a16:creationId xmlns:a16="http://schemas.microsoft.com/office/drawing/2014/main" id="{F05C75E5-E9B3-C9B8-DEE3-1069A5DD441A}"/>
+              </a:ext>
+            </a:extLst>
+          </p:cNvPr>
+          <p:cNvGrpSpPr/>
+          <p:nvPr/>
+        </p:nvGrpSpPr>
+        <p:grpSpPr>
+          <a:xfrm>
+            <a:off x="4744993" y="1492483"/>
+            <a:ext cx="2426044" cy="2681805"/>
+            <a:chOff x="4744993" y="1492483"/>
+            <a:chExt cx="2426044" cy="2681805"/>
+          </a:xfrm>
+        </p:grpSpPr>
+        <p:sp>
+          <p:nvSpPr>
+            <p:cNvPr id="13" name="Arc 12">
+              <a:extLst>
+                <a:ext uri="{FF2B5EF4-FFF2-40B4-BE49-F238E27FC236}">
+                  <a16:creationId xmlns:a16="http://schemas.microsoft.com/office/drawing/2014/main" id="{BCC2DDB3-5B44-A8B2-8234-7F4E92926F56}"/>
+                </a:ext>
+              </a:extLst>
+            </p:cNvPr>
+            <p:cNvSpPr/>
+            <p:nvPr/>
+          </p:nvSpPr>
+          <p:spPr>
+            <a:xfrm rot="18922569">
+              <a:off x="4744993" y="1900644"/>
+              <a:ext cx="2426044" cy="2273644"/>
+            </a:xfrm>
+            <a:prstGeom prst="arc">
+              <a:avLst>
+                <a:gd name="adj1" fmla="val 16200000"/>
+                <a:gd name="adj2" fmla="val 23411"/>
+              </a:avLst>
+            </a:prstGeom>
+            <a:ln>
+              <a:solidFill>
+                <a:schemeClr val="tx1"/>
+              </a:solidFill>
+              <a:tailEnd type="arrow"/>
+            </a:ln>
+          </p:spPr>
+          <p:style>
+            <a:lnRef idx="2">
+              <a:schemeClr val="accent1"/>
+            </a:lnRef>
+            <a:fillRef idx="0">
+              <a:schemeClr val="accent1"/>
+            </a:fillRef>
+            <a:effectRef idx="1">
+              <a:schemeClr val="accent1"/>
+            </a:effectRef>
+            <a:fontRef idx="minor">
+              <a:schemeClr val="tx1"/>
+            </a:fontRef>
+          </p:style>
+          <p:txBody>
+            <a:bodyPr rtlCol="0" anchor="ctr"/>
+            <a:lstStyle/>
+            <a:p>
+              <a:pPr algn="ctr"/>
+              <a:endParaRPr lang="en-US"/>
+            </a:p>
+          </p:txBody>
+        </p:sp>
+        <mc:AlternateContent xmlns:mc="http://schemas.openxmlformats.org/markup-compatibility/2006">
+          <mc:Choice xmlns:a14="http://schemas.microsoft.com/office/drawing/2010/main" Requires="a14">
+            <p:sp>
+              <p:nvSpPr>
+                <p:cNvPr id="14" name="TextBox 13">
+                  <a:extLst>
+                    <a:ext uri="{FF2B5EF4-FFF2-40B4-BE49-F238E27FC236}">
+                      <a16:creationId xmlns:a16="http://schemas.microsoft.com/office/drawing/2014/main" id="{D42408E4-CE5E-76E0-D56F-8FE018C3D908}"/>
+                    </a:ext>
+                  </a:extLst>
+                </p:cNvPr>
+                <p:cNvSpPr txBox="1"/>
+                <p:nvPr/>
+              </p:nvSpPr>
+              <p:spPr>
+                <a:xfrm>
+                  <a:off x="5820032" y="1492483"/>
+                  <a:ext cx="370038" cy="369332"/>
+                </a:xfrm>
+                <a:prstGeom prst="rect">
+                  <a:avLst/>
+                </a:prstGeom>
+                <a:noFill/>
+              </p:spPr>
+              <p:txBody>
+                <a:bodyPr wrap="none" rtlCol="0">
+                  <a:spAutoFit/>
+                </a:bodyPr>
+                <a:lstStyle/>
+                <a:p>
+                  <a14:m>
+                    <m:oMathPara xmlns:m="http://schemas.openxmlformats.org/officeDocument/2006/math">
+                      <m:oMathParaPr>
+                        <m:jc m:val="centerGroup"/>
+                      </m:oMathParaPr>
+                      <m:oMath xmlns:m="http://schemas.openxmlformats.org/officeDocument/2006/math">
+                        <m:r>
+                          <a:rPr lang="en-US" b="0" i="1" smtClean="0">
+                            <a:latin typeface="Cambria Math" panose="02040503050406030204" pitchFamily="18" charset="0"/>
+                          </a:rPr>
+                          <m:t>𝑢</m:t>
+                        </m:r>
+                      </m:oMath>
+                    </m:oMathPara>
+                  </a14:m>
+                  <a:endParaRPr lang="en-US" dirty="0"/>
+                </a:p>
+              </p:txBody>
+            </p:sp>
+          </mc:Choice>
+          <mc:Fallback>
+            <p:sp>
+              <p:nvSpPr>
+                <p:cNvPr id="14" name="TextBox 13">
+                  <a:extLst>
+                    <a:ext uri="{FF2B5EF4-FFF2-40B4-BE49-F238E27FC236}">
+                      <a16:creationId xmlns:a16="http://schemas.microsoft.com/office/drawing/2014/main" id="{D42408E4-CE5E-76E0-D56F-8FE018C3D908}"/>
+                    </a:ext>
+                  </a:extLst>
+                </p:cNvPr>
+                <p:cNvSpPr txBox="1">
+                  <a:spLocks noRot="1" noChangeAspect="1" noMove="1" noResize="1" noEditPoints="1" noAdjustHandles="1" noChangeArrowheads="1" noChangeShapeType="1" noTextEdit="1"/>
+                </p:cNvSpPr>
+                <p:nvPr/>
+              </p:nvSpPr>
+              <p:spPr>
+                <a:xfrm>
+                  <a:off x="5820032" y="1492483"/>
+                  <a:ext cx="370038" cy="369332"/>
+                </a:xfrm>
+                <a:prstGeom prst="rect">
+                  <a:avLst/>
+                </a:prstGeom>
+                <a:blipFill>
+                  <a:blip r:embed="rId4"/>
+                  <a:stretch>
+                    <a:fillRect/>
+                  </a:stretch>
+                </a:blipFill>
+              </p:spPr>
+              <p:txBody>
+                <a:bodyPr/>
+                <a:lstStyle/>
+                <a:p>
+                  <a:r>
+                    <a:rPr lang="en-US">
+                      <a:noFill/>
+                    </a:rPr>
+                    <a:t> </a:t>
+                  </a:r>
+                </a:p>
+              </p:txBody>
+            </p:sp>
+          </mc:Fallback>
+        </mc:AlternateContent>
+      </p:grpSp>
+      <p:grpSp>
+        <p:nvGrpSpPr>
+          <p:cNvPr id="36" name="Group 35">
+            <a:extLst>
+              <a:ext uri="{FF2B5EF4-FFF2-40B4-BE49-F238E27FC236}">
+                <a16:creationId xmlns:a16="http://schemas.microsoft.com/office/drawing/2014/main" id="{F7964088-672E-1DD0-A7CD-7E9B21348235}"/>
+              </a:ext>
+            </a:extLst>
+          </p:cNvPr>
+          <p:cNvGrpSpPr/>
+          <p:nvPr/>
+        </p:nvGrpSpPr>
+        <p:grpSpPr>
+          <a:xfrm>
+            <a:off x="4897393" y="3412290"/>
+            <a:ext cx="2426044" cy="2706424"/>
+            <a:chOff x="4897393" y="3412290"/>
+            <a:chExt cx="2426044" cy="2706424"/>
+          </a:xfrm>
+        </p:grpSpPr>
+        <p:sp>
+          <p:nvSpPr>
+            <p:cNvPr id="15" name="Arc 14">
+              <a:extLst>
+                <a:ext uri="{FF2B5EF4-FFF2-40B4-BE49-F238E27FC236}">
+                  <a16:creationId xmlns:a16="http://schemas.microsoft.com/office/drawing/2014/main" id="{69F4D7A0-D04A-0708-CF09-880A730695C2}"/>
+                </a:ext>
+              </a:extLst>
+            </p:cNvPr>
+            <p:cNvSpPr/>
+            <p:nvPr/>
+          </p:nvSpPr>
+          <p:spPr>
+            <a:xfrm rot="8158387">
+              <a:off x="4897393" y="3412290"/>
+              <a:ext cx="2426044" cy="2273644"/>
+            </a:xfrm>
+            <a:prstGeom prst="arc">
+              <a:avLst>
+                <a:gd name="adj1" fmla="val 16200000"/>
+                <a:gd name="adj2" fmla="val 23411"/>
+              </a:avLst>
+            </a:prstGeom>
+            <a:ln>
+              <a:solidFill>
+                <a:schemeClr val="tx1"/>
+              </a:solidFill>
+              <a:tailEnd type="arrow"/>
+            </a:ln>
+          </p:spPr>
+          <p:style>
+            <a:lnRef idx="2">
+              <a:schemeClr val="accent1"/>
+            </a:lnRef>
+            <a:fillRef idx="0">
+              <a:schemeClr val="accent1"/>
+            </a:fillRef>
+            <a:effectRef idx="1">
+              <a:schemeClr val="accent1"/>
+            </a:effectRef>
+            <a:fontRef idx="minor">
+              <a:schemeClr val="tx1"/>
+            </a:fontRef>
+          </p:style>
+          <p:txBody>
+            <a:bodyPr rtlCol="0" anchor="ctr"/>
+            <a:lstStyle/>
+            <a:p>
+              <a:pPr algn="ctr"/>
+              <a:endParaRPr lang="en-US"/>
+            </a:p>
+          </p:txBody>
+        </p:sp>
+        <mc:AlternateContent xmlns:mc="http://schemas.openxmlformats.org/markup-compatibility/2006">
+          <mc:Choice xmlns:a14="http://schemas.microsoft.com/office/drawing/2010/main" Requires="a14">
+            <p:sp>
+              <p:nvSpPr>
+                <p:cNvPr id="17" name="TextBox 16">
+                  <a:extLst>
+                    <a:ext uri="{FF2B5EF4-FFF2-40B4-BE49-F238E27FC236}">
+                      <a16:creationId xmlns:a16="http://schemas.microsoft.com/office/drawing/2014/main" id="{21DACC45-E359-36DC-14C5-237D117D407E}"/>
+                    </a:ext>
+                  </a:extLst>
+                </p:cNvPr>
+                <p:cNvSpPr txBox="1"/>
+                <p:nvPr/>
+              </p:nvSpPr>
+              <p:spPr>
+                <a:xfrm>
+                  <a:off x="5910981" y="5749382"/>
+                  <a:ext cx="370038" cy="369332"/>
+                </a:xfrm>
+                <a:prstGeom prst="rect">
+                  <a:avLst/>
+                </a:prstGeom>
+                <a:noFill/>
+              </p:spPr>
+              <p:txBody>
+                <a:bodyPr wrap="square" rtlCol="0">
+                  <a:spAutoFit/>
+                </a:bodyPr>
+                <a:lstStyle/>
+                <a:p>
+                  <a14:m>
+                    <m:oMathPara xmlns:m="http://schemas.openxmlformats.org/officeDocument/2006/math">
+                      <m:oMathParaPr>
+                        <m:jc m:val="centerGroup"/>
+                      </m:oMathParaPr>
+                      <m:oMath xmlns:m="http://schemas.openxmlformats.org/officeDocument/2006/math">
+                        <m:sSup>
+                          <m:sSupPr>
+                            <m:ctrlPr>
+                              <a:rPr lang="en-US" b="0" i="1" smtClean="0">
+                                <a:latin typeface="Cambria Math" panose="02040503050406030204" pitchFamily="18" charset="0"/>
+                              </a:rPr>
+                            </m:ctrlPr>
+                          </m:sSupPr>
+                          <m:e>
+                            <m:r>
+                              <a:rPr lang="en-US" b="0" i="1" smtClean="0">
+                                <a:latin typeface="Cambria Math" panose="02040503050406030204" pitchFamily="18" charset="0"/>
+                              </a:rPr>
+                              <m:t>𝑢</m:t>
+                            </m:r>
+                          </m:e>
+                          <m:sup>
+                            <m:r>
+                              <a:rPr lang="en-US" b="0" i="1" smtClean="0">
+                                <a:latin typeface="Cambria Math" panose="02040503050406030204" pitchFamily="18" charset="0"/>
+                              </a:rPr>
+                              <m:t>−1</m:t>
+                            </m:r>
+                          </m:sup>
+                        </m:sSup>
+                      </m:oMath>
+                    </m:oMathPara>
+                  </a14:m>
+                  <a:endParaRPr lang="en-US" dirty="0"/>
+                </a:p>
+              </p:txBody>
+            </p:sp>
+          </mc:Choice>
+          <mc:Fallback>
+            <p:sp>
+              <p:nvSpPr>
+                <p:cNvPr id="17" name="TextBox 16">
+                  <a:extLst>
+                    <a:ext uri="{FF2B5EF4-FFF2-40B4-BE49-F238E27FC236}">
+                      <a16:creationId xmlns:a16="http://schemas.microsoft.com/office/drawing/2014/main" id="{21DACC45-E359-36DC-14C5-237D117D407E}"/>
+                    </a:ext>
+                  </a:extLst>
+                </p:cNvPr>
+                <p:cNvSpPr txBox="1">
+                  <a:spLocks noRot="1" noChangeAspect="1" noMove="1" noResize="1" noEditPoints="1" noAdjustHandles="1" noChangeArrowheads="1" noChangeShapeType="1" noTextEdit="1"/>
+                </p:cNvSpPr>
+                <p:nvPr/>
+              </p:nvSpPr>
+              <p:spPr>
+                <a:xfrm>
+                  <a:off x="5910981" y="5749382"/>
+                  <a:ext cx="370038" cy="369332"/>
+                </a:xfrm>
+                <a:prstGeom prst="rect">
+                  <a:avLst/>
+                </a:prstGeom>
+                <a:blipFill>
+                  <a:blip r:embed="rId5"/>
+                  <a:stretch>
+                    <a:fillRect r="-36667"/>
+                  </a:stretch>
+                </a:blipFill>
+              </p:spPr>
+              <p:txBody>
+                <a:bodyPr/>
+                <a:lstStyle/>
+                <a:p>
+                  <a:r>
+                    <a:rPr lang="en-US">
+                      <a:noFill/>
+                    </a:rPr>
+                    <a:t> </a:t>
+                  </a:r>
+                </a:p>
+              </p:txBody>
+            </p:sp>
+          </mc:Fallback>
+        </mc:AlternateContent>
+      </p:grpSp>
+      <p:grpSp>
+        <p:nvGrpSpPr>
+          <p:cNvPr id="35" name="Group 34">
+            <a:extLst>
+              <a:ext uri="{FF2B5EF4-FFF2-40B4-BE49-F238E27FC236}">
+                <a16:creationId xmlns:a16="http://schemas.microsoft.com/office/drawing/2014/main" id="{B751A6EC-2745-AFB9-BFE6-1DB34B7C7D8B}"/>
+              </a:ext>
+            </a:extLst>
+          </p:cNvPr>
+          <p:cNvGrpSpPr/>
+          <p:nvPr/>
+        </p:nvGrpSpPr>
+        <p:grpSpPr>
+          <a:xfrm>
+            <a:off x="7418388" y="4824583"/>
+            <a:ext cx="4156434" cy="1254556"/>
+            <a:chOff x="7418388" y="4824583"/>
+            <a:chExt cx="4156434" cy="1254556"/>
+          </a:xfrm>
+        </p:grpSpPr>
+        <p:grpSp>
+          <p:nvGrpSpPr>
+            <p:cNvPr id="34" name="Group 33">
+              <a:extLst>
+                <a:ext uri="{FF2B5EF4-FFF2-40B4-BE49-F238E27FC236}">
+                  <a16:creationId xmlns:a16="http://schemas.microsoft.com/office/drawing/2014/main" id="{3E63F9C0-F60A-EF1F-5076-C6309ABF0C4B}"/>
+                </a:ext>
+              </a:extLst>
+            </p:cNvPr>
+            <p:cNvGrpSpPr/>
+            <p:nvPr/>
+          </p:nvGrpSpPr>
+          <p:grpSpPr>
+            <a:xfrm>
+              <a:off x="7418388" y="4824583"/>
+              <a:ext cx="4156434" cy="1254556"/>
+              <a:chOff x="7418388" y="4824583"/>
+              <a:chExt cx="4156434" cy="1254556"/>
+            </a:xfrm>
+          </p:grpSpPr>
+          <p:grpSp>
+            <p:nvGrpSpPr>
+              <p:cNvPr id="33" name="Group 32">
+                <a:extLst>
+                  <a:ext uri="{FF2B5EF4-FFF2-40B4-BE49-F238E27FC236}">
+                    <a16:creationId xmlns:a16="http://schemas.microsoft.com/office/drawing/2014/main" id="{EAA26FE8-F784-1CFC-2C5B-C6DB96EBEC28}"/>
+                  </a:ext>
+                </a:extLst>
+              </p:cNvPr>
+              <p:cNvGrpSpPr/>
+              <p:nvPr/>
+            </p:nvGrpSpPr>
+            <p:grpSpPr>
+              <a:xfrm>
+                <a:off x="7418388" y="5709807"/>
+                <a:ext cx="4156434" cy="369332"/>
+                <a:chOff x="7418388" y="5709807"/>
+                <a:chExt cx="4156434" cy="369332"/>
+              </a:xfrm>
+            </p:grpSpPr>
+            <mc:AlternateContent xmlns:mc="http://schemas.openxmlformats.org/markup-compatibility/2006">
+              <mc:Choice xmlns:a14="http://schemas.microsoft.com/office/drawing/2010/main" Requires="a14">
+                <p:sp>
+                  <p:nvSpPr>
+                    <p:cNvPr id="18" name="TextBox 17">
+                      <a:extLst>
+                        <a:ext uri="{FF2B5EF4-FFF2-40B4-BE49-F238E27FC236}">
+                          <a16:creationId xmlns:a16="http://schemas.microsoft.com/office/drawing/2014/main" id="{01F3A070-6632-3C7C-5455-12B12DD2C646}"/>
+                        </a:ext>
+                      </a:extLst>
+                    </p:cNvPr>
+                    <p:cNvSpPr txBox="1"/>
+                    <p:nvPr/>
+                  </p:nvSpPr>
+                  <p:spPr>
+                    <a:xfrm>
+                      <a:off x="7418388" y="5709807"/>
+                      <a:ext cx="690638" cy="369332"/>
+                    </a:xfrm>
+                    <a:prstGeom prst="rect">
+                      <a:avLst/>
+                    </a:prstGeom>
+                    <a:noFill/>
+                  </p:spPr>
+                  <p:txBody>
+                    <a:bodyPr wrap="none" rtlCol="0">
+                      <a:spAutoFit/>
+                    </a:bodyPr>
+                    <a:lstStyle/>
+                    <a:p>
+                      <a14:m>
+                        <m:oMathPara xmlns:m="http://schemas.openxmlformats.org/officeDocument/2006/math">
+                          <m:oMathParaPr>
+                            <m:jc m:val="centerGroup"/>
+                          </m:oMathParaPr>
+                          <m:oMath xmlns:m="http://schemas.openxmlformats.org/officeDocument/2006/math">
+                            <m:r>
+                              <a:rPr lang="en-US" b="0" i="1" smtClean="0">
+                                <a:latin typeface="Cambria Math" panose="02040503050406030204" pitchFamily="18" charset="0"/>
+                              </a:rPr>
+                              <m:t>𝑢</m:t>
+                            </m:r>
+                            <m:r>
+                              <a:rPr lang="en-US" b="0" i="1" smtClean="0">
+                                <a:latin typeface="Cambria Math" panose="02040503050406030204" pitchFamily="18" charset="0"/>
+                              </a:rPr>
+                              <m:t>(1)</m:t>
+                            </m:r>
+                          </m:oMath>
+                        </m:oMathPara>
+                      </a14:m>
+                      <a:endParaRPr lang="en-US" dirty="0"/>
+                    </a:p>
+                  </p:txBody>
+                </p:sp>
+              </mc:Choice>
+              <mc:Fallback>
+                <p:sp>
+                  <p:nvSpPr>
+                    <p:cNvPr id="18" name="TextBox 17">
+                      <a:extLst>
+                        <a:ext uri="{FF2B5EF4-FFF2-40B4-BE49-F238E27FC236}">
+                          <a16:creationId xmlns:a16="http://schemas.microsoft.com/office/drawing/2014/main" id="{01F3A070-6632-3C7C-5455-12B12DD2C646}"/>
+                        </a:ext>
+                      </a:extLst>
+                    </p:cNvPr>
+                    <p:cNvSpPr txBox="1">
+                      <a:spLocks noRot="1" noChangeAspect="1" noMove="1" noResize="1" noEditPoints="1" noAdjustHandles="1" noChangeArrowheads="1" noChangeShapeType="1" noTextEdit="1"/>
+                    </p:cNvSpPr>
+                    <p:nvPr/>
+                  </p:nvSpPr>
+                  <p:spPr>
+                    <a:xfrm>
+                      <a:off x="7418388" y="5709807"/>
+                      <a:ext cx="690638" cy="369332"/>
+                    </a:xfrm>
+                    <a:prstGeom prst="rect">
+                      <a:avLst/>
+                    </a:prstGeom>
+                    <a:blipFill>
+                      <a:blip r:embed="rId6"/>
+                      <a:stretch>
+                        <a:fillRect b="-13333"/>
+                      </a:stretch>
+                    </a:blipFill>
+                  </p:spPr>
+                  <p:txBody>
+                    <a:bodyPr/>
+                    <a:lstStyle/>
+                    <a:p>
+                      <a:r>
+                        <a:rPr lang="en-US">
+                          <a:noFill/>
+                        </a:rPr>
+                        <a:t> </a:t>
+                      </a:r>
+                    </a:p>
+                  </p:txBody>
+                </p:sp>
+              </mc:Fallback>
+            </mc:AlternateContent>
+            <mc:AlternateContent xmlns:mc="http://schemas.openxmlformats.org/markup-compatibility/2006">
+              <mc:Choice xmlns:a14="http://schemas.microsoft.com/office/drawing/2010/main" Requires="a14">
+                <p:sp>
+                  <p:nvSpPr>
+                    <p:cNvPr id="19" name="TextBox 18">
+                      <a:extLst>
+                        <a:ext uri="{FF2B5EF4-FFF2-40B4-BE49-F238E27FC236}">
+                          <a16:creationId xmlns:a16="http://schemas.microsoft.com/office/drawing/2014/main" id="{862E1A50-CB07-5C7E-A63A-B4ACB823DA0C}"/>
+                        </a:ext>
+                      </a:extLst>
+                    </p:cNvPr>
+                    <p:cNvSpPr txBox="1"/>
+                    <p:nvPr/>
+                  </p:nvSpPr>
+                  <p:spPr>
+                    <a:xfrm>
+                      <a:off x="8478899" y="5709807"/>
+                      <a:ext cx="690638" cy="369332"/>
+                    </a:xfrm>
+                    <a:prstGeom prst="rect">
+                      <a:avLst/>
+                    </a:prstGeom>
+                    <a:noFill/>
+                  </p:spPr>
+                  <p:txBody>
+                    <a:bodyPr wrap="none" rtlCol="0">
+                      <a:spAutoFit/>
+                    </a:bodyPr>
+                    <a:lstStyle/>
+                    <a:p>
+                      <a14:m>
+                        <m:oMathPara xmlns:m="http://schemas.openxmlformats.org/officeDocument/2006/math">
+                          <m:oMathParaPr>
+                            <m:jc m:val="centerGroup"/>
+                          </m:oMathParaPr>
+                          <m:oMath xmlns:m="http://schemas.openxmlformats.org/officeDocument/2006/math">
+                            <m:r>
+                              <a:rPr lang="en-US" b="0" i="1" smtClean="0">
+                                <a:latin typeface="Cambria Math" panose="02040503050406030204" pitchFamily="18" charset="0"/>
+                              </a:rPr>
+                              <m:t>𝑢</m:t>
+                            </m:r>
+                            <m:r>
+                              <a:rPr lang="en-US" b="0" i="1" smtClean="0">
+                                <a:latin typeface="Cambria Math" panose="02040503050406030204" pitchFamily="18" charset="0"/>
+                              </a:rPr>
+                              <m:t>(2)</m:t>
+                            </m:r>
+                          </m:oMath>
+                        </m:oMathPara>
+                      </a14:m>
+                      <a:endParaRPr lang="en-US" dirty="0"/>
+                    </a:p>
+                  </p:txBody>
+                </p:sp>
+              </mc:Choice>
+              <mc:Fallback>
+                <p:sp>
+                  <p:nvSpPr>
+                    <p:cNvPr id="19" name="TextBox 18">
+                      <a:extLst>
+                        <a:ext uri="{FF2B5EF4-FFF2-40B4-BE49-F238E27FC236}">
+                          <a16:creationId xmlns:a16="http://schemas.microsoft.com/office/drawing/2014/main" id="{862E1A50-CB07-5C7E-A63A-B4ACB823DA0C}"/>
+                        </a:ext>
+                      </a:extLst>
+                    </p:cNvPr>
+                    <p:cNvSpPr txBox="1">
+                      <a:spLocks noRot="1" noChangeAspect="1" noMove="1" noResize="1" noEditPoints="1" noAdjustHandles="1" noChangeArrowheads="1" noChangeShapeType="1" noTextEdit="1"/>
+                    </p:cNvSpPr>
+                    <p:nvPr/>
+                  </p:nvSpPr>
+                  <p:spPr>
+                    <a:xfrm>
+                      <a:off x="8478899" y="5709807"/>
+                      <a:ext cx="690638" cy="369332"/>
+                    </a:xfrm>
+                    <a:prstGeom prst="rect">
+                      <a:avLst/>
+                    </a:prstGeom>
+                    <a:blipFill>
+                      <a:blip r:embed="rId7"/>
+                      <a:stretch>
+                        <a:fillRect b="-13333"/>
+                      </a:stretch>
+                    </a:blipFill>
+                  </p:spPr>
+                  <p:txBody>
+                    <a:bodyPr/>
+                    <a:lstStyle/>
+                    <a:p>
+                      <a:r>
+                        <a:rPr lang="en-US">
+                          <a:noFill/>
+                        </a:rPr>
+                        <a:t> </a:t>
+                      </a:r>
+                    </a:p>
+                  </p:txBody>
+                </p:sp>
+              </mc:Fallback>
+            </mc:AlternateContent>
+            <mc:AlternateContent xmlns:mc="http://schemas.openxmlformats.org/markup-compatibility/2006">
+              <mc:Choice xmlns:a14="http://schemas.microsoft.com/office/drawing/2010/main" Requires="a14">
+                <p:sp>
+                  <p:nvSpPr>
+                    <p:cNvPr id="20" name="TextBox 19">
+                      <a:extLst>
+                        <a:ext uri="{FF2B5EF4-FFF2-40B4-BE49-F238E27FC236}">
+                          <a16:creationId xmlns:a16="http://schemas.microsoft.com/office/drawing/2014/main" id="{B4C7DCEC-4469-DFAA-2684-30AE6F587B56}"/>
+                        </a:ext>
+                      </a:extLst>
+                    </p:cNvPr>
+                    <p:cNvSpPr txBox="1"/>
+                    <p:nvPr/>
+                  </p:nvSpPr>
+                  <p:spPr>
+                    <a:xfrm>
+                      <a:off x="10116452" y="5709807"/>
+                      <a:ext cx="690638" cy="369332"/>
+                    </a:xfrm>
+                    <a:prstGeom prst="rect">
+                      <a:avLst/>
+                    </a:prstGeom>
+                    <a:noFill/>
+                  </p:spPr>
+                  <p:txBody>
+                    <a:bodyPr wrap="none" rtlCol="0">
+                      <a:spAutoFit/>
+                    </a:bodyPr>
+                    <a:lstStyle/>
+                    <a:p>
+                      <a14:m>
+                        <m:oMathPara xmlns:m="http://schemas.openxmlformats.org/officeDocument/2006/math">
+                          <m:oMathParaPr>
+                            <m:jc m:val="centerGroup"/>
+                          </m:oMathParaPr>
+                          <m:oMath xmlns:m="http://schemas.openxmlformats.org/officeDocument/2006/math">
+                            <m:r>
+                              <a:rPr lang="en-US" b="0" i="1" smtClean="0">
+                                <a:latin typeface="Cambria Math" panose="02040503050406030204" pitchFamily="18" charset="0"/>
+                              </a:rPr>
+                              <m:t>𝑢</m:t>
+                            </m:r>
+                            <m:r>
+                              <a:rPr lang="en-US" b="0" i="1" smtClean="0">
+                                <a:latin typeface="Cambria Math" panose="02040503050406030204" pitchFamily="18" charset="0"/>
+                              </a:rPr>
+                              <m:t>(3)</m:t>
+                            </m:r>
+                          </m:oMath>
+                        </m:oMathPara>
+                      </a14:m>
+                      <a:endParaRPr lang="en-US" dirty="0"/>
+                    </a:p>
+                  </p:txBody>
+                </p:sp>
+              </mc:Choice>
+              <mc:Fallback>
+                <p:sp>
+                  <p:nvSpPr>
+                    <p:cNvPr id="20" name="TextBox 19">
+                      <a:extLst>
+                        <a:ext uri="{FF2B5EF4-FFF2-40B4-BE49-F238E27FC236}">
+                          <a16:creationId xmlns:a16="http://schemas.microsoft.com/office/drawing/2014/main" id="{B4C7DCEC-4469-DFAA-2684-30AE6F587B56}"/>
+                        </a:ext>
+                      </a:extLst>
+                    </p:cNvPr>
+                    <p:cNvSpPr txBox="1">
+                      <a:spLocks noRot="1" noChangeAspect="1" noMove="1" noResize="1" noEditPoints="1" noAdjustHandles="1" noChangeArrowheads="1" noChangeShapeType="1" noTextEdit="1"/>
+                    </p:cNvSpPr>
+                    <p:nvPr/>
+                  </p:nvSpPr>
+                  <p:spPr>
+                    <a:xfrm>
+                      <a:off x="10116452" y="5709807"/>
+                      <a:ext cx="690638" cy="369332"/>
+                    </a:xfrm>
+                    <a:prstGeom prst="rect">
+                      <a:avLst/>
+                    </a:prstGeom>
+                    <a:blipFill>
+                      <a:blip r:embed="rId8"/>
+                      <a:stretch>
+                        <a:fillRect b="-13333"/>
+                      </a:stretch>
+                    </a:blipFill>
+                  </p:spPr>
+                  <p:txBody>
+                    <a:bodyPr/>
+                    <a:lstStyle/>
+                    <a:p>
+                      <a:r>
+                        <a:rPr lang="en-US">
+                          <a:noFill/>
+                        </a:rPr>
+                        <a:t> </a:t>
+                      </a:r>
+                    </a:p>
+                  </p:txBody>
+                </p:sp>
+              </mc:Fallback>
+            </mc:AlternateContent>
+            <mc:AlternateContent xmlns:mc="http://schemas.openxmlformats.org/markup-compatibility/2006">
+              <mc:Choice xmlns:a14="http://schemas.microsoft.com/office/drawing/2010/main" Requires="a14">
+                <p:sp>
+                  <p:nvSpPr>
+                    <p:cNvPr id="21" name="TextBox 20">
+                      <a:extLst>
+                        <a:ext uri="{FF2B5EF4-FFF2-40B4-BE49-F238E27FC236}">
+                          <a16:creationId xmlns:a16="http://schemas.microsoft.com/office/drawing/2014/main" id="{A7ECEC2D-C54E-F4DD-EA74-5A831C2CF828}"/>
+                        </a:ext>
+                      </a:extLst>
+                    </p:cNvPr>
+                    <p:cNvSpPr txBox="1"/>
+                    <p:nvPr/>
+                  </p:nvSpPr>
+                  <p:spPr>
+                    <a:xfrm>
+                      <a:off x="10707853" y="5709807"/>
+                      <a:ext cx="866969" cy="369332"/>
+                    </a:xfrm>
+                    <a:prstGeom prst="rect">
+                      <a:avLst/>
+                    </a:prstGeom>
+                    <a:noFill/>
+                  </p:spPr>
+                  <p:txBody>
+                    <a:bodyPr wrap="none" rtlCol="0">
+                      <a:spAutoFit/>
+                    </a:bodyPr>
+                    <a:lstStyle/>
+                    <a:p>
+                      <a14:m>
+                        <m:oMathPara xmlns:m="http://schemas.openxmlformats.org/officeDocument/2006/math">
+                          <m:oMathParaPr>
+                            <m:jc m:val="centerGroup"/>
+                          </m:oMathParaPr>
+                          <m:oMath xmlns:m="http://schemas.openxmlformats.org/officeDocument/2006/math">
+                            <m:r>
+                              <a:rPr lang="en-US" b="0" i="1" smtClean="0">
+                                <a:latin typeface="Cambria Math" panose="02040503050406030204" pitchFamily="18" charset="0"/>
+                              </a:rPr>
+                              <m:t>𝑢</m:t>
+                            </m:r>
+                            <m:r>
+                              <a:rPr lang="en-US" b="0" i="1" smtClean="0">
+                                <a:latin typeface="Cambria Math" panose="02040503050406030204" pitchFamily="18" charset="0"/>
+                              </a:rPr>
+                              <m:t>(3.5)</m:t>
+                            </m:r>
+                          </m:oMath>
+                        </m:oMathPara>
+                      </a14:m>
+                      <a:endParaRPr lang="en-US" dirty="0"/>
+                    </a:p>
+                  </p:txBody>
+                </p:sp>
+              </mc:Choice>
+              <mc:Fallback>
+                <p:sp>
+                  <p:nvSpPr>
+                    <p:cNvPr id="21" name="TextBox 20">
+                      <a:extLst>
+                        <a:ext uri="{FF2B5EF4-FFF2-40B4-BE49-F238E27FC236}">
+                          <a16:creationId xmlns:a16="http://schemas.microsoft.com/office/drawing/2014/main" id="{A7ECEC2D-C54E-F4DD-EA74-5A831C2CF828}"/>
+                        </a:ext>
+                      </a:extLst>
+                    </p:cNvPr>
+                    <p:cNvSpPr txBox="1">
+                      <a:spLocks noRot="1" noChangeAspect="1" noMove="1" noResize="1" noEditPoints="1" noAdjustHandles="1" noChangeArrowheads="1" noChangeShapeType="1" noTextEdit="1"/>
+                    </p:cNvSpPr>
+                    <p:nvPr/>
+                  </p:nvSpPr>
+                  <p:spPr>
+                    <a:xfrm>
+                      <a:off x="10707853" y="5709807"/>
+                      <a:ext cx="866969" cy="369332"/>
+                    </a:xfrm>
+                    <a:prstGeom prst="rect">
+                      <a:avLst/>
+                    </a:prstGeom>
+                    <a:blipFill>
+                      <a:blip r:embed="rId9"/>
+                      <a:stretch>
+                        <a:fillRect b="-13333"/>
+                      </a:stretch>
+                    </a:blipFill>
+                  </p:spPr>
+                  <p:txBody>
+                    <a:bodyPr/>
+                    <a:lstStyle/>
+                    <a:p>
+                      <a:r>
+                        <a:rPr lang="en-US">
+                          <a:noFill/>
+                        </a:rPr>
+                        <a:t> </a:t>
+                      </a:r>
+                    </a:p>
+                  </p:txBody>
+                </p:sp>
+              </mc:Fallback>
+            </mc:AlternateContent>
+          </p:grpSp>
+          <p:cxnSp>
+            <p:nvCxnSpPr>
+              <p:cNvPr id="23" name="Straight Arrow Connector 22">
+                <a:extLst>
+                  <a:ext uri="{FF2B5EF4-FFF2-40B4-BE49-F238E27FC236}">
+                    <a16:creationId xmlns:a16="http://schemas.microsoft.com/office/drawing/2014/main" id="{68D1B1FF-A33E-20F2-D753-3AE399726F8A}"/>
+                  </a:ext>
+                </a:extLst>
+              </p:cNvPr>
+              <p:cNvCxnSpPr/>
+              <p:nvPr/>
+            </p:nvCxnSpPr>
+            <p:spPr>
+              <a:xfrm flipV="1">
+                <a:off x="7708514" y="4828674"/>
+                <a:ext cx="0" cy="777881"/>
+              </a:xfrm>
+              <a:prstGeom prst="straightConnector1">
+                <a:avLst/>
+              </a:prstGeom>
+              <a:ln>
+                <a:solidFill>
+                  <a:schemeClr val="tx1"/>
+                </a:solidFill>
+                <a:tailEnd type="triangle"/>
+              </a:ln>
+            </p:spPr>
+            <p:style>
+              <a:lnRef idx="2">
+                <a:schemeClr val="accent1"/>
+              </a:lnRef>
+              <a:fillRef idx="0">
+                <a:schemeClr val="accent1"/>
+              </a:fillRef>
+              <a:effectRef idx="1">
+                <a:schemeClr val="accent1"/>
+              </a:effectRef>
+              <a:fontRef idx="minor">
+                <a:schemeClr val="tx1"/>
+              </a:fontRef>
+            </p:style>
+          </p:cxnSp>
+          <p:cxnSp>
+            <p:nvCxnSpPr>
+              <p:cNvPr id="24" name="Straight Arrow Connector 23">
+                <a:extLst>
+                  <a:ext uri="{FF2B5EF4-FFF2-40B4-BE49-F238E27FC236}">
+                    <a16:creationId xmlns:a16="http://schemas.microsoft.com/office/drawing/2014/main" id="{8EAA1542-0AED-09BC-2483-38E9E05A8817}"/>
+                  </a:ext>
+                </a:extLst>
+              </p:cNvPr>
+              <p:cNvCxnSpPr>
+                <a:cxnSpLocks/>
+              </p:cNvCxnSpPr>
+              <p:nvPr/>
+            </p:nvCxnSpPr>
+            <p:spPr>
+              <a:xfrm flipV="1">
+                <a:off x="8827168" y="4824583"/>
+                <a:ext cx="0" cy="250691"/>
+              </a:xfrm>
+              <a:prstGeom prst="straightConnector1">
+                <a:avLst/>
+              </a:prstGeom>
+              <a:ln>
+                <a:solidFill>
+                  <a:schemeClr val="tx1"/>
+                </a:solidFill>
+                <a:tailEnd type="triangle"/>
+              </a:ln>
+            </p:spPr>
+            <p:style>
+              <a:lnRef idx="2">
+                <a:schemeClr val="accent1"/>
+              </a:lnRef>
+              <a:fillRef idx="0">
+                <a:schemeClr val="accent1"/>
+              </a:fillRef>
+              <a:effectRef idx="1">
+                <a:schemeClr val="accent1"/>
+              </a:effectRef>
+              <a:fontRef idx="minor">
+                <a:schemeClr val="tx1"/>
+              </a:fontRef>
+            </p:style>
+          </p:cxnSp>
+          <p:cxnSp>
+            <p:nvCxnSpPr>
+              <p:cNvPr id="28" name="Straight Arrow Connector 27">
+                <a:extLst>
+                  <a:ext uri="{FF2B5EF4-FFF2-40B4-BE49-F238E27FC236}">
+                    <a16:creationId xmlns:a16="http://schemas.microsoft.com/office/drawing/2014/main" id="{8650C6A9-55E5-80B8-6C72-522F6F1AD43E}"/>
+                  </a:ext>
+                </a:extLst>
+              </p:cNvPr>
+              <p:cNvCxnSpPr>
+                <a:cxnSpLocks/>
+              </p:cNvCxnSpPr>
+              <p:nvPr/>
+            </p:nvCxnSpPr>
+            <p:spPr>
+              <a:xfrm flipV="1">
+                <a:off x="10519051" y="5075274"/>
+                <a:ext cx="0" cy="541916"/>
+              </a:xfrm>
+              <a:prstGeom prst="straightConnector1">
+                <a:avLst/>
+              </a:prstGeom>
+              <a:ln>
+                <a:solidFill>
+                  <a:schemeClr val="tx1"/>
+                </a:solidFill>
+                <a:tailEnd type="triangle"/>
+              </a:ln>
+            </p:spPr>
+            <p:style>
+              <a:lnRef idx="2">
+                <a:schemeClr val="accent1"/>
+              </a:lnRef>
+              <a:fillRef idx="0">
+                <a:schemeClr val="accent1"/>
+              </a:fillRef>
+              <a:effectRef idx="1">
+                <a:schemeClr val="accent1"/>
+              </a:effectRef>
+              <a:fontRef idx="minor">
+                <a:schemeClr val="tx1"/>
+              </a:fontRef>
+            </p:style>
+          </p:cxnSp>
+          <p:cxnSp>
+            <p:nvCxnSpPr>
+              <p:cNvPr id="30" name="Straight Arrow Connector 29">
+                <a:extLst>
+                  <a:ext uri="{FF2B5EF4-FFF2-40B4-BE49-F238E27FC236}">
+                    <a16:creationId xmlns:a16="http://schemas.microsoft.com/office/drawing/2014/main" id="{DF4757FC-05E9-8A02-9ACA-E07AE9C0C64F}"/>
+                  </a:ext>
+                </a:extLst>
+              </p:cNvPr>
+              <p:cNvCxnSpPr>
+                <a:cxnSpLocks/>
+              </p:cNvCxnSpPr>
+              <p:nvPr/>
+            </p:nvCxnSpPr>
+            <p:spPr>
+              <a:xfrm flipH="1" flipV="1">
+                <a:off x="10646735" y="4824583"/>
+                <a:ext cx="177983" cy="792607"/>
+              </a:xfrm>
+              <a:prstGeom prst="straightConnector1">
+                <a:avLst/>
+              </a:prstGeom>
+              <a:ln>
+                <a:solidFill>
+                  <a:schemeClr val="tx1"/>
+                </a:solidFill>
+                <a:tailEnd type="triangle"/>
+              </a:ln>
+            </p:spPr>
+            <p:style>
+              <a:lnRef idx="2">
+                <a:schemeClr val="accent1"/>
+              </a:lnRef>
+              <a:fillRef idx="0">
+                <a:schemeClr val="accent1"/>
+              </a:fillRef>
+              <a:effectRef idx="1">
+                <a:schemeClr val="accent1"/>
+              </a:effectRef>
+              <a:fontRef idx="minor">
+                <a:schemeClr val="tx1"/>
+              </a:fontRef>
+            </p:style>
+          </p:cxnSp>
+        </p:grpSp>
+        <p:cxnSp>
+          <p:nvCxnSpPr>
+            <p:cNvPr id="32" name="Straight Arrow Connector 31">
+              <a:extLst>
+                <a:ext uri="{FF2B5EF4-FFF2-40B4-BE49-F238E27FC236}">
+                  <a16:creationId xmlns:a16="http://schemas.microsoft.com/office/drawing/2014/main" id="{270EC2D7-8524-3496-A5F9-422449C86E87}"/>
+                </a:ext>
+              </a:extLst>
+            </p:cNvPr>
+            <p:cNvCxnSpPr>
+              <a:cxnSpLocks/>
+            </p:cNvCxnSpPr>
+            <p:nvPr/>
+          </p:nvCxnSpPr>
+          <p:spPr>
+            <a:xfrm flipV="1">
+              <a:off x="8829907" y="5314249"/>
+              <a:ext cx="0" cy="250691"/>
+            </a:xfrm>
+            <a:prstGeom prst="straightConnector1">
+              <a:avLst/>
+            </a:prstGeom>
+            <a:ln>
+              <a:solidFill>
+                <a:schemeClr val="tx1"/>
+              </a:solidFill>
+              <a:tailEnd type="none"/>
+            </a:ln>
+          </p:spPr>
+          <p:style>
+            <a:lnRef idx="2">
+              <a:schemeClr val="accent1"/>
+            </a:lnRef>
+            <a:fillRef idx="0">
+              <a:schemeClr val="accent1"/>
+            </a:fillRef>
+            <a:effectRef idx="1">
+              <a:schemeClr val="accent1"/>
+            </a:effectRef>
+            <a:fontRef idx="minor">
+              <a:schemeClr val="tx1"/>
+            </a:fontRef>
+          </p:style>
+        </p:cxnSp>
+      </p:grpSp>
+    </p:spTree>
+    <p:extLst>
+      <p:ext uri="{BB962C8B-B14F-4D97-AF65-F5344CB8AC3E}">
+        <p14:creationId xmlns:p14="http://schemas.microsoft.com/office/powerpoint/2010/main" val="3682770047"/>
+      </p:ext>
+    </p:extLst>
+  </p:cSld>
+  <p:clrMapOvr>
+    <a:masterClrMapping/>
+  </p:clrMapOvr>
+</p:sld>
+</file>
+
+<file path=ppt/slides/slide5.xml><?xml version="1.0" encoding="utf-8"?>
+<p:sld xmlns:a="http://schemas.openxmlformats.org/drawingml/2006/main" xmlns:r="http://schemas.openxmlformats.org/officeDocument/2006/relationships" xmlns:p="http://schemas.openxmlformats.org/presentationml/2006/main">
+  <p:cSld>
+    <p:spTree>
+      <p:nvGrpSpPr>
+        <p:cNvPr id="1" name="">
+          <a:extLst>
+            <a:ext uri="{FF2B5EF4-FFF2-40B4-BE49-F238E27FC236}">
+              <a16:creationId xmlns:a16="http://schemas.microsoft.com/office/drawing/2014/main" id="{FB8A3AC1-D8C4-287B-D1CA-61C6BB29E556}"/>
+            </a:ext>
+          </a:extLst>
+        </p:cNvPr>
+        <p:cNvGrpSpPr/>
+        <p:nvPr/>
+      </p:nvGrpSpPr>
+      <p:grpSpPr>
+        <a:xfrm>
+          <a:off x="0" y="0"/>
+          <a:ext cx="0" cy="0"/>
+          <a:chOff x="0" y="0"/>
+          <a:chExt cx="0" cy="0"/>
+        </a:xfrm>
+      </p:grpSpPr>
       <p:sp>
         <p:nvSpPr>
-          <p:cNvPr id="3" name="Content Placeholder 2">
+          <p:cNvPr id="2" name="Title 1">
             <a:extLst>
               <a:ext uri="{FF2B5EF4-FFF2-40B4-BE49-F238E27FC236}">
-                <a16:creationId xmlns:a16="http://schemas.microsoft.com/office/drawing/2014/main" id="{6490D13D-C961-4ACE-E43F-61B628A6A000}"/>
+                <a16:creationId xmlns:a16="http://schemas.microsoft.com/office/drawing/2014/main" id="{895FADD6-F199-7F07-1E4C-5E2DFD2236A2}"/>
               </a:ext>
             </a:extLst>
           </p:cNvPr>
@@ -4383,7 +10822,7 @@
             <a:spLocks noGrp="1"/>
           </p:cNvSpPr>
           <p:nvPr>
-            <p:ph idx="1"/>
+            <p:ph type="title"/>
           </p:nvPr>
         </p:nvSpPr>
         <p:spPr/>
@@ -4391,14 +10830,432 @@
           <a:bodyPr/>
           <a:lstStyle/>
           <a:p>
-            <a:endParaRPr lang="en-US"/>
+            <a:r>
+              <a:rPr lang="en-US" dirty="0"/>
+              <a:t>Transmutability</a:t>
+            </a:r>
           </a:p>
         </p:txBody>
       </p:sp>
+      <p:grpSp>
+        <p:nvGrpSpPr>
+          <p:cNvPr id="37" name="Group 36">
+            <a:extLst>
+              <a:ext uri="{FF2B5EF4-FFF2-40B4-BE49-F238E27FC236}">
+                <a16:creationId xmlns:a16="http://schemas.microsoft.com/office/drawing/2014/main" id="{A5AAC129-19C2-7100-7AAC-61CC01FFB2A1}"/>
+              </a:ext>
+            </a:extLst>
+          </p:cNvPr>
+          <p:cNvGrpSpPr/>
+          <p:nvPr/>
+        </p:nvGrpSpPr>
+        <p:grpSpPr>
+          <a:xfrm>
+            <a:off x="4744993" y="1492483"/>
+            <a:ext cx="2426044" cy="2681805"/>
+            <a:chOff x="4744993" y="1492483"/>
+            <a:chExt cx="2426044" cy="2681805"/>
+          </a:xfrm>
+        </p:grpSpPr>
+        <p:sp>
+          <p:nvSpPr>
+            <p:cNvPr id="13" name="Arc 12">
+              <a:extLst>
+                <a:ext uri="{FF2B5EF4-FFF2-40B4-BE49-F238E27FC236}">
+                  <a16:creationId xmlns:a16="http://schemas.microsoft.com/office/drawing/2014/main" id="{18A77790-7F6A-F7A5-7DD2-D188653984B7}"/>
+                </a:ext>
+              </a:extLst>
+            </p:cNvPr>
+            <p:cNvSpPr/>
+            <p:nvPr/>
+          </p:nvSpPr>
+          <p:spPr>
+            <a:xfrm rot="18922569">
+              <a:off x="4744993" y="1900644"/>
+              <a:ext cx="2426044" cy="2273644"/>
+            </a:xfrm>
+            <a:prstGeom prst="arc">
+              <a:avLst>
+                <a:gd name="adj1" fmla="val 16200000"/>
+                <a:gd name="adj2" fmla="val 23411"/>
+              </a:avLst>
+            </a:prstGeom>
+            <a:ln>
+              <a:solidFill>
+                <a:schemeClr val="tx1"/>
+              </a:solidFill>
+              <a:tailEnd type="arrow"/>
+            </a:ln>
+          </p:spPr>
+          <p:style>
+            <a:lnRef idx="2">
+              <a:schemeClr val="accent1"/>
+            </a:lnRef>
+            <a:fillRef idx="0">
+              <a:schemeClr val="accent1"/>
+            </a:fillRef>
+            <a:effectRef idx="1">
+              <a:schemeClr val="accent1"/>
+            </a:effectRef>
+            <a:fontRef idx="minor">
+              <a:schemeClr val="tx1"/>
+            </a:fontRef>
+          </p:style>
+          <p:txBody>
+            <a:bodyPr rtlCol="0" anchor="ctr"/>
+            <a:lstStyle/>
+            <a:p>
+              <a:pPr algn="ctr"/>
+              <a:endParaRPr lang="en-US"/>
+            </a:p>
+          </p:txBody>
+        </p:sp>
+        <mc:AlternateContent xmlns:mc="http://schemas.openxmlformats.org/markup-compatibility/2006">
+          <mc:Choice xmlns:a14="http://schemas.microsoft.com/office/drawing/2010/main" Requires="a14">
+            <p:sp>
+              <p:nvSpPr>
+                <p:cNvPr id="14" name="TextBox 13">
+                  <a:extLst>
+                    <a:ext uri="{FF2B5EF4-FFF2-40B4-BE49-F238E27FC236}">
+                      <a16:creationId xmlns:a16="http://schemas.microsoft.com/office/drawing/2014/main" id="{F0CF8CC6-4652-EB92-5DE6-2D710188AA74}"/>
+                    </a:ext>
+                  </a:extLst>
+                </p:cNvPr>
+                <p:cNvSpPr txBox="1"/>
+                <p:nvPr/>
+              </p:nvSpPr>
+              <p:spPr>
+                <a:xfrm>
+                  <a:off x="5820032" y="1492483"/>
+                  <a:ext cx="370038" cy="369332"/>
+                </a:xfrm>
+                <a:prstGeom prst="rect">
+                  <a:avLst/>
+                </a:prstGeom>
+                <a:noFill/>
+              </p:spPr>
+              <p:txBody>
+                <a:bodyPr wrap="none" rtlCol="0">
+                  <a:spAutoFit/>
+                </a:bodyPr>
+                <a:lstStyle/>
+                <a:p>
+                  <a14:m>
+                    <m:oMathPara xmlns:m="http://schemas.openxmlformats.org/officeDocument/2006/math">
+                      <m:oMathParaPr>
+                        <m:jc m:val="centerGroup"/>
+                      </m:oMathParaPr>
+                      <m:oMath xmlns:m="http://schemas.openxmlformats.org/officeDocument/2006/math">
+                        <m:r>
+                          <a:rPr lang="en-US" b="0" i="1" smtClean="0">
+                            <a:latin typeface="Cambria Math" panose="02040503050406030204" pitchFamily="18" charset="0"/>
+                          </a:rPr>
+                          <m:t>𝑢</m:t>
+                        </m:r>
+                      </m:oMath>
+                    </m:oMathPara>
+                  </a14:m>
+                  <a:endParaRPr lang="en-US" dirty="0"/>
+                </a:p>
+              </p:txBody>
+            </p:sp>
+          </mc:Choice>
+          <mc:Fallback>
+            <p:sp>
+              <p:nvSpPr>
+                <p:cNvPr id="14" name="TextBox 13">
+                  <a:extLst>
+                    <a:ext uri="{FF2B5EF4-FFF2-40B4-BE49-F238E27FC236}">
+                      <a16:creationId xmlns:a16="http://schemas.microsoft.com/office/drawing/2014/main" id="{F0CF8CC6-4652-EB92-5DE6-2D710188AA74}"/>
+                    </a:ext>
+                  </a:extLst>
+                </p:cNvPr>
+                <p:cNvSpPr txBox="1">
+                  <a:spLocks noRot="1" noChangeAspect="1" noMove="1" noResize="1" noEditPoints="1" noAdjustHandles="1" noChangeArrowheads="1" noChangeShapeType="1" noTextEdit="1"/>
+                </p:cNvSpPr>
+                <p:nvPr/>
+              </p:nvSpPr>
+              <p:spPr>
+                <a:xfrm>
+                  <a:off x="5820032" y="1492483"/>
+                  <a:ext cx="370038" cy="369332"/>
+                </a:xfrm>
+                <a:prstGeom prst="rect">
+                  <a:avLst/>
+                </a:prstGeom>
+                <a:blipFill>
+                  <a:blip r:embed="rId2"/>
+                  <a:stretch>
+                    <a:fillRect/>
+                  </a:stretch>
+                </a:blipFill>
+              </p:spPr>
+              <p:txBody>
+                <a:bodyPr/>
+                <a:lstStyle/>
+                <a:p>
+                  <a:r>
+                    <a:rPr lang="en-US">
+                      <a:noFill/>
+                    </a:rPr>
+                    <a:t> </a:t>
+                  </a:r>
+                </a:p>
+              </p:txBody>
+            </p:sp>
+          </mc:Fallback>
+        </mc:AlternateContent>
+      </p:grpSp>
+      <p:grpSp>
+        <p:nvGrpSpPr>
+          <p:cNvPr id="36" name="Group 35">
+            <a:extLst>
+              <a:ext uri="{FF2B5EF4-FFF2-40B4-BE49-F238E27FC236}">
+                <a16:creationId xmlns:a16="http://schemas.microsoft.com/office/drawing/2014/main" id="{52F03678-1A19-14DD-B2D5-08E3CA8A2B1F}"/>
+              </a:ext>
+            </a:extLst>
+          </p:cNvPr>
+          <p:cNvGrpSpPr/>
+          <p:nvPr/>
+        </p:nvGrpSpPr>
+        <p:grpSpPr>
+          <a:xfrm>
+            <a:off x="4897393" y="3412290"/>
+            <a:ext cx="2426044" cy="2706424"/>
+            <a:chOff x="4897393" y="3412290"/>
+            <a:chExt cx="2426044" cy="2706424"/>
+          </a:xfrm>
+        </p:grpSpPr>
+        <p:sp>
+          <p:nvSpPr>
+            <p:cNvPr id="15" name="Arc 14">
+              <a:extLst>
+                <a:ext uri="{FF2B5EF4-FFF2-40B4-BE49-F238E27FC236}">
+                  <a16:creationId xmlns:a16="http://schemas.microsoft.com/office/drawing/2014/main" id="{E9AC40E5-7D32-043F-F98D-C0F843A460BB}"/>
+                </a:ext>
+              </a:extLst>
+            </p:cNvPr>
+            <p:cNvSpPr/>
+            <p:nvPr/>
+          </p:nvSpPr>
+          <p:spPr>
+            <a:xfrm rot="8158387">
+              <a:off x="4897393" y="3412290"/>
+              <a:ext cx="2426044" cy="2273644"/>
+            </a:xfrm>
+            <a:prstGeom prst="arc">
+              <a:avLst>
+                <a:gd name="adj1" fmla="val 16200000"/>
+                <a:gd name="adj2" fmla="val 23411"/>
+              </a:avLst>
+            </a:prstGeom>
+            <a:ln>
+              <a:solidFill>
+                <a:schemeClr val="tx1"/>
+              </a:solidFill>
+              <a:tailEnd type="arrow"/>
+            </a:ln>
+          </p:spPr>
+          <p:style>
+            <a:lnRef idx="2">
+              <a:schemeClr val="accent1"/>
+            </a:lnRef>
+            <a:fillRef idx="0">
+              <a:schemeClr val="accent1"/>
+            </a:fillRef>
+            <a:effectRef idx="1">
+              <a:schemeClr val="accent1"/>
+            </a:effectRef>
+            <a:fontRef idx="minor">
+              <a:schemeClr val="tx1"/>
+            </a:fontRef>
+          </p:style>
+          <p:txBody>
+            <a:bodyPr rtlCol="0" anchor="ctr"/>
+            <a:lstStyle/>
+            <a:p>
+              <a:pPr algn="ctr"/>
+              <a:endParaRPr lang="en-US"/>
+            </a:p>
+          </p:txBody>
+        </p:sp>
+        <mc:AlternateContent xmlns:mc="http://schemas.openxmlformats.org/markup-compatibility/2006">
+          <mc:Choice xmlns:a14="http://schemas.microsoft.com/office/drawing/2010/main" Requires="a14">
+            <p:sp>
+              <p:nvSpPr>
+                <p:cNvPr id="17" name="TextBox 16">
+                  <a:extLst>
+                    <a:ext uri="{FF2B5EF4-FFF2-40B4-BE49-F238E27FC236}">
+                      <a16:creationId xmlns:a16="http://schemas.microsoft.com/office/drawing/2014/main" id="{3EC06722-3E69-8CC1-0A21-365F49A15CD2}"/>
+                    </a:ext>
+                  </a:extLst>
+                </p:cNvPr>
+                <p:cNvSpPr txBox="1"/>
+                <p:nvPr/>
+              </p:nvSpPr>
+              <p:spPr>
+                <a:xfrm>
+                  <a:off x="5910981" y="5749382"/>
+                  <a:ext cx="370038" cy="369332"/>
+                </a:xfrm>
+                <a:prstGeom prst="rect">
+                  <a:avLst/>
+                </a:prstGeom>
+                <a:noFill/>
+              </p:spPr>
+              <p:txBody>
+                <a:bodyPr wrap="square" rtlCol="0">
+                  <a:spAutoFit/>
+                </a:bodyPr>
+                <a:lstStyle/>
+                <a:p>
+                  <a14:m>
+                    <m:oMathPara xmlns:m="http://schemas.openxmlformats.org/officeDocument/2006/math">
+                      <m:oMathParaPr>
+                        <m:jc m:val="centerGroup"/>
+                      </m:oMathParaPr>
+                      <m:oMath xmlns:m="http://schemas.openxmlformats.org/officeDocument/2006/math">
+                        <m:sSup>
+                          <m:sSupPr>
+                            <m:ctrlPr>
+                              <a:rPr lang="en-US" b="0" i="1" smtClean="0">
+                                <a:latin typeface="Cambria Math" panose="02040503050406030204" pitchFamily="18" charset="0"/>
+                              </a:rPr>
+                            </m:ctrlPr>
+                          </m:sSupPr>
+                          <m:e>
+                            <m:r>
+                              <a:rPr lang="en-US" b="0" i="1" smtClean="0">
+                                <a:latin typeface="Cambria Math" panose="02040503050406030204" pitchFamily="18" charset="0"/>
+                              </a:rPr>
+                              <m:t>𝑢</m:t>
+                            </m:r>
+                          </m:e>
+                          <m:sup>
+                            <m:r>
+                              <a:rPr lang="en-US" b="0" i="1" smtClean="0">
+                                <a:latin typeface="Cambria Math" panose="02040503050406030204" pitchFamily="18" charset="0"/>
+                              </a:rPr>
+                              <m:t>−1</m:t>
+                            </m:r>
+                          </m:sup>
+                        </m:sSup>
+                      </m:oMath>
+                    </m:oMathPara>
+                  </a14:m>
+                  <a:endParaRPr lang="en-US" dirty="0"/>
+                </a:p>
+              </p:txBody>
+            </p:sp>
+          </mc:Choice>
+          <mc:Fallback>
+            <p:sp>
+              <p:nvSpPr>
+                <p:cNvPr id="17" name="TextBox 16">
+                  <a:extLst>
+                    <a:ext uri="{FF2B5EF4-FFF2-40B4-BE49-F238E27FC236}">
+                      <a16:creationId xmlns:a16="http://schemas.microsoft.com/office/drawing/2014/main" id="{3EC06722-3E69-8CC1-0A21-365F49A15CD2}"/>
+                    </a:ext>
+                  </a:extLst>
+                </p:cNvPr>
+                <p:cNvSpPr txBox="1">
+                  <a:spLocks noRot="1" noChangeAspect="1" noMove="1" noResize="1" noEditPoints="1" noAdjustHandles="1" noChangeArrowheads="1" noChangeShapeType="1" noTextEdit="1"/>
+                </p:cNvSpPr>
+                <p:nvPr/>
+              </p:nvSpPr>
+              <p:spPr>
+                <a:xfrm>
+                  <a:off x="5910981" y="5749382"/>
+                  <a:ext cx="370038" cy="369332"/>
+                </a:xfrm>
+                <a:prstGeom prst="rect">
+                  <a:avLst/>
+                </a:prstGeom>
+                <a:blipFill>
+                  <a:blip r:embed="rId3"/>
+                  <a:stretch>
+                    <a:fillRect r="-36667"/>
+                  </a:stretch>
+                </a:blipFill>
+              </p:spPr>
+              <p:txBody>
+                <a:bodyPr/>
+                <a:lstStyle/>
+                <a:p>
+                  <a:r>
+                    <a:rPr lang="en-US">
+                      <a:noFill/>
+                    </a:rPr>
+                    <a:t> </a:t>
+                  </a:r>
+                </a:p>
+              </p:txBody>
+            </p:sp>
+          </mc:Fallback>
+        </mc:AlternateContent>
+      </p:grpSp>
+      <p:pic>
+        <p:nvPicPr>
+          <p:cNvPr id="10" name="Content Placeholder 9">
+            <a:extLst>
+              <a:ext uri="{FF2B5EF4-FFF2-40B4-BE49-F238E27FC236}">
+                <a16:creationId xmlns:a16="http://schemas.microsoft.com/office/drawing/2014/main" id="{5CC2E771-A52D-2E83-98BF-F9320E88C874}"/>
+              </a:ext>
+            </a:extLst>
+          </p:cNvPr>
+          <p:cNvPicPr>
+            <a:picLocks noGrp="1" noChangeAspect="1"/>
+          </p:cNvPicPr>
+          <p:nvPr>
+            <p:ph sz="half" idx="1"/>
+          </p:nvPr>
+        </p:nvPicPr>
+        <p:blipFill>
+          <a:blip r:embed="rId4"/>
+          <a:stretch>
+            <a:fillRect/>
+          </a:stretch>
+        </p:blipFill>
+        <p:spPr>
+          <a:xfrm>
+            <a:off x="1143000" y="2629694"/>
+            <a:ext cx="4572000" cy="2743200"/>
+          </a:xfrm>
+        </p:spPr>
+      </p:pic>
+      <p:pic>
+        <p:nvPicPr>
+          <p:cNvPr id="12" name="Content Placeholder 11">
+            <a:extLst>
+              <a:ext uri="{FF2B5EF4-FFF2-40B4-BE49-F238E27FC236}">
+                <a16:creationId xmlns:a16="http://schemas.microsoft.com/office/drawing/2014/main" id="{9AF0C9B9-7F9A-0636-6C57-14C8ADD90C3A}"/>
+              </a:ext>
+            </a:extLst>
+          </p:cNvPr>
+          <p:cNvPicPr>
+            <a:picLocks noGrp="1" noChangeAspect="1"/>
+          </p:cNvPicPr>
+          <p:nvPr>
+            <p:ph sz="half" idx="2"/>
+          </p:nvPr>
+        </p:nvPicPr>
+        <p:blipFill>
+          <a:blip r:embed="rId5"/>
+          <a:stretch>
+            <a:fillRect/>
+          </a:stretch>
+        </p:blipFill>
+        <p:spPr>
+          <a:xfrm>
+            <a:off x="6477000" y="2629694"/>
+            <a:ext cx="4572000" cy="2743200"/>
+          </a:xfrm>
+        </p:spPr>
+      </p:pic>
     </p:spTree>
     <p:extLst>
       <p:ext uri="{BB962C8B-B14F-4D97-AF65-F5344CB8AC3E}">
-        <p14:creationId xmlns:p14="http://schemas.microsoft.com/office/powerpoint/2010/main" val="3682770047"/>
+        <p14:creationId xmlns:p14="http://schemas.microsoft.com/office/powerpoint/2010/main" val="3509936333"/>
       </p:ext>
     </p:extLst>
   </p:cSld>
@@ -6151,31 +13008,35 @@
           </a:p>
         </p:txBody>
       </p:sp>
-      <p:sp>
-        <p:nvSpPr>
-          <p:cNvPr id="4" name="Content Placeholder 3">
+      <p:pic>
+        <p:nvPicPr>
+          <p:cNvPr id="6" name="Content Placeholder 5">
             <a:extLst>
               <a:ext uri="{FF2B5EF4-FFF2-40B4-BE49-F238E27FC236}">
-                <a16:creationId xmlns:a16="http://schemas.microsoft.com/office/drawing/2014/main" id="{84686028-218D-3568-9051-903D36C5B34D}"/>
+                <a16:creationId xmlns:a16="http://schemas.microsoft.com/office/drawing/2014/main" id="{AA81D8C3-0A93-1D6A-6DBA-ED3E56B57DD3}"/>
               </a:ext>
             </a:extLst>
           </p:cNvPr>
-          <p:cNvSpPr>
-            <a:spLocks noGrp="1"/>
-          </p:cNvSpPr>
+          <p:cNvPicPr>
+            <a:picLocks noGrp="1" noChangeAspect="1"/>
+          </p:cNvPicPr>
           <p:nvPr>
             <p:ph sz="half" idx="2"/>
           </p:nvPr>
-        </p:nvSpPr>
-        <p:spPr/>
-        <p:txBody>
-          <a:bodyPr/>
-          <a:lstStyle/>
-          <a:p>
-            <a:endParaRPr lang="en-US"/>
-          </a:p>
-        </p:txBody>
-      </p:sp>
+        </p:nvPicPr>
+        <p:blipFill>
+          <a:blip r:embed="rId2"/>
+          <a:stretch>
+            <a:fillRect/>
+          </a:stretch>
+        </p:blipFill>
+        <p:spPr>
+          <a:xfrm>
+            <a:off x="6477000" y="2629694"/>
+            <a:ext cx="4572000" cy="2743200"/>
+          </a:xfrm>
+        </p:spPr>
+      </p:pic>
     </p:spTree>
     <p:extLst>
       <p:ext uri="{BB962C8B-B14F-4D97-AF65-F5344CB8AC3E}">
@@ -6266,7 +13127,10 @@
                     </m:d>
                   </m:oMath>
                 </a14:m>
-                <a:endParaRPr lang="en-US" dirty="0"/>
+                <a:r>
+                  <a:rPr lang="en-US" dirty="0"/>
+                  <a:t> : Thinning</a:t>
+                </a:r>
               </a:p>
             </p:txBody>
           </p:sp>
@@ -6344,33 +13208,212 @@
           </a:p>
         </p:txBody>
       </p:sp>
-      <p:sp>
-        <p:nvSpPr>
-          <p:cNvPr id="4" name="Content Placeholder 3">
+      <p:pic>
+        <p:nvPicPr>
+          <p:cNvPr id="6" name="Content Placeholder 5">
             <a:extLst>
               <a:ext uri="{FF2B5EF4-FFF2-40B4-BE49-F238E27FC236}">
-                <a16:creationId xmlns:a16="http://schemas.microsoft.com/office/drawing/2014/main" id="{508E088E-FD33-60F9-7FE5-96376EED0CD9}"/>
+                <a16:creationId xmlns:a16="http://schemas.microsoft.com/office/drawing/2014/main" id="{1D1B9D8A-9D76-688F-6260-D6187C1AD34F}"/>
               </a:ext>
             </a:extLst>
           </p:cNvPr>
-          <p:cNvSpPr>
-            <a:spLocks noGrp="1"/>
-          </p:cNvSpPr>
+          <p:cNvPicPr>
+            <a:picLocks noGrp="1" noChangeAspect="1"/>
+          </p:cNvPicPr>
           <p:nvPr>
             <p:ph sz="half" idx="2"/>
           </p:nvPr>
-        </p:nvSpPr>
-        <p:spPr/>
-        <p:txBody>
-          <a:bodyPr>
-            <a:normAutofit/>
-          </a:bodyPr>
-          <a:lstStyle/>
-          <a:p>
-            <a:endParaRPr lang="en-US"/>
-          </a:p>
-        </p:txBody>
-      </p:sp>
+        </p:nvPicPr>
+        <p:blipFill>
+          <a:blip r:embed="rId3"/>
+          <a:stretch>
+            <a:fillRect/>
+          </a:stretch>
+        </p:blipFill>
+        <p:spPr>
+          <a:xfrm>
+            <a:off x="6477000" y="2629694"/>
+            <a:ext cx="4572000" cy="2743200"/>
+          </a:xfrm>
+        </p:spPr>
+      </p:pic>
+      <mc:AlternateContent xmlns:mc="http://schemas.openxmlformats.org/markup-compatibility/2006">
+        <mc:Choice xmlns:a14="http://schemas.microsoft.com/office/drawing/2010/main" Requires="a14">
+          <p:sp>
+            <p:nvSpPr>
+              <p:cNvPr id="8" name="TextBox 7">
+                <a:extLst>
+                  <a:ext uri="{FF2B5EF4-FFF2-40B4-BE49-F238E27FC236}">
+                    <a16:creationId xmlns:a16="http://schemas.microsoft.com/office/drawing/2014/main" id="{CB7CBA8D-C167-1F62-B3E4-1D0D5C45FDA0}"/>
+                  </a:ext>
+                </a:extLst>
+              </p:cNvPr>
+              <p:cNvSpPr txBox="1"/>
+              <p:nvPr/>
+            </p:nvSpPr>
+            <p:spPr>
+              <a:xfrm>
+                <a:off x="9874295" y="3753366"/>
+                <a:ext cx="1731563" cy="372410"/>
+              </a:xfrm>
+              <a:prstGeom prst="rect">
+                <a:avLst/>
+              </a:prstGeom>
+              <a:noFill/>
+            </p:spPr>
+            <p:txBody>
+              <a:bodyPr wrap="none" rtlCol="0">
+                <a:spAutoFit/>
+              </a:bodyPr>
+              <a:lstStyle/>
+              <a:p>
+                <a14:m>
+                  <m:oMathPara xmlns:m="http://schemas.openxmlformats.org/officeDocument/2006/math">
+                    <m:oMathParaPr>
+                      <m:jc m:val="centerGroup"/>
+                    </m:oMathParaPr>
+                    <m:oMath xmlns:m="http://schemas.openxmlformats.org/officeDocument/2006/math">
+                      <m:r>
+                        <a:rPr lang="en-US" b="0" i="1" smtClean="0">
+                          <a:solidFill>
+                            <a:srgbClr val="FF0000"/>
+                          </a:solidFill>
+                          <a:latin typeface="Cambria Math" panose="02040503050406030204" pitchFamily="18" charset="0"/>
+                        </a:rPr>
+                        <m:t>𝜆</m:t>
+                      </m:r>
+                      <m:d>
+                        <m:dPr>
+                          <m:ctrlPr>
+                            <a:rPr lang="en-US" b="0" i="1" smtClean="0">
+                              <a:solidFill>
+                                <a:srgbClr val="FF0000"/>
+                              </a:solidFill>
+                              <a:latin typeface="Cambria Math" panose="02040503050406030204" pitchFamily="18" charset="0"/>
+                            </a:rPr>
+                          </m:ctrlPr>
+                        </m:dPr>
+                        <m:e>
+                          <m:r>
+                            <a:rPr lang="en-US" b="0" i="1" smtClean="0">
+                              <a:solidFill>
+                                <a:srgbClr val="FF0000"/>
+                              </a:solidFill>
+                              <a:latin typeface="Cambria Math" panose="02040503050406030204" pitchFamily="18" charset="0"/>
+                            </a:rPr>
+                            <m:t>𝑡</m:t>
+                          </m:r>
+                        </m:e>
+                      </m:d>
+                      <m:r>
+                        <a:rPr lang="en-US" b="0" i="1" smtClean="0">
+                          <a:solidFill>
+                            <a:srgbClr val="FF0000"/>
+                          </a:solidFill>
+                          <a:latin typeface="Cambria Math" panose="02040503050406030204" pitchFamily="18" charset="0"/>
+                        </a:rPr>
+                        <m:t>=</m:t>
+                      </m:r>
+                      <m:sSup>
+                        <m:sSupPr>
+                          <m:ctrlPr>
+                            <a:rPr lang="en-US" b="0" i="1" smtClean="0">
+                              <a:solidFill>
+                                <a:srgbClr val="FF0000"/>
+                              </a:solidFill>
+                              <a:latin typeface="Cambria Math" panose="02040503050406030204" pitchFamily="18" charset="0"/>
+                            </a:rPr>
+                          </m:ctrlPr>
+                        </m:sSupPr>
+                        <m:e>
+                          <m:r>
+                            <a:rPr lang="en-US" b="0" i="1" smtClean="0">
+                              <a:solidFill>
+                                <a:srgbClr val="FF0000"/>
+                              </a:solidFill>
+                              <a:latin typeface="Cambria Math" panose="02040503050406030204" pitchFamily="18" charset="0"/>
+                            </a:rPr>
+                            <m:t>𝑒</m:t>
+                          </m:r>
+                        </m:e>
+                        <m:sup>
+                          <m:r>
+                            <a:rPr lang="en-US" b="0" i="1" smtClean="0">
+                              <a:solidFill>
+                                <a:srgbClr val="FF0000"/>
+                              </a:solidFill>
+                              <a:latin typeface="Cambria Math" panose="02040503050406030204" pitchFamily="18" charset="0"/>
+                            </a:rPr>
+                            <m:t>−1+0.5</m:t>
+                          </m:r>
+                          <m:r>
+                            <a:rPr lang="en-US" b="0" i="1" smtClean="0">
+                              <a:solidFill>
+                                <a:srgbClr val="FF0000"/>
+                              </a:solidFill>
+                              <a:latin typeface="Cambria Math" panose="02040503050406030204" pitchFamily="18" charset="0"/>
+                            </a:rPr>
+                            <m:t>𝑡</m:t>
+                          </m:r>
+                        </m:sup>
+                      </m:sSup>
+                    </m:oMath>
+                  </m:oMathPara>
+                </a14:m>
+                <a:endParaRPr lang="en-US" dirty="0">
+                  <a:solidFill>
+                    <a:srgbClr val="FF0000"/>
+                  </a:solidFill>
+                </a:endParaRPr>
+              </a:p>
+            </p:txBody>
+          </p:sp>
+        </mc:Choice>
+        <mc:Fallback>
+          <p:sp>
+            <p:nvSpPr>
+              <p:cNvPr id="8" name="TextBox 7">
+                <a:extLst>
+                  <a:ext uri="{FF2B5EF4-FFF2-40B4-BE49-F238E27FC236}">
+                    <a16:creationId xmlns:a16="http://schemas.microsoft.com/office/drawing/2014/main" id="{CB7CBA8D-C167-1F62-B3E4-1D0D5C45FDA0}"/>
+                  </a:ext>
+                </a:extLst>
+              </p:cNvPr>
+              <p:cNvSpPr txBox="1">
+                <a:spLocks noRot="1" noChangeAspect="1" noMove="1" noResize="1" noEditPoints="1" noAdjustHandles="1" noChangeArrowheads="1" noChangeShapeType="1" noTextEdit="1"/>
+              </p:cNvSpPr>
+              <p:nvPr/>
+            </p:nvSpPr>
+            <p:spPr>
+              <a:xfrm>
+                <a:off x="9874295" y="3753366"/>
+                <a:ext cx="1731563" cy="372410"/>
+              </a:xfrm>
+              <a:prstGeom prst="rect">
+                <a:avLst/>
+              </a:prstGeom>
+              <a:blipFill>
+                <a:blip r:embed="rId4"/>
+                <a:stretch>
+                  <a:fillRect/>
+                </a:stretch>
+              </a:blipFill>
+            </p:spPr>
+            <p:txBody>
+              <a:bodyPr/>
+              <a:lstStyle/>
+              <a:p>
+                <a:r>
+                  <a:rPr lang="en-US">
+                    <a:noFill/>
+                  </a:rPr>
+                  <a:t> </a:t>
+                </a:r>
+              </a:p>
+            </p:txBody>
+          </p:sp>
+        </mc:Fallback>
+      </mc:AlternateContent>
     </p:spTree>
     <p:extLst>
       <p:ext uri="{BB962C8B-B14F-4D97-AF65-F5344CB8AC3E}">
@@ -6389,7 +13432,13 @@
   <p:cSld>
     <p:spTree>
       <p:nvGrpSpPr>
-        <p:cNvPr id="1" name=""/>
+        <p:cNvPr id="1" name="">
+          <a:extLst>
+            <a:ext uri="{FF2B5EF4-FFF2-40B4-BE49-F238E27FC236}">
+              <a16:creationId xmlns:a16="http://schemas.microsoft.com/office/drawing/2014/main" id="{69C4BD78-43DC-122A-DE06-6AAF2F72EB8F}"/>
+            </a:ext>
+          </a:extLst>
+        </p:cNvPr>
         <p:cNvGrpSpPr/>
         <p:nvPr/>
       </p:nvGrpSpPr>
@@ -6408,7 +13457,7 @@
               <p:cNvPr id="2" name="Title 1">
                 <a:extLst>
                   <a:ext uri="{FF2B5EF4-FFF2-40B4-BE49-F238E27FC236}">
-                    <a16:creationId xmlns:a16="http://schemas.microsoft.com/office/drawing/2014/main" id="{988CD1BA-A8F6-D091-EA7C-ECA68E1B7725}"/>
+                    <a16:creationId xmlns:a16="http://schemas.microsoft.com/office/drawing/2014/main" id="{6A29FF12-23B6-136B-CA09-BDA6AFD5AF22}"/>
                   </a:ext>
                 </a:extLst>
               </p:cNvPr>
@@ -6455,7 +13504,10 @@
                     </m:d>
                   </m:oMath>
                 </a14:m>
-                <a:endParaRPr lang="en-US" dirty="0"/>
+                <a:r>
+                  <a:rPr lang="en-US" dirty="0"/>
+                  <a:t> : Thinning</a:t>
+                </a:r>
               </a:p>
             </p:txBody>
           </p:sp>
@@ -6466,7 +13518,7 @@
               <p:cNvPr id="2" name="Title 1">
                 <a:extLst>
                   <a:ext uri="{FF2B5EF4-FFF2-40B4-BE49-F238E27FC236}">
-                    <a16:creationId xmlns:a16="http://schemas.microsoft.com/office/drawing/2014/main" id="{988CD1BA-A8F6-D091-EA7C-ECA68E1B7725}"/>
+                    <a16:creationId xmlns:a16="http://schemas.microsoft.com/office/drawing/2014/main" id="{6A29FF12-23B6-136B-CA09-BDA6AFD5AF22}"/>
                   </a:ext>
                 </a:extLst>
               </p:cNvPr>
@@ -6507,7 +13559,7 @@
               <p:cNvPr id="3" name="Content Placeholder 2">
                 <a:extLst>
                   <a:ext uri="{FF2B5EF4-FFF2-40B4-BE49-F238E27FC236}">
-                    <a16:creationId xmlns:a16="http://schemas.microsoft.com/office/drawing/2014/main" id="{2627291E-13CD-D070-7EC1-0CCF73B094D9}"/>
+                    <a16:creationId xmlns:a16="http://schemas.microsoft.com/office/drawing/2014/main" id="{12703033-8A6C-AFB8-DD52-8AE995BD48D7}"/>
                   </a:ext>
                 </a:extLst>
               </p:cNvPr>
@@ -6526,7 +13578,11 @@
               <a:lstStyle/>
               <a:p>
                 <a:r>
-                  <a:rPr lang="en-US" dirty="0"/>
+                  <a:rPr lang="en-US" dirty="0">
+                    <a:solidFill>
+                      <a:srgbClr val="FF0000"/>
+                    </a:solidFill>
+                  </a:rPr>
                   <a:t>Find a majorizer function </a:t>
                 </a:r>
                 <a14:m>
@@ -6535,6 +13591,9 @@
                       <m:sSubPr>
                         <m:ctrlPr>
                           <a:rPr lang="en-US" b="0" i="1" smtClean="0">
+                            <a:solidFill>
+                              <a:srgbClr val="FF0000"/>
+                            </a:solidFill>
                             <a:latin typeface="Cambria Math" panose="02040503050406030204" pitchFamily="18" charset="0"/>
                           </a:rPr>
                         </m:ctrlPr>
@@ -6542,6 +13601,9 @@
                       <m:e>
                         <m:r>
                           <a:rPr lang="en-US" b="0" i="1" smtClean="0">
+                            <a:solidFill>
+                              <a:srgbClr val="FF0000"/>
+                            </a:solidFill>
                             <a:latin typeface="Cambria Math" panose="02040503050406030204" pitchFamily="18" charset="0"/>
                           </a:rPr>
                           <m:t>𝜆</m:t>
@@ -6550,6 +13612,9 @@
                       <m:sub>
                         <m:r>
                           <a:rPr lang="en-US" b="0" i="1" smtClean="0">
+                            <a:solidFill>
+                              <a:srgbClr val="FF0000"/>
+                            </a:solidFill>
                             <a:latin typeface="Cambria Math" panose="02040503050406030204" pitchFamily="18" charset="0"/>
                           </a:rPr>
                           <m:t>∗</m:t>
@@ -6559,269 +13624,28 @@
                   </m:oMath>
                 </a14:m>
                 <a:r>
-                  <a:rPr lang="en-US" dirty="0"/>
-                  <a:t> that’s easy to sample from </a:t>
+                  <a:rPr lang="en-US" dirty="0">
+                    <a:solidFill>
+                      <a:srgbClr val="FF0000"/>
+                    </a:solidFill>
+                  </a:rPr>
+                  <a:t> that’s easy to sample</a:t>
                 </a:r>
               </a:p>
               <a:p>
-                <a:r>
-                  <a:rPr lang="en-US" dirty="0"/>
-                  <a:t>Draw events </a:t>
-                </a:r>
-                <a14:m>
-                  <m:oMath xmlns:m="http://schemas.openxmlformats.org/officeDocument/2006/math">
-                    <m:d>
-                      <m:dPr>
-                        <m:begChr m:val="{"/>
-                        <m:endChr m:val="}"/>
-                        <m:ctrlPr>
-                          <a:rPr lang="en-US" b="0" i="1" smtClean="0">
-                            <a:latin typeface="Cambria Math" panose="02040503050406030204" pitchFamily="18" charset="0"/>
-                          </a:rPr>
-                        </m:ctrlPr>
-                      </m:dPr>
-                      <m:e>
-                        <m:sSub>
-                          <m:sSubPr>
-                            <m:ctrlPr>
-                              <a:rPr lang="en-US" b="0" i="1" smtClean="0">
-                                <a:latin typeface="Cambria Math" panose="02040503050406030204" pitchFamily="18" charset="0"/>
-                              </a:rPr>
-                            </m:ctrlPr>
-                          </m:sSubPr>
-                          <m:e>
-                            <m:r>
-                              <a:rPr lang="en-US" b="0" i="1" smtClean="0">
-                                <a:latin typeface="Cambria Math" panose="02040503050406030204" pitchFamily="18" charset="0"/>
-                              </a:rPr>
-                              <m:t>𝑍</m:t>
-                            </m:r>
-                          </m:e>
-                          <m:sub>
-                            <m:r>
-                              <a:rPr lang="en-US" b="0" i="1" smtClean="0">
-                                <a:latin typeface="Cambria Math" panose="02040503050406030204" pitchFamily="18" charset="0"/>
-                              </a:rPr>
-                              <m:t>∗1</m:t>
-                            </m:r>
-                          </m:sub>
-                        </m:sSub>
-                        <m:r>
-                          <a:rPr lang="en-US" b="0" i="1" smtClean="0">
-                            <a:latin typeface="Cambria Math" panose="02040503050406030204" pitchFamily="18" charset="0"/>
-                          </a:rPr>
-                          <m:t>,</m:t>
-                        </m:r>
-                        <m:r>
-                          <m:rPr>
-                            <m:lit/>
-                          </m:rPr>
-                          <a:rPr lang="en-US" b="0" i="1" smtClean="0">
-                            <a:latin typeface="Cambria Math" panose="02040503050406030204" pitchFamily="18" charset="0"/>
-                          </a:rPr>
-                          <m:t>…</m:t>
-                        </m:r>
-                      </m:e>
-                    </m:d>
-                  </m:oMath>
-                </a14:m>
-                <a:r>
-                  <a:rPr lang="en-US" dirty="0"/>
-                  <a:t> from </a:t>
-                </a:r>
-                <a14:m>
-                  <m:oMath xmlns:m="http://schemas.openxmlformats.org/officeDocument/2006/math">
-                    <m:sSub>
-                      <m:sSubPr>
-                        <m:ctrlPr>
-                          <a:rPr lang="en-US" i="1">
-                            <a:latin typeface="Cambria Math" panose="02040503050406030204" pitchFamily="18" charset="0"/>
-                          </a:rPr>
-                        </m:ctrlPr>
-                      </m:sSubPr>
-                      <m:e>
-                        <m:r>
-                          <a:rPr lang="en-US" i="1">
-                            <a:latin typeface="Cambria Math" panose="02040503050406030204" pitchFamily="18" charset="0"/>
-                          </a:rPr>
-                          <m:t>𝜆</m:t>
-                        </m:r>
-                      </m:e>
-                      <m:sub>
-                        <m:r>
-                          <a:rPr lang="en-US" i="1">
-                            <a:latin typeface="Cambria Math" panose="02040503050406030204" pitchFamily="18" charset="0"/>
-                          </a:rPr>
-                          <m:t>∗</m:t>
-                        </m:r>
-                      </m:sub>
-                    </m:sSub>
-                  </m:oMath>
-                </a14:m>
-                <a:endParaRPr lang="en-US" dirty="0"/>
+                <a:endParaRPr lang="en-US" dirty="0">
+                  <a:solidFill>
+                    <a:srgbClr val="FF0000"/>
+                  </a:solidFill>
+                </a:endParaRPr>
               </a:p>
               <a:p>
+                <a:pPr marL="0" indent="0">
+                  <a:buNone/>
+                </a:pPr>
                 <a:r>
-                  <a:rPr lang="en-US" dirty="0"/>
-                  <a:t>Accept event </a:t>
-                </a:r>
-                <a14:m>
-                  <m:oMath xmlns:m="http://schemas.openxmlformats.org/officeDocument/2006/math">
-                    <m:r>
-                      <a:rPr lang="en-US" b="0" i="1" smtClean="0">
-                        <a:latin typeface="Cambria Math" panose="02040503050406030204" pitchFamily="18" charset="0"/>
-                      </a:rPr>
-                      <m:t>𝑖</m:t>
-                    </m:r>
-                  </m:oMath>
-                </a14:m>
-                <a:r>
-                  <a:rPr lang="en-US" dirty="0"/>
-                  <a:t> with probability </a:t>
-                </a:r>
-                <a14:m>
-                  <m:oMath xmlns:m="http://schemas.openxmlformats.org/officeDocument/2006/math">
-                    <m:f>
-                      <m:fPr>
-                        <m:ctrlPr>
-                          <a:rPr lang="en-US" i="1" smtClean="0">
-                            <a:latin typeface="Cambria Math" panose="02040503050406030204" pitchFamily="18" charset="0"/>
-                          </a:rPr>
-                        </m:ctrlPr>
-                      </m:fPr>
-                      <m:num>
-                        <m:r>
-                          <a:rPr lang="en-US" b="0" i="1" smtClean="0">
-                            <a:latin typeface="Cambria Math" panose="02040503050406030204" pitchFamily="18" charset="0"/>
-                          </a:rPr>
-                          <m:t>𝜆</m:t>
-                        </m:r>
-                        <m:r>
-                          <a:rPr lang="en-US" b="0" i="1" smtClean="0">
-                            <a:latin typeface="Cambria Math" panose="02040503050406030204" pitchFamily="18" charset="0"/>
-                          </a:rPr>
-                          <m:t>(</m:t>
-                        </m:r>
-                        <m:sSub>
-                          <m:sSubPr>
-                            <m:ctrlPr>
-                              <a:rPr lang="en-US" b="0" i="1" smtClean="0">
-                                <a:latin typeface="Cambria Math" panose="02040503050406030204" pitchFamily="18" charset="0"/>
-                              </a:rPr>
-                            </m:ctrlPr>
-                          </m:sSubPr>
-                          <m:e>
-                            <m:r>
-                              <a:rPr lang="en-US" b="0" i="1" smtClean="0">
-                                <a:latin typeface="Cambria Math" panose="02040503050406030204" pitchFamily="18" charset="0"/>
-                              </a:rPr>
-                              <m:t>𝑍</m:t>
-                            </m:r>
-                          </m:e>
-                          <m:sub>
-                            <m:r>
-                              <a:rPr lang="en-US" b="0" i="1" smtClean="0">
-                                <a:latin typeface="Cambria Math" panose="02040503050406030204" pitchFamily="18" charset="0"/>
-                              </a:rPr>
-                              <m:t>∗</m:t>
-                            </m:r>
-                            <m:r>
-                              <a:rPr lang="en-US" b="0" i="1" smtClean="0">
-                                <a:latin typeface="Cambria Math" panose="02040503050406030204" pitchFamily="18" charset="0"/>
-                              </a:rPr>
-                              <m:t>𝑖</m:t>
-                            </m:r>
-                          </m:sub>
-                        </m:sSub>
-                        <m:r>
-                          <a:rPr lang="en-US" b="0" i="1" smtClean="0">
-                            <a:latin typeface="Cambria Math" panose="02040503050406030204" pitchFamily="18" charset="0"/>
-                          </a:rPr>
-                          <m:t>)</m:t>
-                        </m:r>
-                      </m:num>
-                      <m:den>
-                        <m:sSub>
-                          <m:sSubPr>
-                            <m:ctrlPr>
-                              <a:rPr lang="en-US" b="0" i="1" smtClean="0">
-                                <a:latin typeface="Cambria Math" panose="02040503050406030204" pitchFamily="18" charset="0"/>
-                              </a:rPr>
-                            </m:ctrlPr>
-                          </m:sSubPr>
-                          <m:e>
-                            <m:r>
-                              <a:rPr lang="en-US" b="0" i="1" smtClean="0">
-                                <a:latin typeface="Cambria Math" panose="02040503050406030204" pitchFamily="18" charset="0"/>
-                              </a:rPr>
-                              <m:t>𝜆</m:t>
-                            </m:r>
-                          </m:e>
-                          <m:sub>
-                            <m:r>
-                              <a:rPr lang="en-US" b="0" i="1" smtClean="0">
-                                <a:latin typeface="Cambria Math" panose="02040503050406030204" pitchFamily="18" charset="0"/>
-                              </a:rPr>
-                              <m:t>∗</m:t>
-                            </m:r>
-                          </m:sub>
-                        </m:sSub>
-                        <m:r>
-                          <a:rPr lang="en-US" b="0" i="1" smtClean="0">
-                            <a:latin typeface="Cambria Math" panose="02040503050406030204" pitchFamily="18" charset="0"/>
-                          </a:rPr>
-                          <m:t>(</m:t>
-                        </m:r>
-                        <m:sSub>
-                          <m:sSubPr>
-                            <m:ctrlPr>
-                              <a:rPr lang="en-US" b="0" i="1" smtClean="0">
-                                <a:latin typeface="Cambria Math" panose="02040503050406030204" pitchFamily="18" charset="0"/>
-                              </a:rPr>
-                            </m:ctrlPr>
-                          </m:sSubPr>
-                          <m:e>
-                            <m:r>
-                              <a:rPr lang="en-US" b="0" i="1" smtClean="0">
-                                <a:latin typeface="Cambria Math" panose="02040503050406030204" pitchFamily="18" charset="0"/>
-                              </a:rPr>
-                              <m:t>𝑍</m:t>
-                            </m:r>
-                          </m:e>
-                          <m:sub>
-                            <m:r>
-                              <a:rPr lang="en-US" b="0" i="1" smtClean="0">
-                                <a:latin typeface="Cambria Math" panose="02040503050406030204" pitchFamily="18" charset="0"/>
-                              </a:rPr>
-                              <m:t>∗</m:t>
-                            </m:r>
-                            <m:r>
-                              <a:rPr lang="en-US" b="0" i="1" smtClean="0">
-                                <a:latin typeface="Cambria Math" panose="02040503050406030204" pitchFamily="18" charset="0"/>
-                              </a:rPr>
-                              <m:t>𝑖</m:t>
-                            </m:r>
-                          </m:sub>
-                        </m:sSub>
-                        <m:r>
-                          <a:rPr lang="en-US" b="0" i="1" smtClean="0">
-                            <a:latin typeface="Cambria Math" panose="02040503050406030204" pitchFamily="18" charset="0"/>
-                          </a:rPr>
-                          <m:t>)</m:t>
-                        </m:r>
-                      </m:den>
-                    </m:f>
-                  </m:oMath>
-                </a14:m>
-                <a:r>
-                  <a:rPr lang="en-US" dirty="0"/>
-                  <a:t>  </a:t>
-                </a:r>
-              </a:p>
-              <a:p>
-                <a:r>
-                  <a:rPr lang="en-US" dirty="0"/>
-                  <a:t>The set of accepted points is an instantiation from </a:t>
+                  <a:rPr lang="en-US" i="1" dirty="0"/>
+                  <a:t>Majorizer: any function that is “taller” that </a:t>
                 </a:r>
                 <a14:m>
                   <m:oMath xmlns:m="http://schemas.openxmlformats.org/officeDocument/2006/math">
@@ -6831,43 +13655,86 @@
                       </a:rPr>
                       <m:t>𝜆</m:t>
                     </m:r>
+                  </m:oMath>
+                </a14:m>
+                <a:endParaRPr lang="en-US" i="1" dirty="0"/>
+              </a:p>
+              <a:p>
+                <a:pPr marL="0" indent="0">
+                  <a:buNone/>
+                </a:pPr>
+                <a14:m>
+                  <m:oMathPara xmlns:m="http://schemas.openxmlformats.org/officeDocument/2006/math">
+                    <m:oMathParaPr>
+                      <m:jc m:val="centerGroup"/>
+                    </m:oMathParaPr>
+                    <m:oMath xmlns:m="http://schemas.openxmlformats.org/officeDocument/2006/math">
+                      <m:sSub>
+                        <m:sSubPr>
+                          <m:ctrlPr>
+                            <a:rPr lang="en-US" b="0" i="1" smtClean="0">
+                              <a:latin typeface="Cambria Math" panose="02040503050406030204" pitchFamily="18" charset="0"/>
+                            </a:rPr>
+                          </m:ctrlPr>
+                        </m:sSubPr>
+                        <m:e>
+                          <m:r>
+                            <a:rPr lang="en-US" b="0" i="1" smtClean="0">
+                              <a:latin typeface="Cambria Math" panose="02040503050406030204" pitchFamily="18" charset="0"/>
+                            </a:rPr>
+                            <m:t>𝜆</m:t>
+                          </m:r>
+                        </m:e>
+                        <m:sub>
+                          <m:r>
+                            <a:rPr lang="en-US" b="0" i="1" smtClean="0">
+                              <a:latin typeface="Cambria Math" panose="02040503050406030204" pitchFamily="18" charset="0"/>
+                            </a:rPr>
+                            <m:t>∗</m:t>
+                          </m:r>
+                        </m:sub>
+                      </m:sSub>
+                      <m:r>
+                        <a:rPr lang="en-US" b="0" i="1" smtClean="0">
+                          <a:latin typeface="Cambria Math" panose="02040503050406030204" pitchFamily="18" charset="0"/>
+                        </a:rPr>
+                        <m:t>≥</m:t>
+                      </m:r>
+                      <m:r>
+                        <a:rPr lang="en-US" b="0" i="1" smtClean="0">
+                          <a:latin typeface="Cambria Math" panose="02040503050406030204" pitchFamily="18" charset="0"/>
+                        </a:rPr>
+                        <m:t>𝜆</m:t>
+                      </m:r>
+                    </m:oMath>
+                  </m:oMathPara>
+                </a14:m>
+                <a:endParaRPr lang="en-US" i="1" dirty="0"/>
+              </a:p>
+              <a:p>
+                <a:pPr marL="0" indent="0">
+                  <a:buNone/>
+                </a:pPr>
+                <a:r>
+                  <a:rPr lang="en-US" i="1" dirty="0"/>
+                  <a:t> (and has the same support as</a:t>
+                </a:r>
+                <a:r>
+                  <a:rPr lang="en-US" b="0" dirty="0"/>
+                  <a:t> </a:t>
+                </a:r>
+                <a14:m>
+                  <m:oMath xmlns:m="http://schemas.openxmlformats.org/officeDocument/2006/math">
                     <m:r>
                       <a:rPr lang="en-US" b="0" i="1" smtClean="0">
                         <a:latin typeface="Cambria Math" panose="02040503050406030204" pitchFamily="18" charset="0"/>
                       </a:rPr>
-                      <m:t>(</m:t>
-                    </m:r>
-                    <m:r>
-                      <a:rPr lang="en-US" b="0" i="1" smtClean="0">
-                        <a:latin typeface="Cambria Math" panose="02040503050406030204" pitchFamily="18" charset="0"/>
-                      </a:rPr>
-                      <m:t>𝑡</m:t>
-                    </m:r>
-                    <m:r>
-                      <a:rPr lang="en-US" b="0" i="1" smtClean="0">
-                        <a:latin typeface="Cambria Math" panose="02040503050406030204" pitchFamily="18" charset="0"/>
-                      </a:rPr>
-                      <m:t>)</m:t>
+                      <m:t>𝜆</m:t>
                     </m:r>
                   </m:oMath>
                 </a14:m>
                 <a:r>
-                  <a:rPr lang="en-US" dirty="0"/>
-                  <a:t> </a:t>
-                </a:r>
-                <a:br>
-                  <a:rPr lang="en-US" dirty="0"/>
-                </a:br>
-                <a:r>
-                  <a:rPr lang="en-US" dirty="0"/>
-                  <a:t>(</a:t>
-                </a:r>
-                <a:r>
-                  <a:rPr lang="en-US" b="1" dirty="0"/>
-                  <a:t>composability</a:t>
-                </a:r>
-                <a:r>
-                  <a:rPr lang="en-US" dirty="0"/>
+                  <a:rPr lang="en-US" i="1" dirty="0"/>
                   <a:t>)</a:t>
                 </a:r>
               </a:p>
@@ -6880,7 +13747,7 @@
               <p:cNvPr id="3" name="Content Placeholder 2">
                 <a:extLst>
                   <a:ext uri="{FF2B5EF4-FFF2-40B4-BE49-F238E27FC236}">
-                    <a16:creationId xmlns:a16="http://schemas.microsoft.com/office/drawing/2014/main" id="{2627291E-13CD-D070-7EC1-0CCF73B094D9}"/>
+                    <a16:creationId xmlns:a16="http://schemas.microsoft.com/office/drawing/2014/main" id="{12703033-8A6C-AFB8-DD52-8AE995BD48D7}"/>
                   </a:ext>
                 </a:extLst>
               </p:cNvPr>
@@ -6895,7 +13762,7 @@
               <a:blipFill>
                 <a:blip r:embed="rId3"/>
                 <a:stretch>
-                  <a:fillRect l="-2200" t="-2326" r="-978"/>
+                  <a:fillRect l="-2445" t="-2326" r="-1467"/>
                 </a:stretch>
               </a:blipFill>
             </p:spPr>
@@ -6914,37 +13781,375 @@
           </p:sp>
         </mc:Fallback>
       </mc:AlternateContent>
-      <p:sp>
-        <p:nvSpPr>
-          <p:cNvPr id="4" name="Content Placeholder 3">
+      <p:pic>
+        <p:nvPicPr>
+          <p:cNvPr id="7" name="Content Placeholder 6">
             <a:extLst>
               <a:ext uri="{FF2B5EF4-FFF2-40B4-BE49-F238E27FC236}">
-                <a16:creationId xmlns:a16="http://schemas.microsoft.com/office/drawing/2014/main" id="{E078C4BB-ED9E-3AEC-8290-5DE118ADB523}"/>
+                <a16:creationId xmlns:a16="http://schemas.microsoft.com/office/drawing/2014/main" id="{BC3E513F-C60C-A4DA-ABFC-833CAF631088}"/>
               </a:ext>
             </a:extLst>
           </p:cNvPr>
-          <p:cNvSpPr>
-            <a:spLocks noGrp="1"/>
-          </p:cNvSpPr>
+          <p:cNvPicPr>
+            <a:picLocks noGrp="1" noChangeAspect="1"/>
+          </p:cNvPicPr>
           <p:nvPr>
             <p:ph sz="half" idx="2"/>
           </p:nvPr>
-        </p:nvSpPr>
-        <p:spPr/>
-        <p:txBody>
-          <a:bodyPr>
-            <a:normAutofit/>
-          </a:bodyPr>
-          <a:lstStyle/>
-          <a:p>
-            <a:endParaRPr lang="en-US"/>
-          </a:p>
-        </p:txBody>
-      </p:sp>
+        </p:nvPicPr>
+        <p:blipFill>
+          <a:blip r:embed="rId4"/>
+          <a:stretch>
+            <a:fillRect/>
+          </a:stretch>
+        </p:blipFill>
+        <p:spPr>
+          <a:xfrm>
+            <a:off x="6477000" y="2629694"/>
+            <a:ext cx="4572000" cy="2743200"/>
+          </a:xfrm>
+        </p:spPr>
+      </p:pic>
+      <mc:AlternateContent xmlns:mc="http://schemas.openxmlformats.org/markup-compatibility/2006">
+        <mc:Choice xmlns:a14="http://schemas.microsoft.com/office/drawing/2010/main" Requires="a14">
+          <p:sp>
+            <p:nvSpPr>
+              <p:cNvPr id="8" name="TextBox 7">
+                <a:extLst>
+                  <a:ext uri="{FF2B5EF4-FFF2-40B4-BE49-F238E27FC236}">
+                    <a16:creationId xmlns:a16="http://schemas.microsoft.com/office/drawing/2014/main" id="{B54E8D56-F9B7-BFAE-3597-C56692290BCC}"/>
+                  </a:ext>
+                </a:extLst>
+              </p:cNvPr>
+              <p:cNvSpPr txBox="1"/>
+              <p:nvPr/>
+            </p:nvSpPr>
+            <p:spPr>
+              <a:xfrm>
+                <a:off x="10345305" y="2445028"/>
+                <a:ext cx="1160895" cy="369332"/>
+              </a:xfrm>
+              <a:prstGeom prst="rect">
+                <a:avLst/>
+              </a:prstGeom>
+              <a:noFill/>
+            </p:spPr>
+            <p:txBody>
+              <a:bodyPr wrap="none" rtlCol="0">
+                <a:spAutoFit/>
+              </a:bodyPr>
+              <a:lstStyle/>
+              <a:p>
+                <a14:m>
+                  <m:oMathPara xmlns:m="http://schemas.openxmlformats.org/officeDocument/2006/math">
+                    <m:oMathParaPr>
+                      <m:jc m:val="centerGroup"/>
+                    </m:oMathParaPr>
+                    <m:oMath xmlns:m="http://schemas.openxmlformats.org/officeDocument/2006/math">
+                      <m:sSub>
+                        <m:sSubPr>
+                          <m:ctrlPr>
+                            <a:rPr lang="en-US" b="0" i="1" smtClean="0">
+                              <a:solidFill>
+                                <a:srgbClr val="0432FF"/>
+                              </a:solidFill>
+                              <a:latin typeface="Cambria Math" panose="02040503050406030204" pitchFamily="18" charset="0"/>
+                            </a:rPr>
+                          </m:ctrlPr>
+                        </m:sSubPr>
+                        <m:e>
+                          <m:r>
+                            <a:rPr lang="en-US" b="0" i="1" smtClean="0">
+                              <a:solidFill>
+                                <a:srgbClr val="0432FF"/>
+                              </a:solidFill>
+                              <a:latin typeface="Cambria Math" panose="02040503050406030204" pitchFamily="18" charset="0"/>
+                            </a:rPr>
+                            <m:t>𝜆</m:t>
+                          </m:r>
+                        </m:e>
+                        <m:sub>
+                          <m:r>
+                            <a:rPr lang="en-US" b="0" i="1" smtClean="0">
+                              <a:solidFill>
+                                <a:srgbClr val="0432FF"/>
+                              </a:solidFill>
+                              <a:latin typeface="Cambria Math" panose="02040503050406030204" pitchFamily="18" charset="0"/>
+                            </a:rPr>
+                            <m:t>∗</m:t>
+                          </m:r>
+                        </m:sub>
+                      </m:sSub>
+                      <m:d>
+                        <m:dPr>
+                          <m:ctrlPr>
+                            <a:rPr lang="en-US" b="0" i="1" smtClean="0">
+                              <a:solidFill>
+                                <a:srgbClr val="0432FF"/>
+                              </a:solidFill>
+                              <a:latin typeface="Cambria Math" panose="02040503050406030204" pitchFamily="18" charset="0"/>
+                            </a:rPr>
+                          </m:ctrlPr>
+                        </m:dPr>
+                        <m:e>
+                          <m:r>
+                            <a:rPr lang="en-US" b="0" i="1" smtClean="0">
+                              <a:solidFill>
+                                <a:srgbClr val="0432FF"/>
+                              </a:solidFill>
+                              <a:latin typeface="Cambria Math" panose="02040503050406030204" pitchFamily="18" charset="0"/>
+                            </a:rPr>
+                            <m:t>𝑡</m:t>
+                          </m:r>
+                        </m:e>
+                      </m:d>
+                      <m:r>
+                        <a:rPr lang="en-US" b="0" i="0" smtClean="0">
+                          <a:solidFill>
+                            <a:srgbClr val="0432FF"/>
+                          </a:solidFill>
+                          <a:latin typeface="Cambria Math" panose="02040503050406030204" pitchFamily="18" charset="0"/>
+                        </a:rPr>
+                        <m:t>=5</m:t>
+                      </m:r>
+                    </m:oMath>
+                  </m:oMathPara>
+                </a14:m>
+                <a:endParaRPr lang="en-US" dirty="0">
+                  <a:solidFill>
+                    <a:srgbClr val="0432FF"/>
+                  </a:solidFill>
+                </a:endParaRPr>
+              </a:p>
+            </p:txBody>
+          </p:sp>
+        </mc:Choice>
+        <mc:Fallback>
+          <p:sp>
+            <p:nvSpPr>
+              <p:cNvPr id="8" name="TextBox 7">
+                <a:extLst>
+                  <a:ext uri="{FF2B5EF4-FFF2-40B4-BE49-F238E27FC236}">
+                    <a16:creationId xmlns:a16="http://schemas.microsoft.com/office/drawing/2014/main" id="{B54E8D56-F9B7-BFAE-3597-C56692290BCC}"/>
+                  </a:ext>
+                </a:extLst>
+              </p:cNvPr>
+              <p:cNvSpPr txBox="1">
+                <a:spLocks noRot="1" noChangeAspect="1" noMove="1" noResize="1" noEditPoints="1" noAdjustHandles="1" noChangeArrowheads="1" noChangeShapeType="1" noTextEdit="1"/>
+              </p:cNvSpPr>
+              <p:nvPr/>
+            </p:nvSpPr>
+            <p:spPr>
+              <a:xfrm>
+                <a:off x="10345305" y="2445028"/>
+                <a:ext cx="1160895" cy="369332"/>
+              </a:xfrm>
+              <a:prstGeom prst="rect">
+                <a:avLst/>
+              </a:prstGeom>
+              <a:blipFill>
+                <a:blip r:embed="rId5"/>
+                <a:stretch>
+                  <a:fillRect/>
+                </a:stretch>
+              </a:blipFill>
+            </p:spPr>
+            <p:txBody>
+              <a:bodyPr/>
+              <a:lstStyle/>
+              <a:p>
+                <a:r>
+                  <a:rPr lang="en-US">
+                    <a:noFill/>
+                  </a:rPr>
+                  <a:t> </a:t>
+                </a:r>
+              </a:p>
+            </p:txBody>
+          </p:sp>
+        </mc:Fallback>
+      </mc:AlternateContent>
+      <mc:AlternateContent xmlns:mc="http://schemas.openxmlformats.org/markup-compatibility/2006">
+        <mc:Choice xmlns:a14="http://schemas.microsoft.com/office/drawing/2010/main" Requires="a14">
+          <p:sp>
+            <p:nvSpPr>
+              <p:cNvPr id="9" name="TextBox 8">
+                <a:extLst>
+                  <a:ext uri="{FF2B5EF4-FFF2-40B4-BE49-F238E27FC236}">
+                    <a16:creationId xmlns:a16="http://schemas.microsoft.com/office/drawing/2014/main" id="{681AF00E-9B6D-9203-70F7-ADEE03948259}"/>
+                  </a:ext>
+                </a:extLst>
+              </p:cNvPr>
+              <p:cNvSpPr txBox="1"/>
+              <p:nvPr/>
+            </p:nvSpPr>
+            <p:spPr>
+              <a:xfrm>
+                <a:off x="9874295" y="3753366"/>
+                <a:ext cx="1731563" cy="372410"/>
+              </a:xfrm>
+              <a:prstGeom prst="rect">
+                <a:avLst/>
+              </a:prstGeom>
+              <a:noFill/>
+            </p:spPr>
+            <p:txBody>
+              <a:bodyPr wrap="none" rtlCol="0">
+                <a:spAutoFit/>
+              </a:bodyPr>
+              <a:lstStyle/>
+              <a:p>
+                <a14:m>
+                  <m:oMathPara xmlns:m="http://schemas.openxmlformats.org/officeDocument/2006/math">
+                    <m:oMathParaPr>
+                      <m:jc m:val="centerGroup"/>
+                    </m:oMathParaPr>
+                    <m:oMath xmlns:m="http://schemas.openxmlformats.org/officeDocument/2006/math">
+                      <m:r>
+                        <a:rPr lang="en-US" b="0" i="1" smtClean="0">
+                          <a:solidFill>
+                            <a:srgbClr val="FF0000"/>
+                          </a:solidFill>
+                          <a:latin typeface="Cambria Math" panose="02040503050406030204" pitchFamily="18" charset="0"/>
+                        </a:rPr>
+                        <m:t>𝜆</m:t>
+                      </m:r>
+                      <m:d>
+                        <m:dPr>
+                          <m:ctrlPr>
+                            <a:rPr lang="en-US" b="0" i="1" smtClean="0">
+                              <a:solidFill>
+                                <a:srgbClr val="FF0000"/>
+                              </a:solidFill>
+                              <a:latin typeface="Cambria Math" panose="02040503050406030204" pitchFamily="18" charset="0"/>
+                            </a:rPr>
+                          </m:ctrlPr>
+                        </m:dPr>
+                        <m:e>
+                          <m:r>
+                            <a:rPr lang="en-US" b="0" i="1" smtClean="0">
+                              <a:solidFill>
+                                <a:srgbClr val="FF0000"/>
+                              </a:solidFill>
+                              <a:latin typeface="Cambria Math" panose="02040503050406030204" pitchFamily="18" charset="0"/>
+                            </a:rPr>
+                            <m:t>𝑡</m:t>
+                          </m:r>
+                        </m:e>
+                      </m:d>
+                      <m:r>
+                        <a:rPr lang="en-US" b="0" i="1" smtClean="0">
+                          <a:solidFill>
+                            <a:srgbClr val="FF0000"/>
+                          </a:solidFill>
+                          <a:latin typeface="Cambria Math" panose="02040503050406030204" pitchFamily="18" charset="0"/>
+                        </a:rPr>
+                        <m:t>=</m:t>
+                      </m:r>
+                      <m:sSup>
+                        <m:sSupPr>
+                          <m:ctrlPr>
+                            <a:rPr lang="en-US" b="0" i="1" smtClean="0">
+                              <a:solidFill>
+                                <a:srgbClr val="FF0000"/>
+                              </a:solidFill>
+                              <a:latin typeface="Cambria Math" panose="02040503050406030204" pitchFamily="18" charset="0"/>
+                            </a:rPr>
+                          </m:ctrlPr>
+                        </m:sSupPr>
+                        <m:e>
+                          <m:r>
+                            <a:rPr lang="en-US" b="0" i="1" smtClean="0">
+                              <a:solidFill>
+                                <a:srgbClr val="FF0000"/>
+                              </a:solidFill>
+                              <a:latin typeface="Cambria Math" panose="02040503050406030204" pitchFamily="18" charset="0"/>
+                            </a:rPr>
+                            <m:t>𝑒</m:t>
+                          </m:r>
+                        </m:e>
+                        <m:sup>
+                          <m:r>
+                            <a:rPr lang="en-US" b="0" i="1" smtClean="0">
+                              <a:solidFill>
+                                <a:srgbClr val="FF0000"/>
+                              </a:solidFill>
+                              <a:latin typeface="Cambria Math" panose="02040503050406030204" pitchFamily="18" charset="0"/>
+                            </a:rPr>
+                            <m:t>−1+0.5</m:t>
+                          </m:r>
+                          <m:r>
+                            <a:rPr lang="en-US" b="0" i="1" smtClean="0">
+                              <a:solidFill>
+                                <a:srgbClr val="FF0000"/>
+                              </a:solidFill>
+                              <a:latin typeface="Cambria Math" panose="02040503050406030204" pitchFamily="18" charset="0"/>
+                            </a:rPr>
+                            <m:t>𝑡</m:t>
+                          </m:r>
+                        </m:sup>
+                      </m:sSup>
+                    </m:oMath>
+                  </m:oMathPara>
+                </a14:m>
+                <a:endParaRPr lang="en-US" dirty="0">
+                  <a:solidFill>
+                    <a:srgbClr val="FF0000"/>
+                  </a:solidFill>
+                </a:endParaRPr>
+              </a:p>
+            </p:txBody>
+          </p:sp>
+        </mc:Choice>
+        <mc:Fallback>
+          <p:sp>
+            <p:nvSpPr>
+              <p:cNvPr id="9" name="TextBox 8">
+                <a:extLst>
+                  <a:ext uri="{FF2B5EF4-FFF2-40B4-BE49-F238E27FC236}">
+                    <a16:creationId xmlns:a16="http://schemas.microsoft.com/office/drawing/2014/main" id="{681AF00E-9B6D-9203-70F7-ADEE03948259}"/>
+                  </a:ext>
+                </a:extLst>
+              </p:cNvPr>
+              <p:cNvSpPr txBox="1">
+                <a:spLocks noRot="1" noChangeAspect="1" noMove="1" noResize="1" noEditPoints="1" noAdjustHandles="1" noChangeArrowheads="1" noChangeShapeType="1" noTextEdit="1"/>
+              </p:cNvSpPr>
+              <p:nvPr/>
+            </p:nvSpPr>
+            <p:spPr>
+              <a:xfrm>
+                <a:off x="9874295" y="3753366"/>
+                <a:ext cx="1731563" cy="372410"/>
+              </a:xfrm>
+              <a:prstGeom prst="rect">
+                <a:avLst/>
+              </a:prstGeom>
+              <a:blipFill>
+                <a:blip r:embed="rId6"/>
+                <a:stretch>
+                  <a:fillRect/>
+                </a:stretch>
+              </a:blipFill>
+            </p:spPr>
+            <p:txBody>
+              <a:bodyPr/>
+              <a:lstStyle/>
+              <a:p>
+                <a:r>
+                  <a:rPr lang="en-US">
+                    <a:noFill/>
+                  </a:rPr>
+                  <a:t> </a:t>
+                </a:r>
+              </a:p>
+            </p:txBody>
+          </p:sp>
+        </mc:Fallback>
+      </mc:AlternateContent>
     </p:spTree>
     <p:extLst>
       <p:ext uri="{BB962C8B-B14F-4D97-AF65-F5344CB8AC3E}">
-        <p14:creationId xmlns:p14="http://schemas.microsoft.com/office/powerpoint/2010/main" val="494648471"/>
+        <p14:creationId xmlns:p14="http://schemas.microsoft.com/office/powerpoint/2010/main" val="2688275470"/>
       </p:ext>
     </p:extLst>
   </p:cSld>
